--- a/figures/figg.pptx
+++ b/figures/figg.pptx
@@ -6,6 +6,7 @@
   </p:sldMasterIdLst>
   <p:sldIdLst>
     <p:sldId id="256" r:id="rId2"/>
+    <p:sldId id="257" r:id="rId3"/>
   </p:sldIdLst>
   <p:sldSz cx="12192000" cy="6858000"/>
   <p:notesSz cx="6858000" cy="9144000"/>
@@ -104,6 +105,11 @@
       </a:defRPr>
     </a:lvl9pPr>
   </p:defaultTextStyle>
+  <p:extLst>
+    <p:ext uri="{EFAFB233-063F-42B5-8137-9DF3F51BA10A}">
+      <p15:sldGuideLst xmlns:p15="http://schemas.microsoft.com/office/powerpoint/2012/main"/>
+    </p:ext>
+  </p:extLst>
 </p:presentation>
 </file>
 
@@ -254,7 +260,7 @@
           <a:p>
             <a:fld id="{D065F3AB-FCC1-4F54-8BFF-5516A9060232}" type="datetimeFigureOut">
               <a:rPr kumimoji="1" lang="ja-JP" altLang="en-US" smtClean="0"/>
-              <a:t>2024/11/14</a:t>
+              <a:t>2024/11/15</a:t>
             </a:fld>
             <a:endParaRPr kumimoji="1" lang="ja-JP" altLang="en-US"/>
           </a:p>
@@ -484,7 +490,7 @@
           <a:p>
             <a:fld id="{D065F3AB-FCC1-4F54-8BFF-5516A9060232}" type="datetimeFigureOut">
               <a:rPr kumimoji="1" lang="ja-JP" altLang="en-US" smtClean="0"/>
-              <a:t>2024/11/14</a:t>
+              <a:t>2024/11/15</a:t>
             </a:fld>
             <a:endParaRPr kumimoji="1" lang="ja-JP" altLang="en-US"/>
           </a:p>
@@ -724,7 +730,7 @@
           <a:p>
             <a:fld id="{D065F3AB-FCC1-4F54-8BFF-5516A9060232}" type="datetimeFigureOut">
               <a:rPr kumimoji="1" lang="ja-JP" altLang="en-US" smtClean="0"/>
-              <a:t>2024/11/14</a:t>
+              <a:t>2024/11/15</a:t>
             </a:fld>
             <a:endParaRPr kumimoji="1" lang="ja-JP" altLang="en-US"/>
           </a:p>
@@ -954,7 +960,7 @@
           <a:p>
             <a:fld id="{D065F3AB-FCC1-4F54-8BFF-5516A9060232}" type="datetimeFigureOut">
               <a:rPr kumimoji="1" lang="ja-JP" altLang="en-US" smtClean="0"/>
-              <a:t>2024/11/14</a:t>
+              <a:t>2024/11/15</a:t>
             </a:fld>
             <a:endParaRPr kumimoji="1" lang="ja-JP" altLang="en-US"/>
           </a:p>
@@ -1229,7 +1235,7 @@
           <a:p>
             <a:fld id="{D065F3AB-FCC1-4F54-8BFF-5516A9060232}" type="datetimeFigureOut">
               <a:rPr kumimoji="1" lang="ja-JP" altLang="en-US" smtClean="0"/>
-              <a:t>2024/11/14</a:t>
+              <a:t>2024/11/15</a:t>
             </a:fld>
             <a:endParaRPr kumimoji="1" lang="ja-JP" altLang="en-US"/>
           </a:p>
@@ -1558,7 +1564,7 @@
           <a:p>
             <a:fld id="{D065F3AB-FCC1-4F54-8BFF-5516A9060232}" type="datetimeFigureOut">
               <a:rPr kumimoji="1" lang="ja-JP" altLang="en-US" smtClean="0"/>
-              <a:t>2024/11/14</a:t>
+              <a:t>2024/11/15</a:t>
             </a:fld>
             <a:endParaRPr kumimoji="1" lang="ja-JP" altLang="en-US"/>
           </a:p>
@@ -2034,7 +2040,7 @@
           <a:p>
             <a:fld id="{D065F3AB-FCC1-4F54-8BFF-5516A9060232}" type="datetimeFigureOut">
               <a:rPr kumimoji="1" lang="ja-JP" altLang="en-US" smtClean="0"/>
-              <a:t>2024/11/14</a:t>
+              <a:t>2024/11/15</a:t>
             </a:fld>
             <a:endParaRPr kumimoji="1" lang="ja-JP" altLang="en-US"/>
           </a:p>
@@ -2175,7 +2181,7 @@
           <a:p>
             <a:fld id="{D065F3AB-FCC1-4F54-8BFF-5516A9060232}" type="datetimeFigureOut">
               <a:rPr kumimoji="1" lang="ja-JP" altLang="en-US" smtClean="0"/>
-              <a:t>2024/11/14</a:t>
+              <a:t>2024/11/15</a:t>
             </a:fld>
             <a:endParaRPr kumimoji="1" lang="ja-JP" altLang="en-US"/>
           </a:p>
@@ -2288,7 +2294,7 @@
           <a:p>
             <a:fld id="{D065F3AB-FCC1-4F54-8BFF-5516A9060232}" type="datetimeFigureOut">
               <a:rPr kumimoji="1" lang="ja-JP" altLang="en-US" smtClean="0"/>
-              <a:t>2024/11/14</a:t>
+              <a:t>2024/11/15</a:t>
             </a:fld>
             <a:endParaRPr kumimoji="1" lang="ja-JP" altLang="en-US"/>
           </a:p>
@@ -2631,7 +2637,7 @@
           <a:p>
             <a:fld id="{D065F3AB-FCC1-4F54-8BFF-5516A9060232}" type="datetimeFigureOut">
               <a:rPr kumimoji="1" lang="ja-JP" altLang="en-US" smtClean="0"/>
-              <a:t>2024/11/14</a:t>
+              <a:t>2024/11/15</a:t>
             </a:fld>
             <a:endParaRPr kumimoji="1" lang="ja-JP" altLang="en-US"/>
           </a:p>
@@ -2919,7 +2925,7 @@
           <a:p>
             <a:fld id="{D065F3AB-FCC1-4F54-8BFF-5516A9060232}" type="datetimeFigureOut">
               <a:rPr kumimoji="1" lang="ja-JP" altLang="en-US" smtClean="0"/>
-              <a:t>2024/11/14</a:t>
+              <a:t>2024/11/15</a:t>
             </a:fld>
             <a:endParaRPr kumimoji="1" lang="ja-JP" altLang="en-US"/>
           </a:p>
@@ -3192,7 +3198,7 @@
           <a:p>
             <a:fld id="{D065F3AB-FCC1-4F54-8BFF-5516A9060232}" type="datetimeFigureOut">
               <a:rPr kumimoji="1" lang="ja-JP" altLang="en-US" smtClean="0"/>
-              <a:t>2024/11/14</a:t>
+              <a:t>2024/11/15</a:t>
             </a:fld>
             <a:endParaRPr kumimoji="1" lang="ja-JP" altLang="en-US"/>
           </a:p>
@@ -4142,6 +4148,5149 @@
 </p:sld>
 </file>
 
+<file path=ppt/slides/slide2.xml><?xml version="1.0" encoding="utf-8"?>
+<p:sld xmlns:a="http://schemas.openxmlformats.org/drawingml/2006/main" xmlns:r="http://schemas.openxmlformats.org/officeDocument/2006/relationships" xmlns:p="http://schemas.openxmlformats.org/presentationml/2006/main">
+  <p:cSld>
+    <p:spTree>
+      <p:nvGrpSpPr>
+        <p:cNvPr id="1" name=""/>
+        <p:cNvGrpSpPr/>
+        <p:nvPr/>
+      </p:nvGrpSpPr>
+      <p:grpSpPr>
+        <a:xfrm>
+          <a:off x="0" y="0"/>
+          <a:ext cx="0" cy="0"/>
+          <a:chOff x="0" y="0"/>
+          <a:chExt cx="0" cy="0"/>
+        </a:xfrm>
+      </p:grpSpPr>
+      <p:grpSp>
+        <p:nvGrpSpPr>
+          <p:cNvPr id="138" name="グループ化 137">
+            <a:extLst>
+              <a:ext uri="{FF2B5EF4-FFF2-40B4-BE49-F238E27FC236}">
+                <a16:creationId xmlns:a16="http://schemas.microsoft.com/office/drawing/2014/main" id="{8EDEFA93-F2ED-1BD7-C5E7-070BEA02F20E}"/>
+              </a:ext>
+            </a:extLst>
+          </p:cNvPr>
+          <p:cNvGrpSpPr/>
+          <p:nvPr/>
+        </p:nvGrpSpPr>
+        <p:grpSpPr>
+          <a:xfrm>
+            <a:off x="673208" y="-363286"/>
+            <a:ext cx="6193959" cy="7554284"/>
+            <a:chOff x="673208" y="-363286"/>
+            <a:chExt cx="6193959" cy="7554284"/>
+          </a:xfrm>
+        </p:grpSpPr>
+        <p:sp>
+          <p:nvSpPr>
+            <p:cNvPr id="5" name="正方形/長方形 4">
+              <a:extLst>
+                <a:ext uri="{FF2B5EF4-FFF2-40B4-BE49-F238E27FC236}">
+                  <a16:creationId xmlns:a16="http://schemas.microsoft.com/office/drawing/2014/main" id="{19F82270-776E-CA6A-6DE9-C3C3CB22CC7B}"/>
+                </a:ext>
+              </a:extLst>
+            </p:cNvPr>
+            <p:cNvSpPr/>
+            <p:nvPr/>
+          </p:nvSpPr>
+          <p:spPr>
+            <a:xfrm>
+              <a:off x="859575" y="-209549"/>
+              <a:ext cx="5886947" cy="6931168"/>
+            </a:xfrm>
+            <a:prstGeom prst="rect">
+              <a:avLst/>
+            </a:prstGeom>
+            <a:solidFill>
+              <a:schemeClr val="bg1"/>
+            </a:solidFill>
+            <a:ln w="19050">
+              <a:solidFill>
+                <a:schemeClr val="tx1"/>
+              </a:solidFill>
+            </a:ln>
+          </p:spPr>
+          <p:style>
+            <a:lnRef idx="2">
+              <a:schemeClr val="accent1">
+                <a:shade val="50000"/>
+              </a:schemeClr>
+            </a:lnRef>
+            <a:fillRef idx="1">
+              <a:schemeClr val="accent1"/>
+            </a:fillRef>
+            <a:effectRef idx="0">
+              <a:schemeClr val="accent1"/>
+            </a:effectRef>
+            <a:fontRef idx="minor">
+              <a:schemeClr val="lt1"/>
+            </a:fontRef>
+          </p:style>
+          <p:txBody>
+            <a:bodyPr rtlCol="0" anchor="ctr"/>
+            <a:lstStyle/>
+            <a:p>
+              <a:pPr algn="ctr"/>
+              <a:endParaRPr kumimoji="1" lang="ja-JP" altLang="en-US" dirty="0"/>
+            </a:p>
+          </p:txBody>
+        </p:sp>
+        <p:sp>
+          <p:nvSpPr>
+            <p:cNvPr id="11" name="正方形/長方形 10">
+              <a:extLst>
+                <a:ext uri="{FF2B5EF4-FFF2-40B4-BE49-F238E27FC236}">
+                  <a16:creationId xmlns:a16="http://schemas.microsoft.com/office/drawing/2014/main" id="{CB4DCE2C-8041-0403-D7E5-13A91E3280EA}"/>
+                </a:ext>
+              </a:extLst>
+            </p:cNvPr>
+            <p:cNvSpPr/>
+            <p:nvPr/>
+          </p:nvSpPr>
+          <p:spPr>
+            <a:xfrm>
+              <a:off x="2538740" y="2705878"/>
+              <a:ext cx="2467129" cy="1772531"/>
+            </a:xfrm>
+            <a:prstGeom prst="rect">
+              <a:avLst/>
+            </a:prstGeom>
+            <a:ln w="19050">
+              <a:solidFill>
+                <a:schemeClr val="tx1"/>
+              </a:solidFill>
+            </a:ln>
+          </p:spPr>
+          <p:style>
+            <a:lnRef idx="2">
+              <a:schemeClr val="dk1"/>
+            </a:lnRef>
+            <a:fillRef idx="1">
+              <a:schemeClr val="lt1"/>
+            </a:fillRef>
+            <a:effectRef idx="0">
+              <a:schemeClr val="dk1"/>
+            </a:effectRef>
+            <a:fontRef idx="minor">
+              <a:schemeClr val="dk1"/>
+            </a:fontRef>
+          </p:style>
+          <p:txBody>
+            <a:bodyPr rtlCol="0" anchor="ctr"/>
+            <a:lstStyle/>
+            <a:p>
+              <a:pPr algn="ctr"/>
+              <a:r>
+                <a:rPr kumimoji="1" lang="en-US" altLang="ja-JP" sz="1300" dirty="0">
+                  <a:latin typeface="Times New Roman" panose="02020603050405020304" pitchFamily="18" charset="0"/>
+                  <a:ea typeface="MS UI Gothic" panose="020B0600070205080204" pitchFamily="50" charset="-128"/>
+                  <a:cs typeface="Times New Roman" panose="02020603050405020304" pitchFamily="18" charset="0"/>
+                </a:rPr>
+                <a:t>FPGA</a:t>
+              </a:r>
+            </a:p>
+          </p:txBody>
+        </p:sp>
+        <p:sp>
+          <p:nvSpPr>
+            <p:cNvPr id="12" name="角丸四角形 74">
+              <a:extLst>
+                <a:ext uri="{FF2B5EF4-FFF2-40B4-BE49-F238E27FC236}">
+                  <a16:creationId xmlns:a16="http://schemas.microsoft.com/office/drawing/2014/main" id="{27BF58EC-84EC-9D9C-DC26-03C0A63989BC}"/>
+                </a:ext>
+              </a:extLst>
+            </p:cNvPr>
+            <p:cNvSpPr/>
+            <p:nvPr/>
+          </p:nvSpPr>
+          <p:spPr>
+            <a:xfrm>
+              <a:off x="5943023" y="5103877"/>
+              <a:ext cx="676557" cy="681553"/>
+            </a:xfrm>
+            <a:prstGeom prst="roundRect">
+              <a:avLst/>
+            </a:prstGeom>
+            <a:ln w="19050">
+              <a:solidFill>
+                <a:schemeClr val="tx1"/>
+              </a:solidFill>
+            </a:ln>
+          </p:spPr>
+          <p:style>
+            <a:lnRef idx="2">
+              <a:schemeClr val="dk1"/>
+            </a:lnRef>
+            <a:fillRef idx="1">
+              <a:schemeClr val="lt1"/>
+            </a:fillRef>
+            <a:effectRef idx="0">
+              <a:schemeClr val="dk1"/>
+            </a:effectRef>
+            <a:fontRef idx="minor">
+              <a:schemeClr val="dk1"/>
+            </a:fontRef>
+          </p:style>
+          <p:txBody>
+            <a:bodyPr rtlCol="0" anchor="ctr"/>
+            <a:lstStyle/>
+            <a:p>
+              <a:pPr algn="ctr"/>
+              <a:r>
+                <a:rPr kumimoji="1" lang="en-US" altLang="ja-JP" sz="1200" dirty="0">
+                  <a:latin typeface="Times New Roman" panose="02020603050405020304" pitchFamily="18" charset="0"/>
+                  <a:ea typeface="MS UI Gothic" panose="020B0600070205080204" pitchFamily="50" charset="-128"/>
+                  <a:cs typeface="Times New Roman" panose="02020603050405020304" pitchFamily="18" charset="0"/>
+                </a:rPr>
+                <a:t>Power</a:t>
+              </a:r>
+            </a:p>
+            <a:p>
+              <a:pPr algn="ctr"/>
+              <a:r>
+                <a:rPr lang="en-US" altLang="ja-JP" sz="1200" dirty="0">
+                  <a:latin typeface="Times New Roman" panose="02020603050405020304" pitchFamily="18" charset="0"/>
+                  <a:ea typeface="MS UI Gothic" panose="020B0600070205080204" pitchFamily="50" charset="-128"/>
+                  <a:cs typeface="Times New Roman" panose="02020603050405020304" pitchFamily="18" charset="0"/>
+                </a:rPr>
+                <a:t>supply</a:t>
+              </a:r>
+              <a:endParaRPr kumimoji="1" lang="ja-JP" altLang="en-US" sz="1200" dirty="0">
+                <a:latin typeface="Times New Roman" panose="02020603050405020304" pitchFamily="18" charset="0"/>
+                <a:ea typeface="MS UI Gothic" panose="020B0600070205080204" pitchFamily="50" charset="-128"/>
+                <a:cs typeface="Times New Roman" panose="02020603050405020304" pitchFamily="18" charset="0"/>
+              </a:endParaRPr>
+            </a:p>
+          </p:txBody>
+        </p:sp>
+        <p:cxnSp>
+          <p:nvCxnSpPr>
+            <p:cNvPr id="13" name="直線コネクタ 12">
+              <a:extLst>
+                <a:ext uri="{FF2B5EF4-FFF2-40B4-BE49-F238E27FC236}">
+                  <a16:creationId xmlns:a16="http://schemas.microsoft.com/office/drawing/2014/main" id="{DFDDDA3F-953F-D1DC-214B-7E2CBA1612F2}"/>
+                </a:ext>
+              </a:extLst>
+            </p:cNvPr>
+            <p:cNvCxnSpPr>
+              <a:cxnSpLocks/>
+            </p:cNvCxnSpPr>
+            <p:nvPr/>
+          </p:nvCxnSpPr>
+          <p:spPr>
+            <a:xfrm>
+              <a:off x="6304161" y="5785430"/>
+              <a:ext cx="0" cy="506310"/>
+            </a:xfrm>
+            <a:prstGeom prst="line">
+              <a:avLst/>
+            </a:prstGeom>
+            <a:ln w="19050">
+              <a:solidFill>
+                <a:schemeClr val="tx1"/>
+              </a:solidFill>
+            </a:ln>
+          </p:spPr>
+          <p:style>
+            <a:lnRef idx="1">
+              <a:schemeClr val="accent1"/>
+            </a:lnRef>
+            <a:fillRef idx="0">
+              <a:schemeClr val="accent1"/>
+            </a:fillRef>
+            <a:effectRef idx="0">
+              <a:schemeClr val="accent1"/>
+            </a:effectRef>
+            <a:fontRef idx="minor">
+              <a:schemeClr val="tx1"/>
+            </a:fontRef>
+          </p:style>
+        </p:cxnSp>
+        <p:sp>
+          <p:nvSpPr>
+            <p:cNvPr id="14" name="正方形/長方形 13">
+              <a:extLst>
+                <a:ext uri="{FF2B5EF4-FFF2-40B4-BE49-F238E27FC236}">
+                  <a16:creationId xmlns:a16="http://schemas.microsoft.com/office/drawing/2014/main" id="{6937EA81-9222-49A8-DF12-D366ED3F3CE2}"/>
+                </a:ext>
+              </a:extLst>
+            </p:cNvPr>
+            <p:cNvSpPr/>
+            <p:nvPr/>
+          </p:nvSpPr>
+          <p:spPr>
+            <a:xfrm rot="16200000">
+              <a:off x="4219907" y="6238365"/>
+              <a:ext cx="1053623" cy="379390"/>
+            </a:xfrm>
+            <a:prstGeom prst="rect">
+              <a:avLst/>
+            </a:prstGeom>
+            <a:solidFill>
+              <a:schemeClr val="bg1">
+                <a:lumMod val="85000"/>
+              </a:schemeClr>
+            </a:solidFill>
+            <a:ln w="19050">
+              <a:solidFill>
+                <a:schemeClr val="tx1"/>
+              </a:solidFill>
+            </a:ln>
+          </p:spPr>
+          <p:style>
+            <a:lnRef idx="2">
+              <a:schemeClr val="dk1"/>
+            </a:lnRef>
+            <a:fillRef idx="1">
+              <a:schemeClr val="lt1"/>
+            </a:fillRef>
+            <a:effectRef idx="0">
+              <a:schemeClr val="dk1"/>
+            </a:effectRef>
+            <a:fontRef idx="minor">
+              <a:schemeClr val="dk1"/>
+            </a:fontRef>
+          </p:style>
+          <p:txBody>
+            <a:bodyPr rtlCol="0" anchor="ctr"/>
+            <a:lstStyle/>
+            <a:p>
+              <a:pPr algn="ctr"/>
+              <a:r>
+                <a:rPr kumimoji="1" lang="en-US" altLang="ja-JP" sz="1200" dirty="0">
+                  <a:latin typeface="Times New Roman" panose="02020603050405020304" pitchFamily="18" charset="0"/>
+                  <a:ea typeface="MS UI Gothic" panose="020B0600070205080204" pitchFamily="50" charset="-128"/>
+                  <a:cs typeface="Times New Roman" panose="02020603050405020304" pitchFamily="18" charset="0"/>
+                </a:rPr>
+                <a:t>SFP1</a:t>
+              </a:r>
+              <a:endParaRPr kumimoji="1" lang="ja-JP" altLang="en-US" sz="1200" dirty="0">
+                <a:latin typeface="Times New Roman" panose="02020603050405020304" pitchFamily="18" charset="0"/>
+                <a:ea typeface="MS UI Gothic" panose="020B0600070205080204" pitchFamily="50" charset="-128"/>
+                <a:cs typeface="Times New Roman" panose="02020603050405020304" pitchFamily="18" charset="0"/>
+              </a:endParaRPr>
+            </a:p>
+          </p:txBody>
+        </p:sp>
+        <p:sp>
+          <p:nvSpPr>
+            <p:cNvPr id="15" name="テキスト ボックス 14">
+              <a:extLst>
+                <a:ext uri="{FF2B5EF4-FFF2-40B4-BE49-F238E27FC236}">
+                  <a16:creationId xmlns:a16="http://schemas.microsoft.com/office/drawing/2014/main" id="{D48CCE64-9389-FB1E-C6CD-EF9685281A87}"/>
+                </a:ext>
+              </a:extLst>
+            </p:cNvPr>
+            <p:cNvSpPr txBox="1"/>
+            <p:nvPr/>
+          </p:nvSpPr>
+          <p:spPr>
+            <a:xfrm>
+              <a:off x="5741155" y="6739894"/>
+              <a:ext cx="1126012" cy="276999"/>
+            </a:xfrm>
+            <a:prstGeom prst="rect">
+              <a:avLst/>
+            </a:prstGeom>
+            <a:noFill/>
+            <a:ln w="19050">
+              <a:noFill/>
+            </a:ln>
+          </p:spPr>
+          <p:txBody>
+            <a:bodyPr wrap="square" rtlCol="0">
+              <a:spAutoFit/>
+            </a:bodyPr>
+            <a:lstStyle/>
+            <a:p>
+              <a:pPr algn="ctr"/>
+              <a:r>
+                <a:rPr lang="en-US" altLang="ja-JP" sz="1200" dirty="0">
+                  <a:latin typeface="Times New Roman" panose="02020603050405020304" pitchFamily="18" charset="0"/>
+                  <a:ea typeface="MS UI Gothic" panose="020B0600070205080204" pitchFamily="50" charset="-128"/>
+                  <a:cs typeface="Times New Roman" panose="02020603050405020304" pitchFamily="18" charset="0"/>
+                </a:rPr>
+                <a:t>DC +20-35V</a:t>
+              </a:r>
+              <a:endParaRPr kumimoji="1" lang="ja-JP" altLang="en-US" sz="1200" dirty="0">
+                <a:latin typeface="Times New Roman" panose="02020603050405020304" pitchFamily="18" charset="0"/>
+                <a:ea typeface="MS UI Gothic" panose="020B0600070205080204" pitchFamily="50" charset="-128"/>
+                <a:cs typeface="Times New Roman" panose="02020603050405020304" pitchFamily="18" charset="0"/>
+              </a:endParaRPr>
+            </a:p>
+          </p:txBody>
+        </p:sp>
+        <p:sp>
+          <p:nvSpPr>
+            <p:cNvPr id="16" name="テキスト ボックス 15">
+              <a:extLst>
+                <a:ext uri="{FF2B5EF4-FFF2-40B4-BE49-F238E27FC236}">
+                  <a16:creationId xmlns:a16="http://schemas.microsoft.com/office/drawing/2014/main" id="{4D60B1D6-14BE-20FF-01C3-A61D1AFD414A}"/>
+                </a:ext>
+              </a:extLst>
+            </p:cNvPr>
+            <p:cNvSpPr txBox="1"/>
+            <p:nvPr/>
+          </p:nvSpPr>
+          <p:spPr>
+            <a:xfrm>
+              <a:off x="4760555" y="-145412"/>
+              <a:ext cx="2036215" cy="338554"/>
+            </a:xfrm>
+            <a:prstGeom prst="rect">
+              <a:avLst/>
+            </a:prstGeom>
+            <a:noFill/>
+            <a:ln w="19050">
+              <a:noFill/>
+            </a:ln>
+          </p:spPr>
+          <p:txBody>
+            <a:bodyPr wrap="square" rtlCol="0">
+              <a:spAutoFit/>
+            </a:bodyPr>
+            <a:lstStyle/>
+            <a:p>
+              <a:pPr algn="ctr"/>
+              <a:r>
+                <a:rPr lang="en-US" altLang="ja-JP" sz="1600" b="1" dirty="0">
+                  <a:latin typeface="Times New Roman" panose="02020603050405020304" pitchFamily="18" charset="0"/>
+                  <a:ea typeface="MS UI Gothic" panose="020B0600070205080204" pitchFamily="50" charset="-128"/>
+                  <a:cs typeface="Times New Roman" panose="02020603050405020304" pitchFamily="18" charset="0"/>
+                </a:rPr>
+                <a:t>RAYRAW module</a:t>
+              </a:r>
+              <a:endParaRPr kumimoji="1" lang="ja-JP" altLang="en-US" sz="1600" b="1" dirty="0">
+                <a:latin typeface="Times New Roman" panose="02020603050405020304" pitchFamily="18" charset="0"/>
+                <a:ea typeface="MS UI Gothic" panose="020B0600070205080204" pitchFamily="50" charset="-128"/>
+                <a:cs typeface="Times New Roman" panose="02020603050405020304" pitchFamily="18" charset="0"/>
+              </a:endParaRPr>
+            </a:p>
+          </p:txBody>
+        </p:sp>
+        <p:sp>
+          <p:nvSpPr>
+            <p:cNvPr id="107" name="正方形/長方形 106">
+              <a:extLst>
+                <a:ext uri="{FF2B5EF4-FFF2-40B4-BE49-F238E27FC236}">
+                  <a16:creationId xmlns:a16="http://schemas.microsoft.com/office/drawing/2014/main" id="{D8CCA7DD-9BDD-EFD0-C36C-1603B32AEA55}"/>
+                </a:ext>
+              </a:extLst>
+            </p:cNvPr>
+            <p:cNvSpPr/>
+            <p:nvPr/>
+          </p:nvSpPr>
+          <p:spPr>
+            <a:xfrm>
+              <a:off x="1642128" y="2942398"/>
+              <a:ext cx="298850" cy="714523"/>
+            </a:xfrm>
+            <a:prstGeom prst="rect">
+              <a:avLst/>
+            </a:prstGeom>
+            <a:ln w="19050">
+              <a:solidFill>
+                <a:schemeClr val="tx1"/>
+              </a:solidFill>
+            </a:ln>
+          </p:spPr>
+          <p:style>
+            <a:lnRef idx="2">
+              <a:schemeClr val="dk1"/>
+            </a:lnRef>
+            <a:fillRef idx="1">
+              <a:schemeClr val="lt1"/>
+            </a:fillRef>
+            <a:effectRef idx="0">
+              <a:schemeClr val="dk1"/>
+            </a:effectRef>
+            <a:fontRef idx="minor">
+              <a:schemeClr val="dk1"/>
+            </a:fontRef>
+          </p:style>
+          <p:txBody>
+            <a:bodyPr rtlCol="0" anchor="ctr"/>
+            <a:lstStyle/>
+            <a:p>
+              <a:pPr algn="ctr"/>
+              <a:endParaRPr kumimoji="1" lang="ja-JP" altLang="en-US">
+                <a:latin typeface="Times New Roman" panose="02020603050405020304" pitchFamily="18" charset="0"/>
+                <a:cs typeface="Times New Roman" panose="02020603050405020304" pitchFamily="18" charset="0"/>
+              </a:endParaRPr>
+            </a:p>
+          </p:txBody>
+        </p:sp>
+        <p:sp>
+          <p:nvSpPr>
+            <p:cNvPr id="108" name="正方形/長方形 107">
+              <a:extLst>
+                <a:ext uri="{FF2B5EF4-FFF2-40B4-BE49-F238E27FC236}">
+                  <a16:creationId xmlns:a16="http://schemas.microsoft.com/office/drawing/2014/main" id="{2A36C6E2-9020-BD72-B268-DB922F3C7359}"/>
+                </a:ext>
+              </a:extLst>
+            </p:cNvPr>
+            <p:cNvSpPr/>
+            <p:nvPr/>
+          </p:nvSpPr>
+          <p:spPr>
+            <a:xfrm>
+              <a:off x="1695830" y="3309403"/>
+              <a:ext cx="137750" cy="51819"/>
+            </a:xfrm>
+            <a:prstGeom prst="rect">
+              <a:avLst/>
+            </a:prstGeom>
+            <a:ln w="19050">
+              <a:solidFill>
+                <a:schemeClr val="tx1"/>
+              </a:solidFill>
+            </a:ln>
+          </p:spPr>
+          <p:style>
+            <a:lnRef idx="2">
+              <a:schemeClr val="dk1"/>
+            </a:lnRef>
+            <a:fillRef idx="1">
+              <a:schemeClr val="lt1"/>
+            </a:fillRef>
+            <a:effectRef idx="0">
+              <a:schemeClr val="dk1"/>
+            </a:effectRef>
+            <a:fontRef idx="minor">
+              <a:schemeClr val="dk1"/>
+            </a:fontRef>
+          </p:style>
+          <p:txBody>
+            <a:bodyPr rtlCol="0" anchor="ctr"/>
+            <a:lstStyle/>
+            <a:p>
+              <a:pPr algn="ctr"/>
+              <a:endParaRPr kumimoji="1" lang="ja-JP" altLang="en-US">
+                <a:latin typeface="Times New Roman" panose="02020603050405020304" pitchFamily="18" charset="0"/>
+                <a:cs typeface="Times New Roman" panose="02020603050405020304" pitchFamily="18" charset="0"/>
+              </a:endParaRPr>
+            </a:p>
+          </p:txBody>
+        </p:sp>
+        <p:sp>
+          <p:nvSpPr>
+            <p:cNvPr id="109" name="正方形/長方形 108">
+              <a:extLst>
+                <a:ext uri="{FF2B5EF4-FFF2-40B4-BE49-F238E27FC236}">
+                  <a16:creationId xmlns:a16="http://schemas.microsoft.com/office/drawing/2014/main" id="{264CDE1F-C185-81C0-F3C8-309ADCC2686A}"/>
+                </a:ext>
+              </a:extLst>
+            </p:cNvPr>
+            <p:cNvSpPr/>
+            <p:nvPr/>
+          </p:nvSpPr>
+          <p:spPr>
+            <a:xfrm>
+              <a:off x="1695830" y="3383902"/>
+              <a:ext cx="137750" cy="51819"/>
+            </a:xfrm>
+            <a:prstGeom prst="rect">
+              <a:avLst/>
+            </a:prstGeom>
+            <a:ln w="19050">
+              <a:solidFill>
+                <a:schemeClr val="tx1"/>
+              </a:solidFill>
+            </a:ln>
+          </p:spPr>
+          <p:style>
+            <a:lnRef idx="2">
+              <a:schemeClr val="dk1"/>
+            </a:lnRef>
+            <a:fillRef idx="1">
+              <a:schemeClr val="lt1"/>
+            </a:fillRef>
+            <a:effectRef idx="0">
+              <a:schemeClr val="dk1"/>
+            </a:effectRef>
+            <a:fontRef idx="minor">
+              <a:schemeClr val="dk1"/>
+            </a:fontRef>
+          </p:style>
+          <p:txBody>
+            <a:bodyPr rtlCol="0" anchor="ctr"/>
+            <a:lstStyle/>
+            <a:p>
+              <a:pPr algn="ctr"/>
+              <a:endParaRPr kumimoji="1" lang="ja-JP" altLang="en-US">
+                <a:latin typeface="Times New Roman" panose="02020603050405020304" pitchFamily="18" charset="0"/>
+                <a:cs typeface="Times New Roman" panose="02020603050405020304" pitchFamily="18" charset="0"/>
+              </a:endParaRPr>
+            </a:p>
+          </p:txBody>
+        </p:sp>
+        <p:sp>
+          <p:nvSpPr>
+            <p:cNvPr id="110" name="正方形/長方形 109">
+              <a:extLst>
+                <a:ext uri="{FF2B5EF4-FFF2-40B4-BE49-F238E27FC236}">
+                  <a16:creationId xmlns:a16="http://schemas.microsoft.com/office/drawing/2014/main" id="{A7B19AF8-787E-1154-5DFC-C740E615ED60}"/>
+                </a:ext>
+              </a:extLst>
+            </p:cNvPr>
+            <p:cNvSpPr/>
+            <p:nvPr/>
+          </p:nvSpPr>
+          <p:spPr>
+            <a:xfrm>
+              <a:off x="1695830" y="3458158"/>
+              <a:ext cx="137750" cy="51819"/>
+            </a:xfrm>
+            <a:prstGeom prst="rect">
+              <a:avLst/>
+            </a:prstGeom>
+            <a:ln w="19050">
+              <a:solidFill>
+                <a:schemeClr val="tx1"/>
+              </a:solidFill>
+            </a:ln>
+          </p:spPr>
+          <p:style>
+            <a:lnRef idx="2">
+              <a:schemeClr val="dk1"/>
+            </a:lnRef>
+            <a:fillRef idx="1">
+              <a:schemeClr val="lt1"/>
+            </a:fillRef>
+            <a:effectRef idx="0">
+              <a:schemeClr val="dk1"/>
+            </a:effectRef>
+            <a:fontRef idx="minor">
+              <a:schemeClr val="dk1"/>
+            </a:fontRef>
+          </p:style>
+          <p:txBody>
+            <a:bodyPr rtlCol="0" anchor="ctr"/>
+            <a:lstStyle/>
+            <a:p>
+              <a:pPr algn="ctr"/>
+              <a:endParaRPr kumimoji="1" lang="ja-JP" altLang="en-US">
+                <a:latin typeface="Times New Roman" panose="02020603050405020304" pitchFamily="18" charset="0"/>
+                <a:cs typeface="Times New Roman" panose="02020603050405020304" pitchFamily="18" charset="0"/>
+              </a:endParaRPr>
+            </a:p>
+          </p:txBody>
+        </p:sp>
+        <p:sp>
+          <p:nvSpPr>
+            <p:cNvPr id="111" name="正方形/長方形 110">
+              <a:extLst>
+                <a:ext uri="{FF2B5EF4-FFF2-40B4-BE49-F238E27FC236}">
+                  <a16:creationId xmlns:a16="http://schemas.microsoft.com/office/drawing/2014/main" id="{42E8A8EA-2CC2-B5FB-F153-B15513C56767}"/>
+                </a:ext>
+              </a:extLst>
+            </p:cNvPr>
+            <p:cNvSpPr/>
+            <p:nvPr/>
+          </p:nvSpPr>
+          <p:spPr>
+            <a:xfrm>
+              <a:off x="1695830" y="3532657"/>
+              <a:ext cx="137750" cy="51819"/>
+            </a:xfrm>
+            <a:prstGeom prst="rect">
+              <a:avLst/>
+            </a:prstGeom>
+            <a:ln w="19050">
+              <a:solidFill>
+                <a:schemeClr val="tx1"/>
+              </a:solidFill>
+            </a:ln>
+          </p:spPr>
+          <p:style>
+            <a:lnRef idx="2">
+              <a:schemeClr val="dk1"/>
+            </a:lnRef>
+            <a:fillRef idx="1">
+              <a:schemeClr val="lt1"/>
+            </a:fillRef>
+            <a:effectRef idx="0">
+              <a:schemeClr val="dk1"/>
+            </a:effectRef>
+            <a:fontRef idx="minor">
+              <a:schemeClr val="dk1"/>
+            </a:fontRef>
+          </p:style>
+          <p:txBody>
+            <a:bodyPr rtlCol="0" anchor="ctr"/>
+            <a:lstStyle/>
+            <a:p>
+              <a:pPr algn="ctr"/>
+              <a:endParaRPr kumimoji="1" lang="ja-JP" altLang="en-US">
+                <a:latin typeface="Times New Roman" panose="02020603050405020304" pitchFamily="18" charset="0"/>
+                <a:cs typeface="Times New Roman" panose="02020603050405020304" pitchFamily="18" charset="0"/>
+              </a:endParaRPr>
+            </a:p>
+          </p:txBody>
+        </p:sp>
+        <p:sp>
+          <p:nvSpPr>
+            <p:cNvPr id="18" name="テキスト ボックス 17">
+              <a:extLst>
+                <a:ext uri="{FF2B5EF4-FFF2-40B4-BE49-F238E27FC236}">
+                  <a16:creationId xmlns:a16="http://schemas.microsoft.com/office/drawing/2014/main" id="{12207520-4B42-364A-5DD2-FEF046605772}"/>
+                </a:ext>
+              </a:extLst>
+            </p:cNvPr>
+            <p:cNvSpPr txBox="1"/>
+            <p:nvPr/>
+          </p:nvSpPr>
+          <p:spPr>
+            <a:xfrm>
+              <a:off x="1266350" y="3684927"/>
+              <a:ext cx="968920" cy="271591"/>
+            </a:xfrm>
+            <a:prstGeom prst="rect">
+              <a:avLst/>
+            </a:prstGeom>
+            <a:noFill/>
+            <a:ln w="19050">
+              <a:noFill/>
+            </a:ln>
+          </p:spPr>
+          <p:txBody>
+            <a:bodyPr wrap="square" rtlCol="0">
+              <a:spAutoFit/>
+            </a:bodyPr>
+            <a:lstStyle/>
+            <a:p>
+              <a:pPr algn="ctr"/>
+              <a:r>
+                <a:rPr lang="en-US" altLang="ja-JP" sz="1200" dirty="0">
+                  <a:latin typeface="Times New Roman" panose="02020603050405020304" pitchFamily="18" charset="0"/>
+                  <a:ea typeface="MS UI Gothic" panose="020B0600070205080204" pitchFamily="50" charset="-128"/>
+                  <a:cs typeface="Times New Roman" panose="02020603050405020304" pitchFamily="18" charset="0"/>
+                </a:rPr>
+                <a:t>DIP Switch</a:t>
+              </a:r>
+              <a:endParaRPr kumimoji="1" lang="ja-JP" altLang="en-US" sz="1200" dirty="0">
+                <a:latin typeface="Times New Roman" panose="02020603050405020304" pitchFamily="18" charset="0"/>
+                <a:ea typeface="MS UI Gothic" panose="020B0600070205080204" pitchFamily="50" charset="-128"/>
+                <a:cs typeface="Times New Roman" panose="02020603050405020304" pitchFamily="18" charset="0"/>
+              </a:endParaRPr>
+            </a:p>
+          </p:txBody>
+        </p:sp>
+        <p:sp>
+          <p:nvSpPr>
+            <p:cNvPr id="19" name="正方形/長方形 18">
+              <a:extLst>
+                <a:ext uri="{FF2B5EF4-FFF2-40B4-BE49-F238E27FC236}">
+                  <a16:creationId xmlns:a16="http://schemas.microsoft.com/office/drawing/2014/main" id="{3C610062-EF14-3116-0733-3FBA3EF2A3FE}"/>
+                </a:ext>
+              </a:extLst>
+            </p:cNvPr>
+            <p:cNvSpPr/>
+            <p:nvPr/>
+          </p:nvSpPr>
+          <p:spPr>
+            <a:xfrm rot="16200000">
+              <a:off x="4951099" y="6238365"/>
+              <a:ext cx="1053623" cy="379390"/>
+            </a:xfrm>
+            <a:prstGeom prst="rect">
+              <a:avLst/>
+            </a:prstGeom>
+            <a:solidFill>
+              <a:schemeClr val="bg1">
+                <a:lumMod val="85000"/>
+              </a:schemeClr>
+            </a:solidFill>
+            <a:ln w="19050">
+              <a:solidFill>
+                <a:schemeClr val="tx1"/>
+              </a:solidFill>
+            </a:ln>
+          </p:spPr>
+          <p:style>
+            <a:lnRef idx="2">
+              <a:schemeClr val="dk1"/>
+            </a:lnRef>
+            <a:fillRef idx="1">
+              <a:schemeClr val="lt1"/>
+            </a:fillRef>
+            <a:effectRef idx="0">
+              <a:schemeClr val="dk1"/>
+            </a:effectRef>
+            <a:fontRef idx="minor">
+              <a:schemeClr val="dk1"/>
+            </a:fontRef>
+          </p:style>
+          <p:txBody>
+            <a:bodyPr rtlCol="0" anchor="ctr"/>
+            <a:lstStyle/>
+            <a:p>
+              <a:pPr algn="ctr"/>
+              <a:r>
+                <a:rPr kumimoji="1" lang="en-US" altLang="ja-JP" sz="1200" dirty="0">
+                  <a:latin typeface="Times New Roman" panose="02020603050405020304" pitchFamily="18" charset="0"/>
+                  <a:ea typeface="MS UI Gothic" panose="020B0600070205080204" pitchFamily="50" charset="-128"/>
+                  <a:cs typeface="Times New Roman" panose="02020603050405020304" pitchFamily="18" charset="0"/>
+                </a:rPr>
+                <a:t>SFP2</a:t>
+              </a:r>
+              <a:endParaRPr kumimoji="1" lang="ja-JP" altLang="en-US" sz="1200" dirty="0">
+                <a:latin typeface="Times New Roman" panose="02020603050405020304" pitchFamily="18" charset="0"/>
+                <a:ea typeface="MS UI Gothic" panose="020B0600070205080204" pitchFamily="50" charset="-128"/>
+                <a:cs typeface="Times New Roman" panose="02020603050405020304" pitchFamily="18" charset="0"/>
+              </a:endParaRPr>
+            </a:p>
+          </p:txBody>
+        </p:sp>
+        <p:sp>
+          <p:nvSpPr>
+            <p:cNvPr id="20" name="正方形/長方形 19">
+              <a:extLst>
+                <a:ext uri="{FF2B5EF4-FFF2-40B4-BE49-F238E27FC236}">
+                  <a16:creationId xmlns:a16="http://schemas.microsoft.com/office/drawing/2014/main" id="{0D17AD36-5439-EA5D-627C-A051BE7DAA26}"/>
+                </a:ext>
+              </a:extLst>
+            </p:cNvPr>
+            <p:cNvSpPr/>
+            <p:nvPr/>
+          </p:nvSpPr>
+          <p:spPr>
+            <a:xfrm rot="16200000">
+              <a:off x="2399090" y="6284835"/>
+              <a:ext cx="726571" cy="286007"/>
+            </a:xfrm>
+            <a:prstGeom prst="rect">
+              <a:avLst/>
+            </a:prstGeom>
+            <a:solidFill>
+              <a:schemeClr val="bg1">
+                <a:lumMod val="85000"/>
+              </a:schemeClr>
+            </a:solidFill>
+            <a:ln w="19050">
+              <a:solidFill>
+                <a:schemeClr val="tx1"/>
+              </a:solidFill>
+            </a:ln>
+          </p:spPr>
+          <p:style>
+            <a:lnRef idx="2">
+              <a:schemeClr val="dk1"/>
+            </a:lnRef>
+            <a:fillRef idx="1">
+              <a:schemeClr val="lt1"/>
+            </a:fillRef>
+            <a:effectRef idx="0">
+              <a:schemeClr val="dk1"/>
+            </a:effectRef>
+            <a:fontRef idx="minor">
+              <a:schemeClr val="dk1"/>
+            </a:fontRef>
+          </p:style>
+          <p:txBody>
+            <a:bodyPr rtlCol="0" anchor="ctr"/>
+            <a:lstStyle/>
+            <a:p>
+              <a:pPr algn="ctr"/>
+              <a:r>
+                <a:rPr lang="en-US" altLang="ja-JP" sz="1200" dirty="0">
+                  <a:solidFill>
+                    <a:schemeClr val="tx1"/>
+                  </a:solidFill>
+                  <a:latin typeface="Times New Roman" panose="02020603050405020304" pitchFamily="18" charset="0"/>
+                  <a:cs typeface="Times New Roman" panose="02020603050405020304" pitchFamily="18" charset="0"/>
+                </a:rPr>
+                <a:t>Coaxial</a:t>
+              </a:r>
+              <a:endParaRPr kumimoji="1" lang="ja-JP" altLang="en-US" sz="1200" dirty="0">
+                <a:solidFill>
+                  <a:schemeClr val="tx1"/>
+                </a:solidFill>
+                <a:latin typeface="Times New Roman" panose="02020603050405020304" pitchFamily="18" charset="0"/>
+                <a:cs typeface="Times New Roman" panose="02020603050405020304" pitchFamily="18" charset="0"/>
+              </a:endParaRPr>
+            </a:p>
+          </p:txBody>
+        </p:sp>
+        <p:sp>
+          <p:nvSpPr>
+            <p:cNvPr id="21" name="正方形/長方形 20">
+              <a:extLst>
+                <a:ext uri="{FF2B5EF4-FFF2-40B4-BE49-F238E27FC236}">
+                  <a16:creationId xmlns:a16="http://schemas.microsoft.com/office/drawing/2014/main" id="{963BB83E-7A23-C698-200C-CB9097F92F95}"/>
+                </a:ext>
+              </a:extLst>
+            </p:cNvPr>
+            <p:cNvSpPr/>
+            <p:nvPr/>
+          </p:nvSpPr>
+          <p:spPr>
+            <a:xfrm>
+              <a:off x="6177422" y="6291740"/>
+              <a:ext cx="286007" cy="429878"/>
+            </a:xfrm>
+            <a:prstGeom prst="rect">
+              <a:avLst/>
+            </a:prstGeom>
+            <a:solidFill>
+              <a:schemeClr val="bg1">
+                <a:lumMod val="85000"/>
+              </a:schemeClr>
+            </a:solidFill>
+            <a:ln w="19050">
+              <a:solidFill>
+                <a:schemeClr val="tx1"/>
+              </a:solidFill>
+            </a:ln>
+          </p:spPr>
+          <p:style>
+            <a:lnRef idx="2">
+              <a:schemeClr val="dk1"/>
+            </a:lnRef>
+            <a:fillRef idx="1">
+              <a:schemeClr val="lt1"/>
+            </a:fillRef>
+            <a:effectRef idx="0">
+              <a:schemeClr val="dk1"/>
+            </a:effectRef>
+            <a:fontRef idx="minor">
+              <a:schemeClr val="dk1"/>
+            </a:fontRef>
+          </p:style>
+          <p:txBody>
+            <a:bodyPr rtlCol="0" anchor="ctr"/>
+            <a:lstStyle/>
+            <a:p>
+              <a:pPr algn="ctr"/>
+              <a:endParaRPr kumimoji="1" lang="ja-JP" altLang="en-US">
+                <a:latin typeface="Times New Roman" panose="02020603050405020304" pitchFamily="18" charset="0"/>
+                <a:cs typeface="Times New Roman" panose="02020603050405020304" pitchFamily="18" charset="0"/>
+              </a:endParaRPr>
+            </a:p>
+          </p:txBody>
+        </p:sp>
+        <p:sp>
+          <p:nvSpPr>
+            <p:cNvPr id="22" name="正方形/長方形 21">
+              <a:extLst>
+                <a:ext uri="{FF2B5EF4-FFF2-40B4-BE49-F238E27FC236}">
+                  <a16:creationId xmlns:a16="http://schemas.microsoft.com/office/drawing/2014/main" id="{78410E66-AF31-08E9-2DDE-EF7C4129CD2E}"/>
+                </a:ext>
+              </a:extLst>
+            </p:cNvPr>
+            <p:cNvSpPr/>
+            <p:nvPr/>
+          </p:nvSpPr>
+          <p:spPr>
+            <a:xfrm>
+              <a:off x="4510516" y="4168360"/>
+              <a:ext cx="500078" cy="310049"/>
+            </a:xfrm>
+            <a:prstGeom prst="rect">
+              <a:avLst/>
+            </a:prstGeom>
+            <a:solidFill>
+              <a:schemeClr val="bg1"/>
+            </a:solidFill>
+            <a:ln w="19050">
+              <a:solidFill>
+                <a:schemeClr val="tx1"/>
+              </a:solidFill>
+            </a:ln>
+          </p:spPr>
+          <p:style>
+            <a:lnRef idx="2">
+              <a:schemeClr val="dk1"/>
+            </a:lnRef>
+            <a:fillRef idx="1">
+              <a:schemeClr val="lt1"/>
+            </a:fillRef>
+            <a:effectRef idx="0">
+              <a:schemeClr val="dk1"/>
+            </a:effectRef>
+            <a:fontRef idx="minor">
+              <a:schemeClr val="dk1"/>
+            </a:fontRef>
+          </p:style>
+          <p:txBody>
+            <a:bodyPr rtlCol="0" anchor="ctr"/>
+            <a:lstStyle/>
+            <a:p>
+              <a:pPr algn="ctr"/>
+              <a:r>
+                <a:rPr lang="en-US" altLang="ja-JP" sz="1200" dirty="0">
+                  <a:latin typeface="Times New Roman" panose="02020603050405020304" pitchFamily="18" charset="0"/>
+                  <a:ea typeface="MS UI Gothic" panose="020B0600070205080204" pitchFamily="50" charset="-128"/>
+                  <a:cs typeface="Times New Roman" panose="02020603050405020304" pitchFamily="18" charset="0"/>
+                </a:rPr>
+                <a:t>GTX</a:t>
+              </a:r>
+              <a:endParaRPr kumimoji="1" lang="ja-JP" altLang="en-US" sz="1200" dirty="0">
+                <a:latin typeface="Times New Roman" panose="02020603050405020304" pitchFamily="18" charset="0"/>
+                <a:ea typeface="MS UI Gothic" panose="020B0600070205080204" pitchFamily="50" charset="-128"/>
+                <a:cs typeface="Times New Roman" panose="02020603050405020304" pitchFamily="18" charset="0"/>
+              </a:endParaRPr>
+            </a:p>
+          </p:txBody>
+        </p:sp>
+        <p:cxnSp>
+          <p:nvCxnSpPr>
+            <p:cNvPr id="23" name="直線矢印コネクタ 22">
+              <a:extLst>
+                <a:ext uri="{FF2B5EF4-FFF2-40B4-BE49-F238E27FC236}">
+                  <a16:creationId xmlns:a16="http://schemas.microsoft.com/office/drawing/2014/main" id="{6BAFE15B-192A-B9FC-34E1-F711C6192782}"/>
+                </a:ext>
+              </a:extLst>
+            </p:cNvPr>
+            <p:cNvCxnSpPr>
+              <a:cxnSpLocks/>
+            </p:cNvCxnSpPr>
+            <p:nvPr/>
+          </p:nvCxnSpPr>
+          <p:spPr>
+            <a:xfrm>
+              <a:off x="1446103" y="2841946"/>
+              <a:ext cx="1092637" cy="0"/>
+            </a:xfrm>
+            <a:prstGeom prst="straightConnector1">
+              <a:avLst/>
+            </a:prstGeom>
+            <a:ln w="19050">
+              <a:solidFill>
+                <a:schemeClr val="tx1"/>
+              </a:solidFill>
+              <a:headEnd type="none"/>
+              <a:tailEnd type="arrow"/>
+            </a:ln>
+          </p:spPr>
+          <p:style>
+            <a:lnRef idx="1">
+              <a:schemeClr val="accent1"/>
+            </a:lnRef>
+            <a:fillRef idx="0">
+              <a:schemeClr val="accent1"/>
+            </a:fillRef>
+            <a:effectRef idx="0">
+              <a:schemeClr val="accent1"/>
+            </a:effectRef>
+            <a:fontRef idx="minor">
+              <a:schemeClr val="tx1"/>
+            </a:fontRef>
+          </p:style>
+        </p:cxnSp>
+        <p:cxnSp>
+          <p:nvCxnSpPr>
+            <p:cNvPr id="24" name="直線コネクタ 23">
+              <a:extLst>
+                <a:ext uri="{FF2B5EF4-FFF2-40B4-BE49-F238E27FC236}">
+                  <a16:creationId xmlns:a16="http://schemas.microsoft.com/office/drawing/2014/main" id="{68DBBE23-D60F-FD81-FE5F-DF37D567DA33}"/>
+                </a:ext>
+              </a:extLst>
+            </p:cNvPr>
+            <p:cNvCxnSpPr>
+              <a:cxnSpLocks/>
+            </p:cNvCxnSpPr>
+            <p:nvPr/>
+          </p:nvCxnSpPr>
+          <p:spPr>
+            <a:xfrm>
+              <a:off x="1446103" y="2294888"/>
+              <a:ext cx="0" cy="547058"/>
+            </a:xfrm>
+            <a:prstGeom prst="line">
+              <a:avLst/>
+            </a:prstGeom>
+            <a:ln w="19050">
+              <a:solidFill>
+                <a:schemeClr val="tx1"/>
+              </a:solidFill>
+              <a:headEnd type="arrow"/>
+              <a:tailEnd type="none"/>
+            </a:ln>
+          </p:spPr>
+          <p:style>
+            <a:lnRef idx="1">
+              <a:schemeClr val="accent1"/>
+            </a:lnRef>
+            <a:fillRef idx="0">
+              <a:schemeClr val="accent1"/>
+            </a:fillRef>
+            <a:effectRef idx="0">
+              <a:schemeClr val="accent1"/>
+            </a:effectRef>
+            <a:fontRef idx="minor">
+              <a:schemeClr val="tx1"/>
+            </a:fontRef>
+          </p:style>
+        </p:cxnSp>
+        <p:cxnSp>
+          <p:nvCxnSpPr>
+            <p:cNvPr id="25" name="直線矢印コネクタ 24">
+              <a:extLst>
+                <a:ext uri="{FF2B5EF4-FFF2-40B4-BE49-F238E27FC236}">
+                  <a16:creationId xmlns:a16="http://schemas.microsoft.com/office/drawing/2014/main" id="{53A41A79-6B77-12CE-C18A-0841341CFA71}"/>
+                </a:ext>
+              </a:extLst>
+            </p:cNvPr>
+            <p:cNvCxnSpPr>
+              <a:cxnSpLocks/>
+            </p:cNvCxnSpPr>
+            <p:nvPr/>
+          </p:nvCxnSpPr>
+          <p:spPr>
+            <a:xfrm flipH="1">
+              <a:off x="5005869" y="3820722"/>
+              <a:ext cx="472041" cy="0"/>
+            </a:xfrm>
+            <a:prstGeom prst="straightConnector1">
+              <a:avLst/>
+            </a:prstGeom>
+            <a:ln w="19050">
+              <a:solidFill>
+                <a:schemeClr val="tx1"/>
+              </a:solidFill>
+              <a:headEnd type="none"/>
+              <a:tailEnd type="arrow"/>
+            </a:ln>
+          </p:spPr>
+          <p:style>
+            <a:lnRef idx="1">
+              <a:schemeClr val="accent1"/>
+            </a:lnRef>
+            <a:fillRef idx="0">
+              <a:schemeClr val="accent1"/>
+            </a:fillRef>
+            <a:effectRef idx="0">
+              <a:schemeClr val="accent1"/>
+            </a:effectRef>
+            <a:fontRef idx="minor">
+              <a:schemeClr val="tx1"/>
+            </a:fontRef>
+          </p:style>
+        </p:cxnSp>
+        <p:cxnSp>
+          <p:nvCxnSpPr>
+            <p:cNvPr id="26" name="直線コネクタ 25">
+              <a:extLst>
+                <a:ext uri="{FF2B5EF4-FFF2-40B4-BE49-F238E27FC236}">
+                  <a16:creationId xmlns:a16="http://schemas.microsoft.com/office/drawing/2014/main" id="{DA69AF33-0E9B-CB07-5954-153FB5557E2A}"/>
+                </a:ext>
+              </a:extLst>
+            </p:cNvPr>
+            <p:cNvCxnSpPr>
+              <a:cxnSpLocks/>
+            </p:cNvCxnSpPr>
+            <p:nvPr/>
+          </p:nvCxnSpPr>
+          <p:spPr>
+            <a:xfrm flipV="1">
+              <a:off x="4746718" y="4489922"/>
+              <a:ext cx="0" cy="1411326"/>
+            </a:xfrm>
+            <a:prstGeom prst="line">
+              <a:avLst/>
+            </a:prstGeom>
+            <a:ln w="19050">
+              <a:solidFill>
+                <a:schemeClr val="tx1"/>
+              </a:solidFill>
+              <a:headEnd type="arrow"/>
+              <a:tailEnd type="arrow"/>
+            </a:ln>
+          </p:spPr>
+          <p:style>
+            <a:lnRef idx="1">
+              <a:schemeClr val="accent1"/>
+            </a:lnRef>
+            <a:fillRef idx="0">
+              <a:schemeClr val="accent1"/>
+            </a:fillRef>
+            <a:effectRef idx="0">
+              <a:schemeClr val="accent1"/>
+            </a:effectRef>
+            <a:fontRef idx="minor">
+              <a:schemeClr val="tx1"/>
+            </a:fontRef>
+          </p:style>
+        </p:cxnSp>
+        <p:sp>
+          <p:nvSpPr>
+            <p:cNvPr id="27" name="正方形/長方形 26">
+              <a:extLst>
+                <a:ext uri="{FF2B5EF4-FFF2-40B4-BE49-F238E27FC236}">
+                  <a16:creationId xmlns:a16="http://schemas.microsoft.com/office/drawing/2014/main" id="{47DA47BF-F801-9BA5-80B8-647C65EA049C}"/>
+                </a:ext>
+              </a:extLst>
+            </p:cNvPr>
+            <p:cNvSpPr/>
+            <p:nvPr/>
+          </p:nvSpPr>
+          <p:spPr>
+            <a:xfrm>
+              <a:off x="2620318" y="4960030"/>
+              <a:ext cx="705110" cy="481756"/>
+            </a:xfrm>
+            <a:prstGeom prst="rect">
+              <a:avLst/>
+            </a:prstGeom>
+            <a:ln w="19050">
+              <a:solidFill>
+                <a:schemeClr val="tx1"/>
+              </a:solidFill>
+            </a:ln>
+          </p:spPr>
+          <p:style>
+            <a:lnRef idx="2">
+              <a:schemeClr val="dk1"/>
+            </a:lnRef>
+            <a:fillRef idx="1">
+              <a:schemeClr val="lt1"/>
+            </a:fillRef>
+            <a:effectRef idx="0">
+              <a:schemeClr val="dk1"/>
+            </a:effectRef>
+            <a:fontRef idx="minor">
+              <a:schemeClr val="dk1"/>
+            </a:fontRef>
+          </p:style>
+          <p:txBody>
+            <a:bodyPr rtlCol="0" anchor="ctr"/>
+            <a:lstStyle/>
+            <a:p>
+              <a:pPr algn="ctr"/>
+              <a:r>
+                <a:rPr lang="en-US" altLang="ja-JP" sz="1200" dirty="0">
+                  <a:latin typeface="Times New Roman" panose="02020603050405020304" pitchFamily="18" charset="0"/>
+                  <a:cs typeface="Times New Roman" panose="02020603050405020304" pitchFamily="18" charset="0"/>
+                </a:rPr>
+                <a:t>Logic</a:t>
+              </a:r>
+            </a:p>
+            <a:p>
+              <a:pPr algn="ctr"/>
+              <a:r>
+                <a:rPr lang="en-US" altLang="ja-JP" sz="1200" dirty="0">
+                  <a:latin typeface="Times New Roman" panose="02020603050405020304" pitchFamily="18" charset="0"/>
+                  <a:cs typeface="Times New Roman" panose="02020603050405020304" pitchFamily="18" charset="0"/>
+                </a:rPr>
+                <a:t>translate</a:t>
+              </a:r>
+              <a:endParaRPr kumimoji="1" lang="ja-JP" altLang="en-US" sz="1200" dirty="0">
+                <a:latin typeface="Times New Roman" panose="02020603050405020304" pitchFamily="18" charset="0"/>
+                <a:cs typeface="Times New Roman" panose="02020603050405020304" pitchFamily="18" charset="0"/>
+              </a:endParaRPr>
+            </a:p>
+          </p:txBody>
+        </p:sp>
+        <p:sp>
+          <p:nvSpPr>
+            <p:cNvPr id="30" name="テキスト ボックス 29">
+              <a:extLst>
+                <a:ext uri="{FF2B5EF4-FFF2-40B4-BE49-F238E27FC236}">
+                  <a16:creationId xmlns:a16="http://schemas.microsoft.com/office/drawing/2014/main" id="{F36074B2-BC48-7271-0E93-460749DD90E4}"/>
+                </a:ext>
+              </a:extLst>
+            </p:cNvPr>
+            <p:cNvSpPr txBox="1"/>
+            <p:nvPr/>
+          </p:nvSpPr>
+          <p:spPr>
+            <a:xfrm>
+              <a:off x="2554462" y="6929388"/>
+              <a:ext cx="890790" cy="261610"/>
+            </a:xfrm>
+            <a:prstGeom prst="rect">
+              <a:avLst/>
+            </a:prstGeom>
+            <a:noFill/>
+            <a:ln w="19050">
+              <a:noFill/>
+            </a:ln>
+          </p:spPr>
+          <p:txBody>
+            <a:bodyPr wrap="square" rtlCol="0">
+              <a:spAutoFit/>
+            </a:bodyPr>
+            <a:lstStyle/>
+            <a:p>
+              <a:pPr algn="ctr"/>
+              <a:r>
+                <a:rPr lang="en-US" altLang="ja-JP" sz="1100">
+                  <a:latin typeface="Times New Roman" panose="02020603050405020304" pitchFamily="18" charset="0"/>
+                  <a:ea typeface="MS UI Gothic" panose="020B0600070205080204" pitchFamily="50" charset="-128"/>
+                  <a:cs typeface="Times New Roman" panose="02020603050405020304" pitchFamily="18" charset="0"/>
+                </a:rPr>
+                <a:t>NIM</a:t>
+              </a:r>
+              <a:r>
+                <a:rPr lang="ja-JP" altLang="en-US" sz="1100" dirty="0">
+                  <a:latin typeface="Times New Roman" panose="02020603050405020304" pitchFamily="18" charset="0"/>
+                  <a:ea typeface="MS UI Gothic" panose="020B0600070205080204" pitchFamily="50" charset="-128"/>
+                  <a:cs typeface="Times New Roman" panose="02020603050405020304" pitchFamily="18" charset="0"/>
+                </a:rPr>
+                <a:t>　</a:t>
+              </a:r>
+              <a:r>
+                <a:rPr lang="en-US" altLang="ja-JP" sz="1100" dirty="0">
+                  <a:latin typeface="Times New Roman" panose="02020603050405020304" pitchFamily="18" charset="0"/>
+                  <a:ea typeface="MS UI Gothic" panose="020B0600070205080204" pitchFamily="50" charset="-128"/>
+                  <a:cs typeface="Times New Roman" panose="02020603050405020304" pitchFamily="18" charset="0"/>
+                </a:rPr>
+                <a:t>IO</a:t>
+              </a:r>
+            </a:p>
+          </p:txBody>
+        </p:sp>
+        <p:cxnSp>
+          <p:nvCxnSpPr>
+            <p:cNvPr id="31" name="直線コネクタ 30">
+              <a:extLst>
+                <a:ext uri="{FF2B5EF4-FFF2-40B4-BE49-F238E27FC236}">
+                  <a16:creationId xmlns:a16="http://schemas.microsoft.com/office/drawing/2014/main" id="{E722645D-60CF-43F8-5411-4C04544F1F29}"/>
+                </a:ext>
+              </a:extLst>
+            </p:cNvPr>
+            <p:cNvCxnSpPr>
+              <a:cxnSpLocks/>
+            </p:cNvCxnSpPr>
+            <p:nvPr/>
+          </p:nvCxnSpPr>
+          <p:spPr>
+            <a:xfrm>
+              <a:off x="2803079" y="4483744"/>
+              <a:ext cx="0" cy="476286"/>
+            </a:xfrm>
+            <a:prstGeom prst="line">
+              <a:avLst/>
+            </a:prstGeom>
+            <a:ln w="19050">
+              <a:solidFill>
+                <a:schemeClr val="tx1"/>
+              </a:solidFill>
+              <a:headEnd type="arrow"/>
+              <a:tailEnd type="none"/>
+            </a:ln>
+          </p:spPr>
+          <p:style>
+            <a:lnRef idx="1">
+              <a:schemeClr val="accent1"/>
+            </a:lnRef>
+            <a:fillRef idx="0">
+              <a:schemeClr val="accent1"/>
+            </a:fillRef>
+            <a:effectRef idx="0">
+              <a:schemeClr val="accent1"/>
+            </a:effectRef>
+            <a:fontRef idx="minor">
+              <a:schemeClr val="tx1"/>
+            </a:fontRef>
+          </p:style>
+        </p:cxnSp>
+        <p:cxnSp>
+          <p:nvCxnSpPr>
+            <p:cNvPr id="32" name="直線コネクタ 31">
+              <a:extLst>
+                <a:ext uri="{FF2B5EF4-FFF2-40B4-BE49-F238E27FC236}">
+                  <a16:creationId xmlns:a16="http://schemas.microsoft.com/office/drawing/2014/main" id="{13D85012-B146-69B5-45BD-00F537AFB11B}"/>
+                </a:ext>
+              </a:extLst>
+            </p:cNvPr>
+            <p:cNvCxnSpPr>
+              <a:cxnSpLocks/>
+            </p:cNvCxnSpPr>
+            <p:nvPr/>
+          </p:nvCxnSpPr>
+          <p:spPr>
+            <a:xfrm flipV="1">
+              <a:off x="3154683" y="4483744"/>
+              <a:ext cx="0" cy="476286"/>
+            </a:xfrm>
+            <a:prstGeom prst="line">
+              <a:avLst/>
+            </a:prstGeom>
+            <a:ln w="19050">
+              <a:solidFill>
+                <a:schemeClr val="tx1"/>
+              </a:solidFill>
+              <a:headEnd type="arrow"/>
+              <a:tailEnd type="none"/>
+            </a:ln>
+          </p:spPr>
+          <p:style>
+            <a:lnRef idx="1">
+              <a:schemeClr val="accent1"/>
+            </a:lnRef>
+            <a:fillRef idx="0">
+              <a:schemeClr val="accent1"/>
+            </a:fillRef>
+            <a:effectRef idx="0">
+              <a:schemeClr val="accent1"/>
+            </a:effectRef>
+            <a:fontRef idx="minor">
+              <a:schemeClr val="tx1"/>
+            </a:fontRef>
+          </p:style>
+        </p:cxnSp>
+        <p:sp>
+          <p:nvSpPr>
+            <p:cNvPr id="33" name="正方形/長方形 32">
+              <a:extLst>
+                <a:ext uri="{FF2B5EF4-FFF2-40B4-BE49-F238E27FC236}">
+                  <a16:creationId xmlns:a16="http://schemas.microsoft.com/office/drawing/2014/main" id="{A423FE7A-E41E-CBD7-1854-F801E19C7900}"/>
+                </a:ext>
+              </a:extLst>
+            </p:cNvPr>
+            <p:cNvSpPr/>
+            <p:nvPr/>
+          </p:nvSpPr>
+          <p:spPr>
+            <a:xfrm>
+              <a:off x="5118595" y="4902233"/>
+              <a:ext cx="705110" cy="417011"/>
+            </a:xfrm>
+            <a:prstGeom prst="rect">
+              <a:avLst/>
+            </a:prstGeom>
+            <a:ln w="19050">
+              <a:solidFill>
+                <a:schemeClr val="tx1"/>
+              </a:solidFill>
+            </a:ln>
+          </p:spPr>
+          <p:style>
+            <a:lnRef idx="2">
+              <a:schemeClr val="dk1"/>
+            </a:lnRef>
+            <a:fillRef idx="1">
+              <a:schemeClr val="lt1"/>
+            </a:fillRef>
+            <a:effectRef idx="0">
+              <a:schemeClr val="dk1"/>
+            </a:effectRef>
+            <a:fontRef idx="minor">
+              <a:schemeClr val="dk1"/>
+            </a:fontRef>
+          </p:style>
+          <p:txBody>
+            <a:bodyPr rtlCol="0" anchor="ctr"/>
+            <a:lstStyle/>
+            <a:p>
+              <a:pPr algn="ctr"/>
+              <a:r>
+                <a:rPr lang="en-US" altLang="ja-JP" sz="1200" dirty="0">
+                  <a:latin typeface="Times New Roman" panose="02020603050405020304" pitchFamily="18" charset="0"/>
+                  <a:cs typeface="Times New Roman" panose="02020603050405020304" pitchFamily="18" charset="0"/>
+                </a:rPr>
+                <a:t>Logic</a:t>
+              </a:r>
+            </a:p>
+            <a:p>
+              <a:pPr algn="ctr"/>
+              <a:r>
+                <a:rPr lang="en-US" altLang="ja-JP" sz="1200" dirty="0">
+                  <a:latin typeface="Times New Roman" panose="02020603050405020304" pitchFamily="18" charset="0"/>
+                  <a:cs typeface="Times New Roman" panose="02020603050405020304" pitchFamily="18" charset="0"/>
+                </a:rPr>
+                <a:t>translate</a:t>
+              </a:r>
+              <a:endParaRPr kumimoji="1" lang="ja-JP" altLang="en-US" sz="1200" dirty="0">
+                <a:latin typeface="Times New Roman" panose="02020603050405020304" pitchFamily="18" charset="0"/>
+                <a:cs typeface="Times New Roman" panose="02020603050405020304" pitchFamily="18" charset="0"/>
+              </a:endParaRPr>
+            </a:p>
+          </p:txBody>
+        </p:sp>
+        <p:cxnSp>
+          <p:nvCxnSpPr>
+            <p:cNvPr id="34" name="直線矢印コネクタ 33">
+              <a:extLst>
+                <a:ext uri="{FF2B5EF4-FFF2-40B4-BE49-F238E27FC236}">
+                  <a16:creationId xmlns:a16="http://schemas.microsoft.com/office/drawing/2014/main" id="{0BA6D52E-0A9F-DC6E-3FD8-97736629995C}"/>
+                </a:ext>
+              </a:extLst>
+            </p:cNvPr>
+            <p:cNvCxnSpPr>
+              <a:cxnSpLocks/>
+            </p:cNvCxnSpPr>
+            <p:nvPr/>
+          </p:nvCxnSpPr>
+          <p:spPr>
+            <a:xfrm flipV="1">
+              <a:off x="5481550" y="3820722"/>
+              <a:ext cx="0" cy="1090556"/>
+            </a:xfrm>
+            <a:prstGeom prst="straightConnector1">
+              <a:avLst/>
+            </a:prstGeom>
+            <a:ln w="19050">
+              <a:solidFill>
+                <a:schemeClr val="tx1"/>
+              </a:solidFill>
+              <a:headEnd type="arrow"/>
+              <a:tailEnd type="none"/>
+            </a:ln>
+          </p:spPr>
+          <p:style>
+            <a:lnRef idx="1">
+              <a:schemeClr val="accent1"/>
+            </a:lnRef>
+            <a:fillRef idx="0">
+              <a:schemeClr val="accent1"/>
+            </a:fillRef>
+            <a:effectRef idx="0">
+              <a:schemeClr val="accent1"/>
+            </a:effectRef>
+            <a:fontRef idx="minor">
+              <a:schemeClr val="tx1"/>
+            </a:fontRef>
+          </p:style>
+        </p:cxnSp>
+        <p:sp>
+          <p:nvSpPr>
+            <p:cNvPr id="35" name="正方形/長方形 34">
+              <a:extLst>
+                <a:ext uri="{FF2B5EF4-FFF2-40B4-BE49-F238E27FC236}">
+                  <a16:creationId xmlns:a16="http://schemas.microsoft.com/office/drawing/2014/main" id="{67048170-E3D1-72B0-BFAD-C1D161B80CA9}"/>
+                </a:ext>
+              </a:extLst>
+            </p:cNvPr>
+            <p:cNvSpPr/>
+            <p:nvPr/>
+          </p:nvSpPr>
+          <p:spPr>
+            <a:xfrm>
+              <a:off x="3565150" y="4951845"/>
+              <a:ext cx="631392" cy="498474"/>
+            </a:xfrm>
+            <a:prstGeom prst="rect">
+              <a:avLst/>
+            </a:prstGeom>
+            <a:ln w="19050">
+              <a:solidFill>
+                <a:schemeClr val="tx1"/>
+              </a:solidFill>
+            </a:ln>
+          </p:spPr>
+          <p:style>
+            <a:lnRef idx="2">
+              <a:schemeClr val="dk1"/>
+            </a:lnRef>
+            <a:fillRef idx="1">
+              <a:schemeClr val="lt1"/>
+            </a:fillRef>
+            <a:effectRef idx="0">
+              <a:schemeClr val="dk1"/>
+            </a:effectRef>
+            <a:fontRef idx="minor">
+              <a:schemeClr val="dk1"/>
+            </a:fontRef>
+          </p:style>
+          <p:txBody>
+            <a:bodyPr rtlCol="0" anchor="ctr"/>
+            <a:lstStyle/>
+            <a:p>
+              <a:pPr algn="ctr"/>
+              <a:r>
+                <a:rPr lang="en-US" altLang="ja-JP" sz="1200" dirty="0">
+                  <a:latin typeface="Times New Roman" panose="02020603050405020304" pitchFamily="18" charset="0"/>
+                  <a:ea typeface="MS UI Gothic" panose="020B0600070205080204" pitchFamily="50" charset="-128"/>
+                  <a:cs typeface="Times New Roman" panose="02020603050405020304" pitchFamily="18" charset="0"/>
+                </a:rPr>
+                <a:t>Jitter</a:t>
+              </a:r>
+            </a:p>
+            <a:p>
+              <a:pPr algn="ctr"/>
+              <a:r>
+                <a:rPr kumimoji="1" lang="en-US" altLang="ja-JP" sz="1200" dirty="0">
+                  <a:latin typeface="Times New Roman" panose="02020603050405020304" pitchFamily="18" charset="0"/>
+                  <a:ea typeface="MS UI Gothic" panose="020B0600070205080204" pitchFamily="50" charset="-128"/>
+                  <a:cs typeface="Times New Roman" panose="02020603050405020304" pitchFamily="18" charset="0"/>
+                </a:rPr>
+                <a:t>cleaner</a:t>
+              </a:r>
+              <a:endParaRPr kumimoji="1" lang="ja-JP" altLang="en-US" sz="1200" dirty="0">
+                <a:latin typeface="Times New Roman" panose="02020603050405020304" pitchFamily="18" charset="0"/>
+                <a:ea typeface="MS UI Gothic" panose="020B0600070205080204" pitchFamily="50" charset="-128"/>
+                <a:cs typeface="Times New Roman" panose="02020603050405020304" pitchFamily="18" charset="0"/>
+              </a:endParaRPr>
+            </a:p>
+          </p:txBody>
+        </p:sp>
+        <p:grpSp>
+          <p:nvGrpSpPr>
+            <p:cNvPr id="38" name="グループ化 37">
+              <a:extLst>
+                <a:ext uri="{FF2B5EF4-FFF2-40B4-BE49-F238E27FC236}">
+                  <a16:creationId xmlns:a16="http://schemas.microsoft.com/office/drawing/2014/main" id="{5406E527-18BF-66FF-5E19-2886C67A9807}"/>
+                </a:ext>
+              </a:extLst>
+            </p:cNvPr>
+            <p:cNvGrpSpPr/>
+            <p:nvPr/>
+          </p:nvGrpSpPr>
+          <p:grpSpPr>
+            <a:xfrm rot="16200000">
+              <a:off x="3671391" y="4567073"/>
+              <a:ext cx="459506" cy="277193"/>
+              <a:chOff x="5728052" y="3785483"/>
+              <a:chExt cx="459506" cy="277193"/>
+            </a:xfrm>
+          </p:grpSpPr>
+          <p:cxnSp>
+            <p:nvCxnSpPr>
+              <p:cNvPr id="104" name="直線矢印コネクタ 103">
+                <a:extLst>
+                  <a:ext uri="{FF2B5EF4-FFF2-40B4-BE49-F238E27FC236}">
+                    <a16:creationId xmlns:a16="http://schemas.microsoft.com/office/drawing/2014/main" id="{B22506E8-2962-38D4-F333-5D3F4BC2D3CF}"/>
+                  </a:ext>
+                </a:extLst>
+              </p:cNvPr>
+              <p:cNvCxnSpPr>
+                <a:cxnSpLocks/>
+              </p:cNvCxnSpPr>
+              <p:nvPr/>
+            </p:nvCxnSpPr>
+            <p:spPr>
+              <a:xfrm>
+                <a:off x="5734696" y="3785483"/>
+                <a:ext cx="452862" cy="0"/>
+              </a:xfrm>
+              <a:prstGeom prst="straightConnector1">
+                <a:avLst/>
+              </a:prstGeom>
+              <a:ln w="19050">
+                <a:solidFill>
+                  <a:schemeClr val="tx1"/>
+                </a:solidFill>
+                <a:headEnd type="arrow"/>
+                <a:tailEnd type="none"/>
+              </a:ln>
+            </p:spPr>
+            <p:style>
+              <a:lnRef idx="1">
+                <a:schemeClr val="accent1"/>
+              </a:lnRef>
+              <a:fillRef idx="0">
+                <a:schemeClr val="accent1"/>
+              </a:fillRef>
+              <a:effectRef idx="0">
+                <a:schemeClr val="accent1"/>
+              </a:effectRef>
+              <a:fontRef idx="minor">
+                <a:schemeClr val="tx1"/>
+              </a:fontRef>
+            </p:style>
+          </p:cxnSp>
+          <p:cxnSp>
+            <p:nvCxnSpPr>
+              <p:cNvPr id="105" name="直線矢印コネクタ 104">
+                <a:extLst>
+                  <a:ext uri="{FF2B5EF4-FFF2-40B4-BE49-F238E27FC236}">
+                    <a16:creationId xmlns:a16="http://schemas.microsoft.com/office/drawing/2014/main" id="{6E04868A-E2E1-8879-D79B-8CEA3709D04F}"/>
+                  </a:ext>
+                </a:extLst>
+              </p:cNvPr>
+              <p:cNvCxnSpPr>
+                <a:cxnSpLocks/>
+              </p:cNvCxnSpPr>
+              <p:nvPr/>
+            </p:nvCxnSpPr>
+            <p:spPr>
+              <a:xfrm>
+                <a:off x="5728052" y="3951551"/>
+                <a:ext cx="452862" cy="0"/>
+              </a:xfrm>
+              <a:prstGeom prst="straightConnector1">
+                <a:avLst/>
+              </a:prstGeom>
+              <a:ln w="19050">
+                <a:solidFill>
+                  <a:schemeClr val="tx1"/>
+                </a:solidFill>
+                <a:headEnd type="none"/>
+                <a:tailEnd type="arrow"/>
+              </a:ln>
+            </p:spPr>
+            <p:style>
+              <a:lnRef idx="1">
+                <a:schemeClr val="accent1"/>
+              </a:lnRef>
+              <a:fillRef idx="0">
+                <a:schemeClr val="accent1"/>
+              </a:fillRef>
+              <a:effectRef idx="0">
+                <a:schemeClr val="accent1"/>
+              </a:effectRef>
+              <a:fontRef idx="minor">
+                <a:schemeClr val="tx1"/>
+              </a:fontRef>
+            </p:style>
+          </p:cxnSp>
+          <p:cxnSp>
+            <p:nvCxnSpPr>
+              <p:cNvPr id="106" name="直線矢印コネクタ 105">
+                <a:extLst>
+                  <a:ext uri="{FF2B5EF4-FFF2-40B4-BE49-F238E27FC236}">
+                    <a16:creationId xmlns:a16="http://schemas.microsoft.com/office/drawing/2014/main" id="{75D9CD1E-F211-B065-41DA-E1DCB814A86D}"/>
+                  </a:ext>
+                </a:extLst>
+              </p:cNvPr>
+              <p:cNvCxnSpPr>
+                <a:cxnSpLocks/>
+              </p:cNvCxnSpPr>
+              <p:nvPr/>
+            </p:nvCxnSpPr>
+            <p:spPr>
+              <a:xfrm>
+                <a:off x="5728052" y="4062676"/>
+                <a:ext cx="452862" cy="0"/>
+              </a:xfrm>
+              <a:prstGeom prst="straightConnector1">
+                <a:avLst/>
+              </a:prstGeom>
+              <a:ln w="19050">
+                <a:solidFill>
+                  <a:schemeClr val="tx1"/>
+                </a:solidFill>
+                <a:headEnd type="none"/>
+                <a:tailEnd type="arrow"/>
+              </a:ln>
+            </p:spPr>
+            <p:style>
+              <a:lnRef idx="1">
+                <a:schemeClr val="accent1"/>
+              </a:lnRef>
+              <a:fillRef idx="0">
+                <a:schemeClr val="accent1"/>
+              </a:fillRef>
+              <a:effectRef idx="0">
+                <a:schemeClr val="accent1"/>
+              </a:effectRef>
+              <a:fontRef idx="minor">
+                <a:schemeClr val="tx1"/>
+              </a:fontRef>
+            </p:style>
+          </p:cxnSp>
+        </p:grpSp>
+        <p:cxnSp>
+          <p:nvCxnSpPr>
+            <p:cNvPr id="39" name="直線矢印コネクタ 38">
+              <a:extLst>
+                <a:ext uri="{FF2B5EF4-FFF2-40B4-BE49-F238E27FC236}">
+                  <a16:creationId xmlns:a16="http://schemas.microsoft.com/office/drawing/2014/main" id="{A9C4554B-6559-2D94-E73A-BCF95458745B}"/>
+                </a:ext>
+              </a:extLst>
+            </p:cNvPr>
+            <p:cNvCxnSpPr>
+              <a:cxnSpLocks/>
+            </p:cNvCxnSpPr>
+            <p:nvPr/>
+          </p:nvCxnSpPr>
+          <p:spPr>
+            <a:xfrm>
+              <a:off x="1940978" y="3458158"/>
+              <a:ext cx="596875" cy="0"/>
+            </a:xfrm>
+            <a:prstGeom prst="straightConnector1">
+              <a:avLst/>
+            </a:prstGeom>
+            <a:ln w="19050">
+              <a:solidFill>
+                <a:schemeClr val="tx1"/>
+              </a:solidFill>
+              <a:headEnd type="none"/>
+              <a:tailEnd type="arrow"/>
+            </a:ln>
+          </p:spPr>
+          <p:style>
+            <a:lnRef idx="1">
+              <a:schemeClr val="accent1"/>
+            </a:lnRef>
+            <a:fillRef idx="0">
+              <a:schemeClr val="accent1"/>
+            </a:fillRef>
+            <a:effectRef idx="0">
+              <a:schemeClr val="accent1"/>
+            </a:effectRef>
+            <a:fontRef idx="minor">
+              <a:schemeClr val="tx1"/>
+            </a:fontRef>
+          </p:style>
+        </p:cxnSp>
+        <p:cxnSp>
+          <p:nvCxnSpPr>
+            <p:cNvPr id="40" name="直線コネクタ 39">
+              <a:extLst>
+                <a:ext uri="{FF2B5EF4-FFF2-40B4-BE49-F238E27FC236}">
+                  <a16:creationId xmlns:a16="http://schemas.microsoft.com/office/drawing/2014/main" id="{6FE6AD2C-BCCC-2323-5949-1AD3A963CEBB}"/>
+                </a:ext>
+              </a:extLst>
+            </p:cNvPr>
+            <p:cNvCxnSpPr/>
+            <p:nvPr/>
+          </p:nvCxnSpPr>
+          <p:spPr>
+            <a:xfrm flipV="1">
+              <a:off x="2141592" y="3394112"/>
+              <a:ext cx="143001" cy="115865"/>
+            </a:xfrm>
+            <a:prstGeom prst="line">
+              <a:avLst/>
+            </a:prstGeom>
+            <a:ln w="19050">
+              <a:solidFill>
+                <a:schemeClr val="tx1"/>
+              </a:solidFill>
+            </a:ln>
+          </p:spPr>
+          <p:style>
+            <a:lnRef idx="1">
+              <a:schemeClr val="accent1"/>
+            </a:lnRef>
+            <a:fillRef idx="0">
+              <a:schemeClr val="accent1"/>
+            </a:fillRef>
+            <a:effectRef idx="0">
+              <a:schemeClr val="accent1"/>
+            </a:effectRef>
+            <a:fontRef idx="minor">
+              <a:schemeClr val="tx1"/>
+            </a:fontRef>
+          </p:style>
+        </p:cxnSp>
+        <p:sp>
+          <p:nvSpPr>
+            <p:cNvPr id="41" name="テキスト ボックス 40">
+              <a:extLst>
+                <a:ext uri="{FF2B5EF4-FFF2-40B4-BE49-F238E27FC236}">
+                  <a16:creationId xmlns:a16="http://schemas.microsoft.com/office/drawing/2014/main" id="{117DC334-99AB-EE56-740B-229C96183BE9}"/>
+                </a:ext>
+              </a:extLst>
+            </p:cNvPr>
+            <p:cNvSpPr txBox="1"/>
+            <p:nvPr/>
+          </p:nvSpPr>
+          <p:spPr>
+            <a:xfrm>
+              <a:off x="1973782" y="3205028"/>
+              <a:ext cx="343169" cy="261610"/>
+            </a:xfrm>
+            <a:prstGeom prst="rect">
+              <a:avLst/>
+            </a:prstGeom>
+            <a:noFill/>
+            <a:ln w="19050">
+              <a:noFill/>
+            </a:ln>
+          </p:spPr>
+          <p:txBody>
+            <a:bodyPr wrap="square" rtlCol="0">
+              <a:spAutoFit/>
+            </a:bodyPr>
+            <a:lstStyle/>
+            <a:p>
+              <a:pPr algn="ctr"/>
+              <a:r>
+                <a:rPr lang="en-US" altLang="ja-JP" sz="1100" dirty="0">
+                  <a:latin typeface="Times New Roman" panose="02020603050405020304" pitchFamily="18" charset="0"/>
+                  <a:ea typeface="MS UI Gothic" panose="020B0600070205080204" pitchFamily="50" charset="-128"/>
+                  <a:cs typeface="Times New Roman" panose="02020603050405020304" pitchFamily="18" charset="0"/>
+                </a:rPr>
+                <a:t>8</a:t>
+              </a:r>
+              <a:endParaRPr kumimoji="1" lang="ja-JP" altLang="en-US" sz="1100" dirty="0">
+                <a:latin typeface="Times New Roman" panose="02020603050405020304" pitchFamily="18" charset="0"/>
+                <a:ea typeface="MS UI Gothic" panose="020B0600070205080204" pitchFamily="50" charset="-128"/>
+                <a:cs typeface="Times New Roman" panose="02020603050405020304" pitchFamily="18" charset="0"/>
+              </a:endParaRPr>
+            </a:p>
+          </p:txBody>
+        </p:sp>
+        <p:sp>
+          <p:nvSpPr>
+            <p:cNvPr id="42" name="正方形/長方形 41">
+              <a:extLst>
+                <a:ext uri="{FF2B5EF4-FFF2-40B4-BE49-F238E27FC236}">
+                  <a16:creationId xmlns:a16="http://schemas.microsoft.com/office/drawing/2014/main" id="{A7695610-A08D-4177-8C64-147146E3B711}"/>
+                </a:ext>
+              </a:extLst>
+            </p:cNvPr>
+            <p:cNvSpPr/>
+            <p:nvPr/>
+          </p:nvSpPr>
+          <p:spPr>
+            <a:xfrm rot="16200000">
+              <a:off x="2474862" y="6362040"/>
+              <a:ext cx="726571" cy="286007"/>
+            </a:xfrm>
+            <a:prstGeom prst="rect">
+              <a:avLst/>
+            </a:prstGeom>
+            <a:solidFill>
+              <a:schemeClr val="bg1">
+                <a:lumMod val="85000"/>
+              </a:schemeClr>
+            </a:solidFill>
+            <a:ln w="19050">
+              <a:solidFill>
+                <a:schemeClr val="tx1"/>
+              </a:solidFill>
+            </a:ln>
+          </p:spPr>
+          <p:style>
+            <a:lnRef idx="2">
+              <a:schemeClr val="dk1"/>
+            </a:lnRef>
+            <a:fillRef idx="1">
+              <a:schemeClr val="lt1"/>
+            </a:fillRef>
+            <a:effectRef idx="0">
+              <a:schemeClr val="dk1"/>
+            </a:effectRef>
+            <a:fontRef idx="minor">
+              <a:schemeClr val="dk1"/>
+            </a:fontRef>
+          </p:style>
+          <p:txBody>
+            <a:bodyPr rtlCol="0" anchor="ctr"/>
+            <a:lstStyle/>
+            <a:p>
+              <a:pPr algn="ctr"/>
+              <a:r>
+                <a:rPr lang="en-US" altLang="ja-JP" sz="1200" dirty="0">
+                  <a:solidFill>
+                    <a:schemeClr val="tx1"/>
+                  </a:solidFill>
+                  <a:latin typeface="Times New Roman" panose="02020603050405020304" pitchFamily="18" charset="0"/>
+                  <a:cs typeface="Times New Roman" panose="02020603050405020304" pitchFamily="18" charset="0"/>
+                </a:rPr>
+                <a:t>Coaxial</a:t>
+              </a:r>
+              <a:endParaRPr kumimoji="1" lang="ja-JP" altLang="en-US" sz="1200" dirty="0">
+                <a:solidFill>
+                  <a:schemeClr val="tx1"/>
+                </a:solidFill>
+                <a:latin typeface="Times New Roman" panose="02020603050405020304" pitchFamily="18" charset="0"/>
+                <a:cs typeface="Times New Roman" panose="02020603050405020304" pitchFamily="18" charset="0"/>
+              </a:endParaRPr>
+            </a:p>
+          </p:txBody>
+        </p:sp>
+        <p:cxnSp>
+          <p:nvCxnSpPr>
+            <p:cNvPr id="43" name="直線矢印コネクタ 42">
+              <a:extLst>
+                <a:ext uri="{FF2B5EF4-FFF2-40B4-BE49-F238E27FC236}">
+                  <a16:creationId xmlns:a16="http://schemas.microsoft.com/office/drawing/2014/main" id="{C5C54F30-D91C-60AD-994D-6ACA145CFA2C}"/>
+                </a:ext>
+              </a:extLst>
+            </p:cNvPr>
+            <p:cNvCxnSpPr>
+              <a:cxnSpLocks/>
+            </p:cNvCxnSpPr>
+            <p:nvPr/>
+          </p:nvCxnSpPr>
+          <p:spPr>
+            <a:xfrm flipV="1">
+              <a:off x="5473859" y="5329368"/>
+              <a:ext cx="0" cy="571880"/>
+            </a:xfrm>
+            <a:prstGeom prst="straightConnector1">
+              <a:avLst/>
+            </a:prstGeom>
+            <a:ln w="19050">
+              <a:solidFill>
+                <a:schemeClr val="tx1"/>
+              </a:solidFill>
+              <a:headEnd type="arrow"/>
+              <a:tailEnd type="arrow"/>
+            </a:ln>
+          </p:spPr>
+          <p:style>
+            <a:lnRef idx="1">
+              <a:schemeClr val="accent1"/>
+            </a:lnRef>
+            <a:fillRef idx="0">
+              <a:schemeClr val="accent1"/>
+            </a:fillRef>
+            <a:effectRef idx="0">
+              <a:schemeClr val="accent1"/>
+            </a:effectRef>
+            <a:fontRef idx="minor">
+              <a:schemeClr val="tx1"/>
+            </a:fontRef>
+          </p:style>
+        </p:cxnSp>
+        <p:sp>
+          <p:nvSpPr>
+            <p:cNvPr id="44" name="正方形/長方形 43">
+              <a:extLst>
+                <a:ext uri="{FF2B5EF4-FFF2-40B4-BE49-F238E27FC236}">
+                  <a16:creationId xmlns:a16="http://schemas.microsoft.com/office/drawing/2014/main" id="{0D75D0CD-E51B-ACBC-B147-A8FC80C22295}"/>
+                </a:ext>
+              </a:extLst>
+            </p:cNvPr>
+            <p:cNvSpPr/>
+            <p:nvPr/>
+          </p:nvSpPr>
+          <p:spPr>
+            <a:xfrm>
+              <a:off x="1119418" y="1796414"/>
+              <a:ext cx="631392" cy="498474"/>
+            </a:xfrm>
+            <a:prstGeom prst="rect">
+              <a:avLst/>
+            </a:prstGeom>
+            <a:ln w="19050">
+              <a:solidFill>
+                <a:schemeClr val="tx1"/>
+              </a:solidFill>
+            </a:ln>
+          </p:spPr>
+          <p:style>
+            <a:lnRef idx="2">
+              <a:schemeClr val="dk1"/>
+            </a:lnRef>
+            <a:fillRef idx="1">
+              <a:schemeClr val="lt1"/>
+            </a:fillRef>
+            <a:effectRef idx="0">
+              <a:schemeClr val="dk1"/>
+            </a:effectRef>
+            <a:fontRef idx="minor">
+              <a:schemeClr val="dk1"/>
+            </a:fontRef>
+          </p:style>
+          <p:txBody>
+            <a:bodyPr rtlCol="0" anchor="ctr"/>
+            <a:lstStyle/>
+            <a:p>
+              <a:pPr algn="ctr"/>
+              <a:r>
+                <a:rPr lang="en-US" altLang="ja-JP" sz="1200" dirty="0">
+                  <a:latin typeface="Times New Roman" panose="02020603050405020304" pitchFamily="18" charset="0"/>
+                  <a:ea typeface="MS UI Gothic" panose="020B0600070205080204" pitchFamily="50" charset="-128"/>
+                  <a:cs typeface="Times New Roman" panose="02020603050405020304" pitchFamily="18" charset="0"/>
+                </a:rPr>
+                <a:t>MAX</a:t>
+              </a:r>
+            </a:p>
+            <a:p>
+              <a:pPr algn="ctr"/>
+              <a:r>
+                <a:rPr lang="en-US" altLang="ja-JP" sz="1200" dirty="0">
+                  <a:latin typeface="Times New Roman" panose="02020603050405020304" pitchFamily="18" charset="0"/>
+                  <a:ea typeface="MS UI Gothic" panose="020B0600070205080204" pitchFamily="50" charset="-128"/>
+                  <a:cs typeface="Times New Roman" panose="02020603050405020304" pitchFamily="18" charset="0"/>
+                </a:rPr>
+                <a:t>19232</a:t>
+              </a:r>
+            </a:p>
+          </p:txBody>
+        </p:sp>
+        <p:grpSp>
+          <p:nvGrpSpPr>
+            <p:cNvPr id="46" name="グループ化 45">
+              <a:extLst>
+                <a:ext uri="{FF2B5EF4-FFF2-40B4-BE49-F238E27FC236}">
+                  <a16:creationId xmlns:a16="http://schemas.microsoft.com/office/drawing/2014/main" id="{2E84EEA4-EE8B-146B-C717-DA0E224B672A}"/>
+                </a:ext>
+              </a:extLst>
+            </p:cNvPr>
+            <p:cNvGrpSpPr/>
+            <p:nvPr/>
+          </p:nvGrpSpPr>
+          <p:grpSpPr>
+            <a:xfrm>
+              <a:off x="1853032" y="1052411"/>
+              <a:ext cx="4610391" cy="550173"/>
+              <a:chOff x="2288376" y="1153291"/>
+              <a:chExt cx="3027675" cy="444306"/>
+            </a:xfrm>
+          </p:grpSpPr>
+          <p:sp>
+            <p:nvSpPr>
+              <p:cNvPr id="100" name="正方形/長方形 99">
+                <a:extLst>
+                  <a:ext uri="{FF2B5EF4-FFF2-40B4-BE49-F238E27FC236}">
+                    <a16:creationId xmlns:a16="http://schemas.microsoft.com/office/drawing/2014/main" id="{8BA78A7C-0560-1619-1583-E5BDDA617901}"/>
+                  </a:ext>
+                </a:extLst>
+              </p:cNvPr>
+              <p:cNvSpPr/>
+              <p:nvPr/>
+            </p:nvSpPr>
+            <p:spPr>
+              <a:xfrm>
+                <a:off x="2288376" y="1153291"/>
+                <a:ext cx="652948" cy="444306"/>
+              </a:xfrm>
+              <a:prstGeom prst="rect">
+                <a:avLst/>
+              </a:prstGeom>
+              <a:ln w="19050">
+                <a:solidFill>
+                  <a:schemeClr val="tx1"/>
+                </a:solidFill>
+              </a:ln>
+            </p:spPr>
+            <p:style>
+              <a:lnRef idx="2">
+                <a:schemeClr val="dk1"/>
+              </a:lnRef>
+              <a:fillRef idx="1">
+                <a:schemeClr val="lt1"/>
+              </a:fillRef>
+              <a:effectRef idx="0">
+                <a:schemeClr val="dk1"/>
+              </a:effectRef>
+              <a:fontRef idx="minor">
+                <a:schemeClr val="dk1"/>
+              </a:fontRef>
+            </p:style>
+            <p:txBody>
+              <a:bodyPr rtlCol="0" anchor="ctr"/>
+              <a:lstStyle/>
+              <a:p>
+                <a:pPr algn="ctr"/>
+                <a:r>
+                  <a:rPr lang="en-US" altLang="ja-JP" sz="1200" dirty="0">
+                    <a:latin typeface="Times New Roman" panose="02020603050405020304" pitchFamily="18" charset="0"/>
+                    <a:ea typeface="MS UI Gothic" panose="020B0600070205080204" pitchFamily="50" charset="-128"/>
+                    <a:cs typeface="Times New Roman" panose="02020603050405020304" pitchFamily="18" charset="0"/>
+                  </a:rPr>
+                  <a:t>YAENAMI4</a:t>
+                </a:r>
+              </a:p>
+              <a:p>
+                <a:pPr algn="ctr"/>
+                <a:r>
+                  <a:rPr lang="en-US" altLang="ja-JP" sz="1200" dirty="0">
+                    <a:latin typeface="Times New Roman" panose="02020603050405020304" pitchFamily="18" charset="0"/>
+                    <a:ea typeface="MS UI Gothic" panose="020B0600070205080204" pitchFamily="50" charset="-128"/>
+                    <a:cs typeface="Times New Roman" panose="02020603050405020304" pitchFamily="18" charset="0"/>
+                  </a:rPr>
+                  <a:t>(8ch)</a:t>
+                </a:r>
+              </a:p>
+            </p:txBody>
+          </p:sp>
+          <p:sp>
+            <p:nvSpPr>
+              <p:cNvPr id="101" name="正方形/長方形 100">
+                <a:extLst>
+                  <a:ext uri="{FF2B5EF4-FFF2-40B4-BE49-F238E27FC236}">
+                    <a16:creationId xmlns:a16="http://schemas.microsoft.com/office/drawing/2014/main" id="{EE062529-29D1-6B11-1732-19A6C1A28888}"/>
+                  </a:ext>
+                </a:extLst>
+              </p:cNvPr>
+              <p:cNvSpPr/>
+              <p:nvPr/>
+            </p:nvSpPr>
+            <p:spPr>
+              <a:xfrm>
+                <a:off x="3071884" y="1153291"/>
+                <a:ext cx="652948" cy="444306"/>
+              </a:xfrm>
+              <a:prstGeom prst="rect">
+                <a:avLst/>
+              </a:prstGeom>
+              <a:ln w="19050">
+                <a:solidFill>
+                  <a:schemeClr val="tx1"/>
+                </a:solidFill>
+              </a:ln>
+            </p:spPr>
+            <p:style>
+              <a:lnRef idx="2">
+                <a:schemeClr val="dk1"/>
+              </a:lnRef>
+              <a:fillRef idx="1">
+                <a:schemeClr val="lt1"/>
+              </a:fillRef>
+              <a:effectRef idx="0">
+                <a:schemeClr val="dk1"/>
+              </a:effectRef>
+              <a:fontRef idx="minor">
+                <a:schemeClr val="dk1"/>
+              </a:fontRef>
+            </p:style>
+            <p:txBody>
+              <a:bodyPr rtlCol="0" anchor="ctr"/>
+              <a:lstStyle/>
+              <a:p>
+                <a:pPr algn="ctr"/>
+                <a:r>
+                  <a:rPr lang="en-US" altLang="ja-JP" sz="1200" dirty="0">
+                    <a:latin typeface="Times New Roman" panose="02020603050405020304" pitchFamily="18" charset="0"/>
+                    <a:ea typeface="MS UI Gothic" panose="020B0600070205080204" pitchFamily="50" charset="-128"/>
+                    <a:cs typeface="Times New Roman" panose="02020603050405020304" pitchFamily="18" charset="0"/>
+                  </a:rPr>
+                  <a:t>YAENAMI3</a:t>
+                </a:r>
+              </a:p>
+              <a:p>
+                <a:pPr algn="ctr"/>
+                <a:r>
+                  <a:rPr lang="en-US" altLang="ja-JP" sz="1200" dirty="0">
+                    <a:latin typeface="Times New Roman" panose="02020603050405020304" pitchFamily="18" charset="0"/>
+                    <a:ea typeface="MS UI Gothic" panose="020B0600070205080204" pitchFamily="50" charset="-128"/>
+                    <a:cs typeface="Times New Roman" panose="02020603050405020304" pitchFamily="18" charset="0"/>
+                  </a:rPr>
+                  <a:t>(8ch)</a:t>
+                </a:r>
+              </a:p>
+            </p:txBody>
+          </p:sp>
+          <p:sp>
+            <p:nvSpPr>
+              <p:cNvPr id="102" name="正方形/長方形 101">
+                <a:extLst>
+                  <a:ext uri="{FF2B5EF4-FFF2-40B4-BE49-F238E27FC236}">
+                    <a16:creationId xmlns:a16="http://schemas.microsoft.com/office/drawing/2014/main" id="{B4018476-5ADA-F193-FD7B-62F4FAB4BAED}"/>
+                  </a:ext>
+                </a:extLst>
+              </p:cNvPr>
+              <p:cNvSpPr/>
+              <p:nvPr/>
+            </p:nvSpPr>
+            <p:spPr>
+              <a:xfrm>
+                <a:off x="3872367" y="1153291"/>
+                <a:ext cx="652948" cy="444306"/>
+              </a:xfrm>
+              <a:prstGeom prst="rect">
+                <a:avLst/>
+              </a:prstGeom>
+              <a:ln w="19050">
+                <a:solidFill>
+                  <a:schemeClr val="tx1"/>
+                </a:solidFill>
+              </a:ln>
+            </p:spPr>
+            <p:style>
+              <a:lnRef idx="2">
+                <a:schemeClr val="dk1"/>
+              </a:lnRef>
+              <a:fillRef idx="1">
+                <a:schemeClr val="lt1"/>
+              </a:fillRef>
+              <a:effectRef idx="0">
+                <a:schemeClr val="dk1"/>
+              </a:effectRef>
+              <a:fontRef idx="minor">
+                <a:schemeClr val="dk1"/>
+              </a:fontRef>
+            </p:style>
+            <p:txBody>
+              <a:bodyPr rtlCol="0" anchor="ctr"/>
+              <a:lstStyle/>
+              <a:p>
+                <a:pPr algn="ctr"/>
+                <a:r>
+                  <a:rPr lang="en-US" altLang="ja-JP" sz="1200" dirty="0">
+                    <a:latin typeface="Times New Roman" panose="02020603050405020304" pitchFamily="18" charset="0"/>
+                    <a:ea typeface="MS UI Gothic" panose="020B0600070205080204" pitchFamily="50" charset="-128"/>
+                    <a:cs typeface="Times New Roman" panose="02020603050405020304" pitchFamily="18" charset="0"/>
+                  </a:rPr>
+                  <a:t>YAENAMI2</a:t>
+                </a:r>
+              </a:p>
+              <a:p>
+                <a:pPr algn="ctr"/>
+                <a:r>
+                  <a:rPr lang="en-US" altLang="ja-JP" sz="1200" dirty="0">
+                    <a:latin typeface="Times New Roman" panose="02020603050405020304" pitchFamily="18" charset="0"/>
+                    <a:ea typeface="MS UI Gothic" panose="020B0600070205080204" pitchFamily="50" charset="-128"/>
+                    <a:cs typeface="Times New Roman" panose="02020603050405020304" pitchFamily="18" charset="0"/>
+                  </a:rPr>
+                  <a:t>(8ch)</a:t>
+                </a:r>
+              </a:p>
+            </p:txBody>
+          </p:sp>
+          <p:sp>
+            <p:nvSpPr>
+              <p:cNvPr id="103" name="正方形/長方形 102">
+                <a:extLst>
+                  <a:ext uri="{FF2B5EF4-FFF2-40B4-BE49-F238E27FC236}">
+                    <a16:creationId xmlns:a16="http://schemas.microsoft.com/office/drawing/2014/main" id="{6CFC3E12-683F-442A-3CE2-C75D8CCB41FB}"/>
+                  </a:ext>
+                </a:extLst>
+              </p:cNvPr>
+              <p:cNvSpPr/>
+              <p:nvPr/>
+            </p:nvSpPr>
+            <p:spPr>
+              <a:xfrm>
+                <a:off x="4663103" y="1153291"/>
+                <a:ext cx="652948" cy="444306"/>
+              </a:xfrm>
+              <a:prstGeom prst="rect">
+                <a:avLst/>
+              </a:prstGeom>
+              <a:ln w="19050">
+                <a:solidFill>
+                  <a:schemeClr val="tx1"/>
+                </a:solidFill>
+              </a:ln>
+            </p:spPr>
+            <p:style>
+              <a:lnRef idx="2">
+                <a:schemeClr val="dk1"/>
+              </a:lnRef>
+              <a:fillRef idx="1">
+                <a:schemeClr val="lt1"/>
+              </a:fillRef>
+              <a:effectRef idx="0">
+                <a:schemeClr val="dk1"/>
+              </a:effectRef>
+              <a:fontRef idx="minor">
+                <a:schemeClr val="dk1"/>
+              </a:fontRef>
+            </p:style>
+            <p:txBody>
+              <a:bodyPr rtlCol="0" anchor="ctr"/>
+              <a:lstStyle/>
+              <a:p>
+                <a:pPr algn="ctr"/>
+                <a:r>
+                  <a:rPr lang="en-US" altLang="ja-JP" sz="1200" dirty="0">
+                    <a:latin typeface="Times New Roman" panose="02020603050405020304" pitchFamily="18" charset="0"/>
+                    <a:ea typeface="MS UI Gothic" panose="020B0600070205080204" pitchFamily="50" charset="-128"/>
+                    <a:cs typeface="Times New Roman" panose="02020603050405020304" pitchFamily="18" charset="0"/>
+                  </a:rPr>
+                  <a:t>YAENAMI1</a:t>
+                </a:r>
+              </a:p>
+              <a:p>
+                <a:pPr algn="ctr"/>
+                <a:r>
+                  <a:rPr lang="en-US" altLang="ja-JP" sz="1200" dirty="0">
+                    <a:latin typeface="Times New Roman" panose="02020603050405020304" pitchFamily="18" charset="0"/>
+                    <a:ea typeface="MS UI Gothic" panose="020B0600070205080204" pitchFamily="50" charset="-128"/>
+                    <a:cs typeface="Times New Roman" panose="02020603050405020304" pitchFamily="18" charset="0"/>
+                  </a:rPr>
+                  <a:t>(8ch)</a:t>
+                </a:r>
+              </a:p>
+            </p:txBody>
+          </p:sp>
+        </p:grpSp>
+        <p:cxnSp>
+          <p:nvCxnSpPr>
+            <p:cNvPr id="49" name="直線コネクタ 48">
+              <a:extLst>
+                <a:ext uri="{FF2B5EF4-FFF2-40B4-BE49-F238E27FC236}">
+                  <a16:creationId xmlns:a16="http://schemas.microsoft.com/office/drawing/2014/main" id="{A0B73051-05E7-39A0-969B-C2B0F15D13AC}"/>
+                </a:ext>
+              </a:extLst>
+            </p:cNvPr>
+            <p:cNvCxnSpPr>
+              <a:cxnSpLocks/>
+            </p:cNvCxnSpPr>
+            <p:nvPr/>
+          </p:nvCxnSpPr>
+          <p:spPr>
+            <a:xfrm>
+              <a:off x="1446103" y="363285"/>
+              <a:ext cx="0" cy="1433129"/>
+            </a:xfrm>
+            <a:prstGeom prst="line">
+              <a:avLst/>
+            </a:prstGeom>
+            <a:ln w="19050">
+              <a:solidFill>
+                <a:schemeClr val="tx1"/>
+              </a:solidFill>
+              <a:headEnd type="none"/>
+              <a:tailEnd type="none"/>
+            </a:ln>
+          </p:spPr>
+          <p:style>
+            <a:lnRef idx="1">
+              <a:schemeClr val="accent1"/>
+            </a:lnRef>
+            <a:fillRef idx="0">
+              <a:schemeClr val="accent1"/>
+            </a:fillRef>
+            <a:effectRef idx="0">
+              <a:schemeClr val="accent1"/>
+            </a:effectRef>
+            <a:fontRef idx="minor">
+              <a:schemeClr val="tx1"/>
+            </a:fontRef>
+          </p:style>
+        </p:cxnSp>
+        <p:sp>
+          <p:nvSpPr>
+            <p:cNvPr id="50" name="テキスト ボックス 49">
+              <a:extLst>
+                <a:ext uri="{FF2B5EF4-FFF2-40B4-BE49-F238E27FC236}">
+                  <a16:creationId xmlns:a16="http://schemas.microsoft.com/office/drawing/2014/main" id="{E3320E78-CBB1-D0EC-4FAA-717504E0CC09}"/>
+                </a:ext>
+              </a:extLst>
+            </p:cNvPr>
+            <p:cNvSpPr txBox="1"/>
+            <p:nvPr/>
+          </p:nvSpPr>
+          <p:spPr>
+            <a:xfrm>
+              <a:off x="673208" y="1492178"/>
+              <a:ext cx="968920" cy="276999"/>
+            </a:xfrm>
+            <a:prstGeom prst="rect">
+              <a:avLst/>
+            </a:prstGeom>
+            <a:noFill/>
+            <a:ln w="19050">
+              <a:noFill/>
+            </a:ln>
+          </p:spPr>
+          <p:txBody>
+            <a:bodyPr wrap="square" rtlCol="0">
+              <a:spAutoFit/>
+            </a:bodyPr>
+            <a:lstStyle/>
+            <a:p>
+              <a:pPr algn="ctr"/>
+              <a:r>
+                <a:rPr kumimoji="1" lang="en-US" altLang="ja-JP" sz="1200" dirty="0">
+                  <a:latin typeface="Times New Roman" panose="02020603050405020304" pitchFamily="18" charset="0"/>
+                  <a:ea typeface="MS UI Gothic" panose="020B0600070205080204" pitchFamily="50" charset="-128"/>
+                  <a:cs typeface="Times New Roman" panose="02020603050405020304" pitchFamily="18" charset="0"/>
+                </a:rPr>
+                <a:t>40V-70V</a:t>
+              </a:r>
+              <a:endParaRPr kumimoji="1" lang="ja-JP" altLang="en-US" sz="1200" dirty="0">
+                <a:latin typeface="Times New Roman" panose="02020603050405020304" pitchFamily="18" charset="0"/>
+                <a:ea typeface="MS UI Gothic" panose="020B0600070205080204" pitchFamily="50" charset="-128"/>
+                <a:cs typeface="Times New Roman" panose="02020603050405020304" pitchFamily="18" charset="0"/>
+              </a:endParaRPr>
+            </a:p>
+          </p:txBody>
+        </p:sp>
+        <p:cxnSp>
+          <p:nvCxnSpPr>
+            <p:cNvPr id="55" name="直線コネクタ 54">
+              <a:extLst>
+                <a:ext uri="{FF2B5EF4-FFF2-40B4-BE49-F238E27FC236}">
+                  <a16:creationId xmlns:a16="http://schemas.microsoft.com/office/drawing/2014/main" id="{85BC578B-BCF2-583D-5447-C3387253E221}"/>
+                </a:ext>
+              </a:extLst>
+            </p:cNvPr>
+            <p:cNvCxnSpPr>
+              <a:cxnSpLocks/>
+            </p:cNvCxnSpPr>
+            <p:nvPr/>
+          </p:nvCxnSpPr>
+          <p:spPr>
+            <a:xfrm flipV="1">
+              <a:off x="3144752" y="2138976"/>
+              <a:ext cx="0" cy="566902"/>
+            </a:xfrm>
+            <a:prstGeom prst="line">
+              <a:avLst/>
+            </a:prstGeom>
+            <a:ln w="19050">
+              <a:solidFill>
+                <a:srgbClr val="0070C0"/>
+              </a:solidFill>
+              <a:headEnd type="arrow"/>
+              <a:tailEnd type="none"/>
+            </a:ln>
+          </p:spPr>
+          <p:style>
+            <a:lnRef idx="1">
+              <a:schemeClr val="accent1"/>
+            </a:lnRef>
+            <a:fillRef idx="0">
+              <a:schemeClr val="accent1"/>
+            </a:fillRef>
+            <a:effectRef idx="0">
+              <a:schemeClr val="accent1"/>
+            </a:effectRef>
+            <a:fontRef idx="minor">
+              <a:schemeClr val="tx1"/>
+            </a:fontRef>
+          </p:style>
+        </p:cxnSp>
+        <p:cxnSp>
+          <p:nvCxnSpPr>
+            <p:cNvPr id="61" name="直線コネクタ 60">
+              <a:extLst>
+                <a:ext uri="{FF2B5EF4-FFF2-40B4-BE49-F238E27FC236}">
+                  <a16:creationId xmlns:a16="http://schemas.microsoft.com/office/drawing/2014/main" id="{DE518E3D-CD6E-FC5E-8AF2-85574F2B1F83}"/>
+                </a:ext>
+              </a:extLst>
+            </p:cNvPr>
+            <p:cNvCxnSpPr>
+              <a:cxnSpLocks/>
+            </p:cNvCxnSpPr>
+            <p:nvPr/>
+          </p:nvCxnSpPr>
+          <p:spPr>
+            <a:xfrm flipV="1">
+              <a:off x="3068109" y="2408443"/>
+              <a:ext cx="143001" cy="115865"/>
+            </a:xfrm>
+            <a:prstGeom prst="line">
+              <a:avLst/>
+            </a:prstGeom>
+            <a:ln w="19050">
+              <a:solidFill>
+                <a:srgbClr val="0070C0"/>
+              </a:solidFill>
+            </a:ln>
+          </p:spPr>
+          <p:style>
+            <a:lnRef idx="1">
+              <a:schemeClr val="accent1"/>
+            </a:lnRef>
+            <a:fillRef idx="0">
+              <a:schemeClr val="accent1"/>
+            </a:fillRef>
+            <a:effectRef idx="0">
+              <a:schemeClr val="accent1"/>
+            </a:effectRef>
+            <a:fontRef idx="minor">
+              <a:schemeClr val="tx1"/>
+            </a:fontRef>
+          </p:style>
+        </p:cxnSp>
+        <p:sp>
+          <p:nvSpPr>
+            <p:cNvPr id="62" name="テキスト ボックス 61">
+              <a:extLst>
+                <a:ext uri="{FF2B5EF4-FFF2-40B4-BE49-F238E27FC236}">
+                  <a16:creationId xmlns:a16="http://schemas.microsoft.com/office/drawing/2014/main" id="{ECCAC14E-FAA4-EC48-C50C-C268B5C8BD50}"/>
+                </a:ext>
+              </a:extLst>
+            </p:cNvPr>
+            <p:cNvSpPr txBox="1"/>
+            <p:nvPr/>
+          </p:nvSpPr>
+          <p:spPr>
+            <a:xfrm>
+              <a:off x="2756247" y="2303179"/>
+              <a:ext cx="487221" cy="261610"/>
+            </a:xfrm>
+            <a:prstGeom prst="rect">
+              <a:avLst/>
+            </a:prstGeom>
+            <a:noFill/>
+            <a:ln w="19050">
+              <a:noFill/>
+            </a:ln>
+          </p:spPr>
+          <p:txBody>
+            <a:bodyPr wrap="square" rtlCol="0">
+              <a:spAutoFit/>
+            </a:bodyPr>
+            <a:lstStyle/>
+            <a:p>
+              <a:pPr algn="ctr"/>
+              <a:r>
+                <a:rPr kumimoji="1" lang="en-US" altLang="ja-JP" sz="1100" dirty="0">
+                  <a:latin typeface="Times New Roman" panose="02020603050405020304" pitchFamily="18" charset="0"/>
+                  <a:ea typeface="MS UI Gothic" panose="020B0600070205080204" pitchFamily="50" charset="-128"/>
+                  <a:cs typeface="Times New Roman" panose="02020603050405020304" pitchFamily="18" charset="0"/>
+                </a:rPr>
+                <a:t>32</a:t>
+              </a:r>
+              <a:endParaRPr kumimoji="1" lang="ja-JP" altLang="en-US" sz="1100" dirty="0">
+                <a:latin typeface="Times New Roman" panose="02020603050405020304" pitchFamily="18" charset="0"/>
+                <a:ea typeface="MS UI Gothic" panose="020B0600070205080204" pitchFamily="50" charset="-128"/>
+                <a:cs typeface="Times New Roman" panose="02020603050405020304" pitchFamily="18" charset="0"/>
+              </a:endParaRPr>
+            </a:p>
+          </p:txBody>
+        </p:sp>
+        <p:sp>
+          <p:nvSpPr>
+            <p:cNvPr id="63" name="テキスト ボックス 62">
+              <a:extLst>
+                <a:ext uri="{FF2B5EF4-FFF2-40B4-BE49-F238E27FC236}">
+                  <a16:creationId xmlns:a16="http://schemas.microsoft.com/office/drawing/2014/main" id="{58C22144-D7ED-9EFF-0B41-E6ADFA176CD0}"/>
+                </a:ext>
+              </a:extLst>
+            </p:cNvPr>
+            <p:cNvSpPr txBox="1"/>
+            <p:nvPr/>
+          </p:nvSpPr>
+          <p:spPr>
+            <a:xfrm>
+              <a:off x="1964495" y="2206720"/>
+              <a:ext cx="968920" cy="461665"/>
+            </a:xfrm>
+            <a:prstGeom prst="rect">
+              <a:avLst/>
+            </a:prstGeom>
+            <a:noFill/>
+            <a:ln w="19050">
+              <a:noFill/>
+            </a:ln>
+          </p:spPr>
+          <p:txBody>
+            <a:bodyPr wrap="square" rtlCol="0">
+              <a:spAutoFit/>
+            </a:bodyPr>
+            <a:lstStyle/>
+            <a:p>
+              <a:pPr algn="ctr"/>
+              <a:r>
+                <a:rPr kumimoji="1" lang="en-US" altLang="ja-JP" sz="1200" dirty="0">
+                  <a:solidFill>
+                    <a:srgbClr val="0070C0"/>
+                  </a:solidFill>
+                  <a:latin typeface="Times New Roman" panose="02020603050405020304" pitchFamily="18" charset="0"/>
+                  <a:ea typeface="MS UI Gothic" panose="020B0600070205080204" pitchFamily="50" charset="-128"/>
+                  <a:cs typeface="Times New Roman" panose="02020603050405020304" pitchFamily="18" charset="0"/>
+                </a:rPr>
+                <a:t>Comparator</a:t>
+              </a:r>
+            </a:p>
+            <a:p>
+              <a:pPr algn="ctr"/>
+              <a:r>
+                <a:rPr lang="en-US" altLang="ja-JP" sz="1200" dirty="0">
+                  <a:solidFill>
+                    <a:srgbClr val="0070C0"/>
+                  </a:solidFill>
+                  <a:latin typeface="Times New Roman" panose="02020603050405020304" pitchFamily="18" charset="0"/>
+                  <a:ea typeface="MS UI Gothic" panose="020B0600070205080204" pitchFamily="50" charset="-128"/>
+                  <a:cs typeface="Times New Roman" panose="02020603050405020304" pitchFamily="18" charset="0"/>
+                </a:rPr>
+                <a:t>output</a:t>
+              </a:r>
+              <a:endParaRPr kumimoji="1" lang="ja-JP" altLang="en-US" sz="1200" dirty="0">
+                <a:solidFill>
+                  <a:srgbClr val="0070C0"/>
+                </a:solidFill>
+                <a:latin typeface="Times New Roman" panose="02020603050405020304" pitchFamily="18" charset="0"/>
+                <a:ea typeface="MS UI Gothic" panose="020B0600070205080204" pitchFamily="50" charset="-128"/>
+                <a:cs typeface="Times New Roman" panose="02020603050405020304" pitchFamily="18" charset="0"/>
+              </a:endParaRPr>
+            </a:p>
+          </p:txBody>
+        </p:sp>
+        <p:grpSp>
+          <p:nvGrpSpPr>
+            <p:cNvPr id="84" name="グループ化 83">
+              <a:extLst>
+                <a:ext uri="{FF2B5EF4-FFF2-40B4-BE49-F238E27FC236}">
+                  <a16:creationId xmlns:a16="http://schemas.microsoft.com/office/drawing/2014/main" id="{36A17BF5-6DBE-2EE3-97DA-6789C45E10AD}"/>
+                </a:ext>
+              </a:extLst>
+            </p:cNvPr>
+            <p:cNvGrpSpPr/>
+            <p:nvPr/>
+          </p:nvGrpSpPr>
+          <p:grpSpPr>
+            <a:xfrm>
+              <a:off x="2284592" y="1597146"/>
+              <a:ext cx="3811403" cy="634273"/>
+              <a:chOff x="2284593" y="1597146"/>
+              <a:chExt cx="3338590" cy="634273"/>
+            </a:xfrm>
+          </p:grpSpPr>
+          <p:cxnSp>
+            <p:nvCxnSpPr>
+              <p:cNvPr id="56" name="直線コネクタ 55">
+                <a:extLst>
+                  <a:ext uri="{FF2B5EF4-FFF2-40B4-BE49-F238E27FC236}">
+                    <a16:creationId xmlns:a16="http://schemas.microsoft.com/office/drawing/2014/main" id="{9EC292CD-6FA9-A0FB-099D-C354FF8EA93A}"/>
+                  </a:ext>
+                </a:extLst>
+              </p:cNvPr>
+              <p:cNvCxnSpPr>
+                <a:cxnSpLocks/>
+              </p:cNvCxnSpPr>
+              <p:nvPr/>
+            </p:nvCxnSpPr>
+            <p:spPr>
+              <a:xfrm flipH="1">
+                <a:off x="2284593" y="2138976"/>
+                <a:ext cx="3203356" cy="0"/>
+              </a:xfrm>
+              <a:prstGeom prst="line">
+                <a:avLst/>
+              </a:prstGeom>
+              <a:ln w="19050">
+                <a:solidFill>
+                  <a:srgbClr val="0070C0"/>
+                </a:solidFill>
+              </a:ln>
+            </p:spPr>
+            <p:style>
+              <a:lnRef idx="1">
+                <a:schemeClr val="accent1"/>
+              </a:lnRef>
+              <a:fillRef idx="0">
+                <a:schemeClr val="accent1"/>
+              </a:fillRef>
+              <a:effectRef idx="0">
+                <a:schemeClr val="accent1"/>
+              </a:effectRef>
+              <a:fontRef idx="minor">
+                <a:schemeClr val="tx1"/>
+              </a:fontRef>
+            </p:style>
+          </p:cxnSp>
+          <p:cxnSp>
+            <p:nvCxnSpPr>
+              <p:cNvPr id="57" name="直線コネクタ 56">
+                <a:extLst>
+                  <a:ext uri="{FF2B5EF4-FFF2-40B4-BE49-F238E27FC236}">
+                    <a16:creationId xmlns:a16="http://schemas.microsoft.com/office/drawing/2014/main" id="{27C36411-E9F0-835D-CD3F-ECB155B9EC86}"/>
+                  </a:ext>
+                </a:extLst>
+              </p:cNvPr>
+              <p:cNvCxnSpPr>
+                <a:cxnSpLocks/>
+              </p:cNvCxnSpPr>
+              <p:nvPr/>
+            </p:nvCxnSpPr>
+            <p:spPr>
+              <a:xfrm>
+                <a:off x="5487949" y="1603475"/>
+                <a:ext cx="0" cy="535501"/>
+              </a:xfrm>
+              <a:prstGeom prst="line">
+                <a:avLst/>
+              </a:prstGeom>
+              <a:ln w="19050">
+                <a:solidFill>
+                  <a:srgbClr val="0070C0"/>
+                </a:solidFill>
+              </a:ln>
+            </p:spPr>
+            <p:style>
+              <a:lnRef idx="1">
+                <a:schemeClr val="accent1"/>
+              </a:lnRef>
+              <a:fillRef idx="0">
+                <a:schemeClr val="accent1"/>
+              </a:fillRef>
+              <a:effectRef idx="0">
+                <a:schemeClr val="accent1"/>
+              </a:effectRef>
+              <a:fontRef idx="minor">
+                <a:schemeClr val="tx1"/>
+              </a:fontRef>
+            </p:style>
+          </p:cxnSp>
+          <p:cxnSp>
+            <p:nvCxnSpPr>
+              <p:cNvPr id="58" name="直線コネクタ 57">
+                <a:extLst>
+                  <a:ext uri="{FF2B5EF4-FFF2-40B4-BE49-F238E27FC236}">
+                    <a16:creationId xmlns:a16="http://schemas.microsoft.com/office/drawing/2014/main" id="{BD0A17E1-D2A8-8B06-967D-AE315A5A6A8E}"/>
+                  </a:ext>
+                </a:extLst>
+              </p:cNvPr>
+              <p:cNvCxnSpPr>
+                <a:cxnSpLocks/>
+              </p:cNvCxnSpPr>
+              <p:nvPr/>
+            </p:nvCxnSpPr>
+            <p:spPr>
+              <a:xfrm>
+                <a:off x="4391811" y="1597597"/>
+                <a:ext cx="0" cy="551924"/>
+              </a:xfrm>
+              <a:prstGeom prst="line">
+                <a:avLst/>
+              </a:prstGeom>
+              <a:ln w="19050">
+                <a:solidFill>
+                  <a:srgbClr val="0070C0"/>
+                </a:solidFill>
+              </a:ln>
+            </p:spPr>
+            <p:style>
+              <a:lnRef idx="1">
+                <a:schemeClr val="accent1"/>
+              </a:lnRef>
+              <a:fillRef idx="0">
+                <a:schemeClr val="accent1"/>
+              </a:fillRef>
+              <a:effectRef idx="0">
+                <a:schemeClr val="accent1"/>
+              </a:effectRef>
+              <a:fontRef idx="minor">
+                <a:schemeClr val="tx1"/>
+              </a:fontRef>
+            </p:style>
+          </p:cxnSp>
+          <p:cxnSp>
+            <p:nvCxnSpPr>
+              <p:cNvPr id="59" name="直線コネクタ 58">
+                <a:extLst>
+                  <a:ext uri="{FF2B5EF4-FFF2-40B4-BE49-F238E27FC236}">
+                    <a16:creationId xmlns:a16="http://schemas.microsoft.com/office/drawing/2014/main" id="{2F8E58CF-19B4-284C-205B-7B341EF7D82D}"/>
+                  </a:ext>
+                </a:extLst>
+              </p:cNvPr>
+              <p:cNvCxnSpPr>
+                <a:cxnSpLocks/>
+              </p:cNvCxnSpPr>
+              <p:nvPr/>
+            </p:nvCxnSpPr>
+            <p:spPr>
+              <a:xfrm>
+                <a:off x="3317391" y="1597597"/>
+                <a:ext cx="0" cy="551924"/>
+              </a:xfrm>
+              <a:prstGeom prst="line">
+                <a:avLst/>
+              </a:prstGeom>
+              <a:ln w="19050">
+                <a:solidFill>
+                  <a:srgbClr val="0070C0"/>
+                </a:solidFill>
+              </a:ln>
+            </p:spPr>
+            <p:style>
+              <a:lnRef idx="1">
+                <a:schemeClr val="accent1"/>
+              </a:lnRef>
+              <a:fillRef idx="0">
+                <a:schemeClr val="accent1"/>
+              </a:fillRef>
+              <a:effectRef idx="0">
+                <a:schemeClr val="accent1"/>
+              </a:effectRef>
+              <a:fontRef idx="minor">
+                <a:schemeClr val="tx1"/>
+              </a:fontRef>
+            </p:style>
+          </p:cxnSp>
+          <p:cxnSp>
+            <p:nvCxnSpPr>
+              <p:cNvPr id="60" name="直線コネクタ 59">
+                <a:extLst>
+                  <a:ext uri="{FF2B5EF4-FFF2-40B4-BE49-F238E27FC236}">
+                    <a16:creationId xmlns:a16="http://schemas.microsoft.com/office/drawing/2014/main" id="{6A6ADF07-1E71-DB0A-69F3-89C17E260CF7}"/>
+                  </a:ext>
+                </a:extLst>
+              </p:cNvPr>
+              <p:cNvCxnSpPr>
+                <a:cxnSpLocks/>
+              </p:cNvCxnSpPr>
+              <p:nvPr/>
+            </p:nvCxnSpPr>
+            <p:spPr>
+              <a:xfrm>
+                <a:off x="2285783" y="1597597"/>
+                <a:ext cx="0" cy="551924"/>
+              </a:xfrm>
+              <a:prstGeom prst="line">
+                <a:avLst/>
+              </a:prstGeom>
+              <a:ln w="19050">
+                <a:solidFill>
+                  <a:srgbClr val="0070C0"/>
+                </a:solidFill>
+              </a:ln>
+            </p:spPr>
+            <p:style>
+              <a:lnRef idx="1">
+                <a:schemeClr val="accent1"/>
+              </a:lnRef>
+              <a:fillRef idx="0">
+                <a:schemeClr val="accent1"/>
+              </a:fillRef>
+              <a:effectRef idx="0">
+                <a:schemeClr val="accent1"/>
+              </a:effectRef>
+              <a:fontRef idx="minor">
+                <a:schemeClr val="tx1"/>
+              </a:fontRef>
+            </p:style>
+          </p:cxnSp>
+          <p:cxnSp>
+            <p:nvCxnSpPr>
+              <p:cNvPr id="65" name="直線コネクタ 64">
+                <a:extLst>
+                  <a:ext uri="{FF2B5EF4-FFF2-40B4-BE49-F238E27FC236}">
+                    <a16:creationId xmlns:a16="http://schemas.microsoft.com/office/drawing/2014/main" id="{D93F4E6A-4343-073F-D716-E22BB59AA82B}"/>
+                  </a:ext>
+                </a:extLst>
+              </p:cNvPr>
+              <p:cNvCxnSpPr>
+                <a:cxnSpLocks/>
+              </p:cNvCxnSpPr>
+              <p:nvPr/>
+            </p:nvCxnSpPr>
+            <p:spPr>
+              <a:xfrm flipH="1">
+                <a:off x="2441648" y="2228522"/>
+                <a:ext cx="3181535" cy="0"/>
+              </a:xfrm>
+              <a:prstGeom prst="line">
+                <a:avLst/>
+              </a:prstGeom>
+              <a:ln w="19050">
+                <a:solidFill>
+                  <a:srgbClr val="C00000"/>
+                </a:solidFill>
+              </a:ln>
+            </p:spPr>
+            <p:style>
+              <a:lnRef idx="1">
+                <a:schemeClr val="accent1"/>
+              </a:lnRef>
+              <a:fillRef idx="0">
+                <a:schemeClr val="accent1"/>
+              </a:fillRef>
+              <a:effectRef idx="0">
+                <a:schemeClr val="accent1"/>
+              </a:effectRef>
+              <a:fontRef idx="minor">
+                <a:schemeClr val="tx1"/>
+              </a:fontRef>
+            </p:style>
+          </p:cxnSp>
+          <p:cxnSp>
+            <p:nvCxnSpPr>
+              <p:cNvPr id="66" name="直線コネクタ 65">
+                <a:extLst>
+                  <a:ext uri="{FF2B5EF4-FFF2-40B4-BE49-F238E27FC236}">
+                    <a16:creationId xmlns:a16="http://schemas.microsoft.com/office/drawing/2014/main" id="{85ED726E-A5C8-0FF7-CADB-ADD9A0190984}"/>
+                  </a:ext>
+                </a:extLst>
+              </p:cNvPr>
+              <p:cNvCxnSpPr>
+                <a:cxnSpLocks/>
+              </p:cNvCxnSpPr>
+              <p:nvPr/>
+            </p:nvCxnSpPr>
+            <p:spPr>
+              <a:xfrm>
+                <a:off x="5623183" y="1602503"/>
+                <a:ext cx="0" cy="628916"/>
+              </a:xfrm>
+              <a:prstGeom prst="line">
+                <a:avLst/>
+              </a:prstGeom>
+              <a:ln w="19050">
+                <a:solidFill>
+                  <a:srgbClr val="C00000"/>
+                </a:solidFill>
+                <a:headEnd type="none"/>
+              </a:ln>
+            </p:spPr>
+            <p:style>
+              <a:lnRef idx="1">
+                <a:schemeClr val="accent1"/>
+              </a:lnRef>
+              <a:fillRef idx="0">
+                <a:schemeClr val="accent1"/>
+              </a:fillRef>
+              <a:effectRef idx="0">
+                <a:schemeClr val="accent1"/>
+              </a:effectRef>
+              <a:fontRef idx="minor">
+                <a:schemeClr val="tx1"/>
+              </a:fontRef>
+            </p:style>
+          </p:cxnSp>
+          <p:cxnSp>
+            <p:nvCxnSpPr>
+              <p:cNvPr id="67" name="直線コネクタ 66">
+                <a:extLst>
+                  <a:ext uri="{FF2B5EF4-FFF2-40B4-BE49-F238E27FC236}">
+                    <a16:creationId xmlns:a16="http://schemas.microsoft.com/office/drawing/2014/main" id="{91623D0F-9ABE-1BB9-5821-237ECA15E55A}"/>
+                  </a:ext>
+                </a:extLst>
+              </p:cNvPr>
+              <p:cNvCxnSpPr>
+                <a:cxnSpLocks/>
+              </p:cNvCxnSpPr>
+              <p:nvPr/>
+            </p:nvCxnSpPr>
+            <p:spPr>
+              <a:xfrm>
+                <a:off x="4507508" y="1597146"/>
+                <a:ext cx="0" cy="634273"/>
+              </a:xfrm>
+              <a:prstGeom prst="line">
+                <a:avLst/>
+              </a:prstGeom>
+              <a:ln w="19050">
+                <a:solidFill>
+                  <a:srgbClr val="C00000"/>
+                </a:solidFill>
+                <a:headEnd type="none"/>
+              </a:ln>
+            </p:spPr>
+            <p:style>
+              <a:lnRef idx="1">
+                <a:schemeClr val="accent1"/>
+              </a:lnRef>
+              <a:fillRef idx="0">
+                <a:schemeClr val="accent1"/>
+              </a:fillRef>
+              <a:effectRef idx="0">
+                <a:schemeClr val="accent1"/>
+              </a:effectRef>
+              <a:fontRef idx="minor">
+                <a:schemeClr val="tx1"/>
+              </a:fontRef>
+            </p:style>
+          </p:cxnSp>
+          <p:cxnSp>
+            <p:nvCxnSpPr>
+              <p:cNvPr id="68" name="直線コネクタ 67">
+                <a:extLst>
+                  <a:ext uri="{FF2B5EF4-FFF2-40B4-BE49-F238E27FC236}">
+                    <a16:creationId xmlns:a16="http://schemas.microsoft.com/office/drawing/2014/main" id="{450BCF0C-6BB9-DD10-227C-251CE521D56B}"/>
+                  </a:ext>
+                </a:extLst>
+              </p:cNvPr>
+              <p:cNvCxnSpPr>
+                <a:cxnSpLocks/>
+              </p:cNvCxnSpPr>
+              <p:nvPr/>
+            </p:nvCxnSpPr>
+            <p:spPr>
+              <a:xfrm>
+                <a:off x="3433088" y="1597146"/>
+                <a:ext cx="0" cy="634273"/>
+              </a:xfrm>
+              <a:prstGeom prst="line">
+                <a:avLst/>
+              </a:prstGeom>
+              <a:ln w="19050">
+                <a:solidFill>
+                  <a:srgbClr val="C00000"/>
+                </a:solidFill>
+                <a:headEnd type="none"/>
+              </a:ln>
+            </p:spPr>
+            <p:style>
+              <a:lnRef idx="1">
+                <a:schemeClr val="accent1"/>
+              </a:lnRef>
+              <a:fillRef idx="0">
+                <a:schemeClr val="accent1"/>
+              </a:fillRef>
+              <a:effectRef idx="0">
+                <a:schemeClr val="accent1"/>
+              </a:effectRef>
+              <a:fontRef idx="minor">
+                <a:schemeClr val="tx1"/>
+              </a:fontRef>
+            </p:style>
+          </p:cxnSp>
+          <p:cxnSp>
+            <p:nvCxnSpPr>
+              <p:cNvPr id="69" name="直線コネクタ 68">
+                <a:extLst>
+                  <a:ext uri="{FF2B5EF4-FFF2-40B4-BE49-F238E27FC236}">
+                    <a16:creationId xmlns:a16="http://schemas.microsoft.com/office/drawing/2014/main" id="{ECE72D31-EEBF-E887-069F-E11F2D4A65E2}"/>
+                  </a:ext>
+                </a:extLst>
+              </p:cNvPr>
+              <p:cNvCxnSpPr>
+                <a:cxnSpLocks/>
+              </p:cNvCxnSpPr>
+              <p:nvPr/>
+            </p:nvCxnSpPr>
+            <p:spPr>
+              <a:xfrm>
+                <a:off x="2441648" y="1597146"/>
+                <a:ext cx="0" cy="634273"/>
+              </a:xfrm>
+              <a:prstGeom prst="line">
+                <a:avLst/>
+              </a:prstGeom>
+              <a:ln w="19050">
+                <a:solidFill>
+                  <a:srgbClr val="C00000"/>
+                </a:solidFill>
+                <a:headEnd type="none"/>
+              </a:ln>
+            </p:spPr>
+            <p:style>
+              <a:lnRef idx="1">
+                <a:schemeClr val="accent1"/>
+              </a:lnRef>
+              <a:fillRef idx="0">
+                <a:schemeClr val="accent1"/>
+              </a:fillRef>
+              <a:effectRef idx="0">
+                <a:schemeClr val="accent1"/>
+              </a:effectRef>
+              <a:fontRef idx="minor">
+                <a:schemeClr val="tx1"/>
+              </a:fontRef>
+            </p:style>
+          </p:cxnSp>
+        </p:grpSp>
+        <p:cxnSp>
+          <p:nvCxnSpPr>
+            <p:cNvPr id="70" name="直線コネクタ 69">
+              <a:extLst>
+                <a:ext uri="{FF2B5EF4-FFF2-40B4-BE49-F238E27FC236}">
+                  <a16:creationId xmlns:a16="http://schemas.microsoft.com/office/drawing/2014/main" id="{6B8092D2-F2E0-54F1-3D12-A35B93AC3901}"/>
+                </a:ext>
+              </a:extLst>
+            </p:cNvPr>
+            <p:cNvCxnSpPr>
+              <a:cxnSpLocks/>
+            </p:cNvCxnSpPr>
+            <p:nvPr/>
+          </p:nvCxnSpPr>
+          <p:spPr>
+            <a:xfrm>
+              <a:off x="4273727" y="2231419"/>
+              <a:ext cx="0" cy="469847"/>
+            </a:xfrm>
+            <a:prstGeom prst="line">
+              <a:avLst/>
+            </a:prstGeom>
+            <a:ln w="19050">
+              <a:solidFill>
+                <a:srgbClr val="C00000"/>
+              </a:solidFill>
+              <a:headEnd type="none"/>
+              <a:tailEnd type="arrow"/>
+            </a:ln>
+          </p:spPr>
+          <p:style>
+            <a:lnRef idx="1">
+              <a:schemeClr val="accent1"/>
+            </a:lnRef>
+            <a:fillRef idx="0">
+              <a:schemeClr val="accent1"/>
+            </a:fillRef>
+            <a:effectRef idx="0">
+              <a:schemeClr val="accent1"/>
+            </a:effectRef>
+            <a:fontRef idx="minor">
+              <a:schemeClr val="tx1"/>
+            </a:fontRef>
+          </p:style>
+        </p:cxnSp>
+        <p:sp>
+          <p:nvSpPr>
+            <p:cNvPr id="85" name="テキスト ボックス 84">
+              <a:extLst>
+                <a:ext uri="{FF2B5EF4-FFF2-40B4-BE49-F238E27FC236}">
+                  <a16:creationId xmlns:a16="http://schemas.microsoft.com/office/drawing/2014/main" id="{3A49815A-3DB2-AF0D-0D47-36E41EDA0E57}"/>
+                </a:ext>
+              </a:extLst>
+            </p:cNvPr>
+            <p:cNvSpPr txBox="1"/>
+            <p:nvPr/>
+          </p:nvSpPr>
+          <p:spPr>
+            <a:xfrm>
+              <a:off x="4274504" y="2238878"/>
+              <a:ext cx="1472181" cy="461665"/>
+            </a:xfrm>
+            <a:prstGeom prst="rect">
+              <a:avLst/>
+            </a:prstGeom>
+            <a:noFill/>
+            <a:ln w="19050">
+              <a:noFill/>
+            </a:ln>
+          </p:spPr>
+          <p:txBody>
+            <a:bodyPr wrap="square" rtlCol="0">
+              <a:spAutoFit/>
+            </a:bodyPr>
+            <a:lstStyle/>
+            <a:p>
+              <a:pPr algn="ctr"/>
+              <a:r>
+                <a:rPr lang="en-US" altLang="ja-JP" sz="1200" dirty="0">
+                  <a:solidFill>
+                    <a:srgbClr val="C00000"/>
+                  </a:solidFill>
+                  <a:latin typeface="Times New Roman" panose="02020603050405020304" pitchFamily="18" charset="0"/>
+                  <a:ea typeface="MS UI Gothic" panose="020B0600070205080204" pitchFamily="50" charset="-128"/>
+                  <a:cs typeface="Times New Roman" panose="02020603050405020304" pitchFamily="18" charset="0"/>
+                </a:rPr>
+                <a:t>ADC</a:t>
+              </a:r>
+            </a:p>
+            <a:p>
+              <a:pPr algn="ctr"/>
+              <a:r>
+                <a:rPr kumimoji="1" lang="en-US" altLang="ja-JP" sz="1200" dirty="0">
+                  <a:solidFill>
+                    <a:srgbClr val="C00000"/>
+                  </a:solidFill>
+                  <a:latin typeface="Times New Roman" panose="02020603050405020304" pitchFamily="18" charset="0"/>
+                  <a:ea typeface="MS UI Gothic" panose="020B0600070205080204" pitchFamily="50" charset="-128"/>
+                  <a:cs typeface="Times New Roman" panose="02020603050405020304" pitchFamily="18" charset="0"/>
+                </a:rPr>
+                <a:t>(waveform data)</a:t>
+              </a:r>
+              <a:endParaRPr kumimoji="1" lang="ja-JP" altLang="en-US" sz="1200" dirty="0">
+                <a:solidFill>
+                  <a:srgbClr val="C00000"/>
+                </a:solidFill>
+                <a:latin typeface="Times New Roman" panose="02020603050405020304" pitchFamily="18" charset="0"/>
+                <a:ea typeface="MS UI Gothic" panose="020B0600070205080204" pitchFamily="50" charset="-128"/>
+                <a:cs typeface="Times New Roman" panose="02020603050405020304" pitchFamily="18" charset="0"/>
+              </a:endParaRPr>
+            </a:p>
+          </p:txBody>
+        </p:sp>
+        <p:cxnSp>
+          <p:nvCxnSpPr>
+            <p:cNvPr id="92" name="直線矢印コネクタ 91">
+              <a:extLst>
+                <a:ext uri="{FF2B5EF4-FFF2-40B4-BE49-F238E27FC236}">
+                  <a16:creationId xmlns:a16="http://schemas.microsoft.com/office/drawing/2014/main" id="{AEA7841F-4C7B-6133-2200-A546EFC9532B}"/>
+                </a:ext>
+              </a:extLst>
+            </p:cNvPr>
+            <p:cNvCxnSpPr>
+              <a:cxnSpLocks/>
+            </p:cNvCxnSpPr>
+            <p:nvPr/>
+          </p:nvCxnSpPr>
+          <p:spPr>
+            <a:xfrm>
+              <a:off x="2753233" y="5671316"/>
+              <a:ext cx="117525" cy="126723"/>
+            </a:xfrm>
+            <a:prstGeom prst="straightConnector1">
+              <a:avLst/>
+            </a:prstGeom>
+            <a:ln w="19050">
+              <a:solidFill>
+                <a:schemeClr val="tx1"/>
+              </a:solidFill>
+              <a:headEnd type="none"/>
+              <a:tailEnd type="none"/>
+            </a:ln>
+          </p:spPr>
+          <p:style>
+            <a:lnRef idx="1">
+              <a:schemeClr val="accent1"/>
+            </a:lnRef>
+            <a:fillRef idx="0">
+              <a:schemeClr val="accent1"/>
+            </a:fillRef>
+            <a:effectRef idx="0">
+              <a:schemeClr val="accent1"/>
+            </a:effectRef>
+            <a:fontRef idx="minor">
+              <a:schemeClr val="tx1"/>
+            </a:fontRef>
+          </p:style>
+        </p:cxnSp>
+        <p:cxnSp>
+          <p:nvCxnSpPr>
+            <p:cNvPr id="94" name="直線矢印コネクタ 93">
+              <a:extLst>
+                <a:ext uri="{FF2B5EF4-FFF2-40B4-BE49-F238E27FC236}">
+                  <a16:creationId xmlns:a16="http://schemas.microsoft.com/office/drawing/2014/main" id="{F7205457-D726-405E-3ECA-D536EA928644}"/>
+                </a:ext>
+              </a:extLst>
+            </p:cNvPr>
+            <p:cNvCxnSpPr>
+              <a:cxnSpLocks/>
+            </p:cNvCxnSpPr>
+            <p:nvPr/>
+          </p:nvCxnSpPr>
+          <p:spPr>
+            <a:xfrm flipV="1">
+              <a:off x="2745786" y="5444653"/>
+              <a:ext cx="0" cy="619899"/>
+            </a:xfrm>
+            <a:prstGeom prst="straightConnector1">
+              <a:avLst/>
+            </a:prstGeom>
+            <a:ln w="19050">
+              <a:solidFill>
+                <a:schemeClr val="tx1"/>
+              </a:solidFill>
+              <a:headEnd type="none"/>
+              <a:tailEnd type="none"/>
+            </a:ln>
+          </p:spPr>
+          <p:style>
+            <a:lnRef idx="1">
+              <a:schemeClr val="accent1"/>
+            </a:lnRef>
+            <a:fillRef idx="0">
+              <a:schemeClr val="accent1"/>
+            </a:fillRef>
+            <a:effectRef idx="0">
+              <a:schemeClr val="accent1"/>
+            </a:effectRef>
+            <a:fontRef idx="minor">
+              <a:schemeClr val="tx1"/>
+            </a:fontRef>
+          </p:style>
+        </p:cxnSp>
+        <p:cxnSp>
+          <p:nvCxnSpPr>
+            <p:cNvPr id="95" name="直線矢印コネクタ 94">
+              <a:extLst>
+                <a:ext uri="{FF2B5EF4-FFF2-40B4-BE49-F238E27FC236}">
+                  <a16:creationId xmlns:a16="http://schemas.microsoft.com/office/drawing/2014/main" id="{B7599D43-4ED7-F13F-148A-61BD91FF010B}"/>
+                </a:ext>
+              </a:extLst>
+            </p:cNvPr>
+            <p:cNvCxnSpPr>
+              <a:cxnSpLocks/>
+            </p:cNvCxnSpPr>
+            <p:nvPr/>
+          </p:nvCxnSpPr>
+          <p:spPr>
+            <a:xfrm>
+              <a:off x="2870256" y="5798039"/>
+              <a:ext cx="0" cy="343718"/>
+            </a:xfrm>
+            <a:prstGeom prst="straightConnector1">
+              <a:avLst/>
+            </a:prstGeom>
+            <a:ln w="19050">
+              <a:solidFill>
+                <a:schemeClr val="tx1"/>
+              </a:solidFill>
+              <a:headEnd type="none"/>
+              <a:tailEnd type="none"/>
+            </a:ln>
+          </p:spPr>
+          <p:style>
+            <a:lnRef idx="1">
+              <a:schemeClr val="accent1"/>
+            </a:lnRef>
+            <a:fillRef idx="0">
+              <a:schemeClr val="accent1"/>
+            </a:fillRef>
+            <a:effectRef idx="0">
+              <a:schemeClr val="accent1"/>
+            </a:effectRef>
+            <a:fontRef idx="minor">
+              <a:schemeClr val="tx1"/>
+            </a:fontRef>
+          </p:style>
+        </p:cxnSp>
+        <p:cxnSp>
+          <p:nvCxnSpPr>
+            <p:cNvPr id="96" name="直線コネクタ 95">
+              <a:extLst>
+                <a:ext uri="{FF2B5EF4-FFF2-40B4-BE49-F238E27FC236}">
+                  <a16:creationId xmlns:a16="http://schemas.microsoft.com/office/drawing/2014/main" id="{B857A15E-8687-1458-11C5-7E103B687224}"/>
+                </a:ext>
+              </a:extLst>
+            </p:cNvPr>
+            <p:cNvCxnSpPr/>
+            <p:nvPr/>
+          </p:nvCxnSpPr>
+          <p:spPr>
+            <a:xfrm flipV="1">
+              <a:off x="2728241" y="4672370"/>
+              <a:ext cx="143001" cy="115865"/>
+            </a:xfrm>
+            <a:prstGeom prst="line">
+              <a:avLst/>
+            </a:prstGeom>
+            <a:ln w="19050">
+              <a:solidFill>
+                <a:schemeClr val="tx1"/>
+              </a:solidFill>
+            </a:ln>
+          </p:spPr>
+          <p:style>
+            <a:lnRef idx="1">
+              <a:schemeClr val="accent1"/>
+            </a:lnRef>
+            <a:fillRef idx="0">
+              <a:schemeClr val="accent1"/>
+            </a:fillRef>
+            <a:effectRef idx="0">
+              <a:schemeClr val="accent1"/>
+            </a:effectRef>
+            <a:fontRef idx="minor">
+              <a:schemeClr val="tx1"/>
+            </a:fontRef>
+          </p:style>
+        </p:cxnSp>
+        <p:sp>
+          <p:nvSpPr>
+            <p:cNvPr id="97" name="テキスト ボックス 96">
+              <a:extLst>
+                <a:ext uri="{FF2B5EF4-FFF2-40B4-BE49-F238E27FC236}">
+                  <a16:creationId xmlns:a16="http://schemas.microsoft.com/office/drawing/2014/main" id="{BF133929-8273-CB6A-7493-2CC65E335263}"/>
+                </a:ext>
+              </a:extLst>
+            </p:cNvPr>
+            <p:cNvSpPr txBox="1"/>
+            <p:nvPr/>
+          </p:nvSpPr>
+          <p:spPr>
+            <a:xfrm>
+              <a:off x="2519038" y="4483286"/>
+              <a:ext cx="343169" cy="261610"/>
+            </a:xfrm>
+            <a:prstGeom prst="rect">
+              <a:avLst/>
+            </a:prstGeom>
+            <a:noFill/>
+            <a:ln w="19050">
+              <a:noFill/>
+            </a:ln>
+          </p:spPr>
+          <p:txBody>
+            <a:bodyPr wrap="square" rtlCol="0">
+              <a:spAutoFit/>
+            </a:bodyPr>
+            <a:lstStyle/>
+            <a:p>
+              <a:pPr algn="ctr"/>
+              <a:r>
+                <a:rPr kumimoji="1" lang="en-US" altLang="ja-JP" sz="1100" dirty="0">
+                  <a:latin typeface="Times New Roman" panose="02020603050405020304" pitchFamily="18" charset="0"/>
+                  <a:ea typeface="MS UI Gothic" panose="020B0600070205080204" pitchFamily="50" charset="-128"/>
+                  <a:cs typeface="Times New Roman" panose="02020603050405020304" pitchFamily="18" charset="0"/>
+                </a:rPr>
+                <a:t>2</a:t>
+              </a:r>
+              <a:endParaRPr kumimoji="1" lang="ja-JP" altLang="en-US" sz="1100" dirty="0">
+                <a:latin typeface="Times New Roman" panose="02020603050405020304" pitchFamily="18" charset="0"/>
+                <a:ea typeface="MS UI Gothic" panose="020B0600070205080204" pitchFamily="50" charset="-128"/>
+                <a:cs typeface="Times New Roman" panose="02020603050405020304" pitchFamily="18" charset="0"/>
+              </a:endParaRPr>
+            </a:p>
+          </p:txBody>
+        </p:sp>
+        <p:cxnSp>
+          <p:nvCxnSpPr>
+            <p:cNvPr id="98" name="直線コネクタ 97">
+              <a:extLst>
+                <a:ext uri="{FF2B5EF4-FFF2-40B4-BE49-F238E27FC236}">
+                  <a16:creationId xmlns:a16="http://schemas.microsoft.com/office/drawing/2014/main" id="{9EF0C588-1E90-5DAB-9986-2EAC55D72A9D}"/>
+                </a:ext>
+              </a:extLst>
+            </p:cNvPr>
+            <p:cNvCxnSpPr/>
+            <p:nvPr/>
+          </p:nvCxnSpPr>
+          <p:spPr>
+            <a:xfrm flipV="1">
+              <a:off x="3092189" y="4679006"/>
+              <a:ext cx="143001" cy="115865"/>
+            </a:xfrm>
+            <a:prstGeom prst="line">
+              <a:avLst/>
+            </a:prstGeom>
+            <a:ln w="19050">
+              <a:solidFill>
+                <a:schemeClr val="tx1"/>
+              </a:solidFill>
+            </a:ln>
+          </p:spPr>
+          <p:style>
+            <a:lnRef idx="1">
+              <a:schemeClr val="accent1"/>
+            </a:lnRef>
+            <a:fillRef idx="0">
+              <a:schemeClr val="accent1"/>
+            </a:fillRef>
+            <a:effectRef idx="0">
+              <a:schemeClr val="accent1"/>
+            </a:effectRef>
+            <a:fontRef idx="minor">
+              <a:schemeClr val="tx1"/>
+            </a:fontRef>
+          </p:style>
+        </p:cxnSp>
+        <p:sp>
+          <p:nvSpPr>
+            <p:cNvPr id="99" name="テキスト ボックス 98">
+              <a:extLst>
+                <a:ext uri="{FF2B5EF4-FFF2-40B4-BE49-F238E27FC236}">
+                  <a16:creationId xmlns:a16="http://schemas.microsoft.com/office/drawing/2014/main" id="{26E4AA83-3C6B-78D5-1AC2-3862B2B9F59B}"/>
+                </a:ext>
+              </a:extLst>
+            </p:cNvPr>
+            <p:cNvSpPr txBox="1"/>
+            <p:nvPr/>
+          </p:nvSpPr>
+          <p:spPr>
+            <a:xfrm>
+              <a:off x="2924379" y="4489922"/>
+              <a:ext cx="343169" cy="261610"/>
+            </a:xfrm>
+            <a:prstGeom prst="rect">
+              <a:avLst/>
+            </a:prstGeom>
+            <a:noFill/>
+            <a:ln w="19050">
+              <a:noFill/>
+            </a:ln>
+          </p:spPr>
+          <p:txBody>
+            <a:bodyPr wrap="square" rtlCol="0">
+              <a:spAutoFit/>
+            </a:bodyPr>
+            <a:lstStyle/>
+            <a:p>
+              <a:pPr algn="ctr"/>
+              <a:r>
+                <a:rPr kumimoji="1" lang="en-US" altLang="ja-JP" sz="1100" dirty="0">
+                  <a:latin typeface="Times New Roman" panose="02020603050405020304" pitchFamily="18" charset="0"/>
+                  <a:ea typeface="MS UI Gothic" panose="020B0600070205080204" pitchFamily="50" charset="-128"/>
+                  <a:cs typeface="Times New Roman" panose="02020603050405020304" pitchFamily="18" charset="0"/>
+                </a:rPr>
+                <a:t>2</a:t>
+              </a:r>
+              <a:endParaRPr kumimoji="1" lang="ja-JP" altLang="en-US" sz="1100" dirty="0">
+                <a:latin typeface="Times New Roman" panose="02020603050405020304" pitchFamily="18" charset="0"/>
+                <a:ea typeface="MS UI Gothic" panose="020B0600070205080204" pitchFamily="50" charset="-128"/>
+                <a:cs typeface="Times New Roman" panose="02020603050405020304" pitchFamily="18" charset="0"/>
+              </a:endParaRPr>
+            </a:p>
+          </p:txBody>
+        </p:sp>
+        <p:sp>
+          <p:nvSpPr>
+            <p:cNvPr id="113" name="テキスト ボックス 112">
+              <a:extLst>
+                <a:ext uri="{FF2B5EF4-FFF2-40B4-BE49-F238E27FC236}">
+                  <a16:creationId xmlns:a16="http://schemas.microsoft.com/office/drawing/2014/main" id="{B69FF306-72DA-116C-FFB2-1EA8114DFF1B}"/>
+                </a:ext>
+              </a:extLst>
+            </p:cNvPr>
+            <p:cNvSpPr txBox="1"/>
+            <p:nvPr/>
+          </p:nvSpPr>
+          <p:spPr>
+            <a:xfrm>
+              <a:off x="3880846" y="2291458"/>
+              <a:ext cx="487221" cy="261610"/>
+            </a:xfrm>
+            <a:prstGeom prst="rect">
+              <a:avLst/>
+            </a:prstGeom>
+            <a:noFill/>
+            <a:ln w="19050">
+              <a:noFill/>
+            </a:ln>
+          </p:spPr>
+          <p:txBody>
+            <a:bodyPr wrap="square" rtlCol="0">
+              <a:spAutoFit/>
+            </a:bodyPr>
+            <a:lstStyle/>
+            <a:p>
+              <a:pPr algn="ctr"/>
+              <a:r>
+                <a:rPr kumimoji="1" lang="en-US" altLang="ja-JP" sz="1100" dirty="0">
+                  <a:latin typeface="Times New Roman" panose="02020603050405020304" pitchFamily="18" charset="0"/>
+                  <a:ea typeface="MS UI Gothic" panose="020B0600070205080204" pitchFamily="50" charset="-128"/>
+                  <a:cs typeface="Times New Roman" panose="02020603050405020304" pitchFamily="18" charset="0"/>
+                </a:rPr>
+                <a:t>32</a:t>
+              </a:r>
+              <a:endParaRPr kumimoji="1" lang="ja-JP" altLang="en-US" sz="1100" dirty="0">
+                <a:latin typeface="Times New Roman" panose="02020603050405020304" pitchFamily="18" charset="0"/>
+                <a:ea typeface="MS UI Gothic" panose="020B0600070205080204" pitchFamily="50" charset="-128"/>
+                <a:cs typeface="Times New Roman" panose="02020603050405020304" pitchFamily="18" charset="0"/>
+              </a:endParaRPr>
+            </a:p>
+          </p:txBody>
+        </p:sp>
+        <p:cxnSp>
+          <p:nvCxnSpPr>
+            <p:cNvPr id="114" name="直線コネクタ 113">
+              <a:extLst>
+                <a:ext uri="{FF2B5EF4-FFF2-40B4-BE49-F238E27FC236}">
+                  <a16:creationId xmlns:a16="http://schemas.microsoft.com/office/drawing/2014/main" id="{A8FE9904-FE8C-1F41-DF3F-B6376D68FF73}"/>
+                </a:ext>
+              </a:extLst>
+            </p:cNvPr>
+            <p:cNvCxnSpPr/>
+            <p:nvPr/>
+          </p:nvCxnSpPr>
+          <p:spPr>
+            <a:xfrm flipV="1">
+              <a:off x="4207985" y="2379088"/>
+              <a:ext cx="143001" cy="115865"/>
+            </a:xfrm>
+            <a:prstGeom prst="line">
+              <a:avLst/>
+            </a:prstGeom>
+            <a:ln w="19050">
+              <a:solidFill>
+                <a:srgbClr val="C00000"/>
+              </a:solidFill>
+            </a:ln>
+          </p:spPr>
+          <p:style>
+            <a:lnRef idx="1">
+              <a:schemeClr val="accent1"/>
+            </a:lnRef>
+            <a:fillRef idx="0">
+              <a:schemeClr val="accent1"/>
+            </a:fillRef>
+            <a:effectRef idx="0">
+              <a:schemeClr val="accent1"/>
+            </a:effectRef>
+            <a:fontRef idx="minor">
+              <a:schemeClr val="tx1"/>
+            </a:fontRef>
+          </p:style>
+        </p:cxnSp>
+        <p:sp>
+          <p:nvSpPr>
+            <p:cNvPr id="119" name="正方形/長方形 118">
+              <a:extLst>
+                <a:ext uri="{FF2B5EF4-FFF2-40B4-BE49-F238E27FC236}">
+                  <a16:creationId xmlns:a16="http://schemas.microsoft.com/office/drawing/2014/main" id="{98673C15-56EA-BB3C-898C-160607A69188}"/>
+                </a:ext>
+              </a:extLst>
+            </p:cNvPr>
+            <p:cNvSpPr/>
+            <p:nvPr/>
+          </p:nvSpPr>
+          <p:spPr>
+            <a:xfrm rot="16200000">
+              <a:off x="2824369" y="6290501"/>
+              <a:ext cx="726571" cy="286007"/>
+            </a:xfrm>
+            <a:prstGeom prst="rect">
+              <a:avLst/>
+            </a:prstGeom>
+            <a:solidFill>
+              <a:schemeClr val="bg1">
+                <a:lumMod val="85000"/>
+              </a:schemeClr>
+            </a:solidFill>
+            <a:ln w="19050">
+              <a:solidFill>
+                <a:schemeClr val="tx1"/>
+              </a:solidFill>
+            </a:ln>
+          </p:spPr>
+          <p:style>
+            <a:lnRef idx="2">
+              <a:schemeClr val="dk1"/>
+            </a:lnRef>
+            <a:fillRef idx="1">
+              <a:schemeClr val="lt1"/>
+            </a:fillRef>
+            <a:effectRef idx="0">
+              <a:schemeClr val="dk1"/>
+            </a:effectRef>
+            <a:fontRef idx="minor">
+              <a:schemeClr val="dk1"/>
+            </a:fontRef>
+          </p:style>
+          <p:txBody>
+            <a:bodyPr rtlCol="0" anchor="ctr"/>
+            <a:lstStyle/>
+            <a:p>
+              <a:pPr algn="ctr"/>
+              <a:r>
+                <a:rPr lang="en-US" altLang="ja-JP" sz="1200" dirty="0">
+                  <a:solidFill>
+                    <a:schemeClr val="tx1"/>
+                  </a:solidFill>
+                  <a:latin typeface="Times New Roman" panose="02020603050405020304" pitchFamily="18" charset="0"/>
+                  <a:cs typeface="Times New Roman" panose="02020603050405020304" pitchFamily="18" charset="0"/>
+                </a:rPr>
+                <a:t>Coaxial</a:t>
+              </a:r>
+              <a:endParaRPr kumimoji="1" lang="ja-JP" altLang="en-US" sz="1200" dirty="0">
+                <a:solidFill>
+                  <a:schemeClr val="tx1"/>
+                </a:solidFill>
+                <a:latin typeface="Times New Roman" panose="02020603050405020304" pitchFamily="18" charset="0"/>
+                <a:cs typeface="Times New Roman" panose="02020603050405020304" pitchFamily="18" charset="0"/>
+              </a:endParaRPr>
+            </a:p>
+          </p:txBody>
+        </p:sp>
+        <p:sp>
+          <p:nvSpPr>
+            <p:cNvPr id="120" name="正方形/長方形 119">
+              <a:extLst>
+                <a:ext uri="{FF2B5EF4-FFF2-40B4-BE49-F238E27FC236}">
+                  <a16:creationId xmlns:a16="http://schemas.microsoft.com/office/drawing/2014/main" id="{3B5DF474-F775-AC89-5989-6AB9C48B4249}"/>
+                </a:ext>
+              </a:extLst>
+            </p:cNvPr>
+            <p:cNvSpPr/>
+            <p:nvPr/>
+          </p:nvSpPr>
+          <p:spPr>
+            <a:xfrm rot="16200000">
+              <a:off x="2900141" y="6367706"/>
+              <a:ext cx="726571" cy="286007"/>
+            </a:xfrm>
+            <a:prstGeom prst="rect">
+              <a:avLst/>
+            </a:prstGeom>
+            <a:solidFill>
+              <a:schemeClr val="bg1">
+                <a:lumMod val="85000"/>
+              </a:schemeClr>
+            </a:solidFill>
+            <a:ln w="19050">
+              <a:solidFill>
+                <a:schemeClr val="tx1"/>
+              </a:solidFill>
+            </a:ln>
+          </p:spPr>
+          <p:style>
+            <a:lnRef idx="2">
+              <a:schemeClr val="dk1"/>
+            </a:lnRef>
+            <a:fillRef idx="1">
+              <a:schemeClr val="lt1"/>
+            </a:fillRef>
+            <a:effectRef idx="0">
+              <a:schemeClr val="dk1"/>
+            </a:effectRef>
+            <a:fontRef idx="minor">
+              <a:schemeClr val="dk1"/>
+            </a:fontRef>
+          </p:style>
+          <p:txBody>
+            <a:bodyPr rtlCol="0" anchor="ctr"/>
+            <a:lstStyle/>
+            <a:p>
+              <a:pPr algn="ctr"/>
+              <a:r>
+                <a:rPr lang="en-US" altLang="ja-JP" sz="1200" dirty="0">
+                  <a:solidFill>
+                    <a:schemeClr val="tx1"/>
+                  </a:solidFill>
+                  <a:latin typeface="Times New Roman" panose="02020603050405020304" pitchFamily="18" charset="0"/>
+                  <a:cs typeface="Times New Roman" panose="02020603050405020304" pitchFamily="18" charset="0"/>
+                </a:rPr>
+                <a:t>Coaxial</a:t>
+              </a:r>
+              <a:endParaRPr kumimoji="1" lang="ja-JP" altLang="en-US" sz="1200" dirty="0">
+                <a:solidFill>
+                  <a:schemeClr val="tx1"/>
+                </a:solidFill>
+                <a:latin typeface="Times New Roman" panose="02020603050405020304" pitchFamily="18" charset="0"/>
+                <a:cs typeface="Times New Roman" panose="02020603050405020304" pitchFamily="18" charset="0"/>
+              </a:endParaRPr>
+            </a:p>
+          </p:txBody>
+        </p:sp>
+        <p:cxnSp>
+          <p:nvCxnSpPr>
+            <p:cNvPr id="121" name="直線矢印コネクタ 120">
+              <a:extLst>
+                <a:ext uri="{FF2B5EF4-FFF2-40B4-BE49-F238E27FC236}">
+                  <a16:creationId xmlns:a16="http://schemas.microsoft.com/office/drawing/2014/main" id="{589C9511-D271-5FAD-278C-6F9874E4AF42}"/>
+                </a:ext>
+              </a:extLst>
+            </p:cNvPr>
+            <p:cNvCxnSpPr>
+              <a:cxnSpLocks/>
+            </p:cNvCxnSpPr>
+            <p:nvPr/>
+          </p:nvCxnSpPr>
+          <p:spPr>
+            <a:xfrm>
+              <a:off x="3178512" y="5676982"/>
+              <a:ext cx="117525" cy="126723"/>
+            </a:xfrm>
+            <a:prstGeom prst="straightConnector1">
+              <a:avLst/>
+            </a:prstGeom>
+            <a:ln w="19050">
+              <a:solidFill>
+                <a:schemeClr val="tx1"/>
+              </a:solidFill>
+              <a:headEnd type="none"/>
+              <a:tailEnd type="none"/>
+            </a:ln>
+          </p:spPr>
+          <p:style>
+            <a:lnRef idx="1">
+              <a:schemeClr val="accent1"/>
+            </a:lnRef>
+            <a:fillRef idx="0">
+              <a:schemeClr val="accent1"/>
+            </a:fillRef>
+            <a:effectRef idx="0">
+              <a:schemeClr val="accent1"/>
+            </a:effectRef>
+            <a:fontRef idx="minor">
+              <a:schemeClr val="tx1"/>
+            </a:fontRef>
+          </p:style>
+        </p:cxnSp>
+        <p:cxnSp>
+          <p:nvCxnSpPr>
+            <p:cNvPr id="122" name="直線矢印コネクタ 121">
+              <a:extLst>
+                <a:ext uri="{FF2B5EF4-FFF2-40B4-BE49-F238E27FC236}">
+                  <a16:creationId xmlns:a16="http://schemas.microsoft.com/office/drawing/2014/main" id="{6578EBF0-9593-5532-45B4-281B0E5B91D0}"/>
+                </a:ext>
+              </a:extLst>
+            </p:cNvPr>
+            <p:cNvCxnSpPr>
+              <a:cxnSpLocks/>
+            </p:cNvCxnSpPr>
+            <p:nvPr/>
+          </p:nvCxnSpPr>
+          <p:spPr>
+            <a:xfrm flipV="1">
+              <a:off x="3171065" y="5450319"/>
+              <a:ext cx="0" cy="619899"/>
+            </a:xfrm>
+            <a:prstGeom prst="straightConnector1">
+              <a:avLst/>
+            </a:prstGeom>
+            <a:ln w="19050">
+              <a:solidFill>
+                <a:schemeClr val="tx1"/>
+              </a:solidFill>
+              <a:headEnd type="none"/>
+              <a:tailEnd type="none"/>
+            </a:ln>
+          </p:spPr>
+          <p:style>
+            <a:lnRef idx="1">
+              <a:schemeClr val="accent1"/>
+            </a:lnRef>
+            <a:fillRef idx="0">
+              <a:schemeClr val="accent1"/>
+            </a:fillRef>
+            <a:effectRef idx="0">
+              <a:schemeClr val="accent1"/>
+            </a:effectRef>
+            <a:fontRef idx="minor">
+              <a:schemeClr val="tx1"/>
+            </a:fontRef>
+          </p:style>
+        </p:cxnSp>
+        <p:cxnSp>
+          <p:nvCxnSpPr>
+            <p:cNvPr id="123" name="直線矢印コネクタ 122">
+              <a:extLst>
+                <a:ext uri="{FF2B5EF4-FFF2-40B4-BE49-F238E27FC236}">
+                  <a16:creationId xmlns:a16="http://schemas.microsoft.com/office/drawing/2014/main" id="{91D18487-C700-C8F7-C34D-CA0E9804446D}"/>
+                </a:ext>
+              </a:extLst>
+            </p:cNvPr>
+            <p:cNvCxnSpPr>
+              <a:cxnSpLocks/>
+            </p:cNvCxnSpPr>
+            <p:nvPr/>
+          </p:nvCxnSpPr>
+          <p:spPr>
+            <a:xfrm>
+              <a:off x="3295535" y="5803705"/>
+              <a:ext cx="0" cy="343718"/>
+            </a:xfrm>
+            <a:prstGeom prst="straightConnector1">
+              <a:avLst/>
+            </a:prstGeom>
+            <a:ln w="19050">
+              <a:solidFill>
+                <a:schemeClr val="tx1"/>
+              </a:solidFill>
+              <a:headEnd type="none"/>
+              <a:tailEnd type="none"/>
+            </a:ln>
+          </p:spPr>
+          <p:style>
+            <a:lnRef idx="1">
+              <a:schemeClr val="accent1"/>
+            </a:lnRef>
+            <a:fillRef idx="0">
+              <a:schemeClr val="accent1"/>
+            </a:fillRef>
+            <a:effectRef idx="0">
+              <a:schemeClr val="accent1"/>
+            </a:effectRef>
+            <a:fontRef idx="minor">
+              <a:schemeClr val="tx1"/>
+            </a:fontRef>
+          </p:style>
+        </p:cxnSp>
+        <p:sp>
+          <p:nvSpPr>
+            <p:cNvPr id="124" name="正方形/長方形 123">
+              <a:extLst>
+                <a:ext uri="{FF2B5EF4-FFF2-40B4-BE49-F238E27FC236}">
+                  <a16:creationId xmlns:a16="http://schemas.microsoft.com/office/drawing/2014/main" id="{E0711548-57ED-BF40-0C27-CAC8BBAE216D}"/>
+                </a:ext>
+              </a:extLst>
+            </p:cNvPr>
+            <p:cNvSpPr/>
+            <p:nvPr/>
+          </p:nvSpPr>
+          <p:spPr>
+            <a:xfrm>
+              <a:off x="1695830" y="3006664"/>
+              <a:ext cx="137750" cy="51819"/>
+            </a:xfrm>
+            <a:prstGeom prst="rect">
+              <a:avLst/>
+            </a:prstGeom>
+            <a:ln w="19050">
+              <a:solidFill>
+                <a:schemeClr val="tx1"/>
+              </a:solidFill>
+            </a:ln>
+          </p:spPr>
+          <p:style>
+            <a:lnRef idx="2">
+              <a:schemeClr val="dk1"/>
+            </a:lnRef>
+            <a:fillRef idx="1">
+              <a:schemeClr val="lt1"/>
+            </a:fillRef>
+            <a:effectRef idx="0">
+              <a:schemeClr val="dk1"/>
+            </a:effectRef>
+            <a:fontRef idx="minor">
+              <a:schemeClr val="dk1"/>
+            </a:fontRef>
+          </p:style>
+          <p:txBody>
+            <a:bodyPr rtlCol="0" anchor="ctr"/>
+            <a:lstStyle/>
+            <a:p>
+              <a:pPr algn="ctr"/>
+              <a:endParaRPr kumimoji="1" lang="ja-JP" altLang="en-US">
+                <a:latin typeface="Times New Roman" panose="02020603050405020304" pitchFamily="18" charset="0"/>
+                <a:cs typeface="Times New Roman" panose="02020603050405020304" pitchFamily="18" charset="0"/>
+              </a:endParaRPr>
+            </a:p>
+          </p:txBody>
+        </p:sp>
+        <p:sp>
+          <p:nvSpPr>
+            <p:cNvPr id="125" name="正方形/長方形 124">
+              <a:extLst>
+                <a:ext uri="{FF2B5EF4-FFF2-40B4-BE49-F238E27FC236}">
+                  <a16:creationId xmlns:a16="http://schemas.microsoft.com/office/drawing/2014/main" id="{E6347FDD-91EB-570C-F158-F162BFB96D84}"/>
+                </a:ext>
+              </a:extLst>
+            </p:cNvPr>
+            <p:cNvSpPr/>
+            <p:nvPr/>
+          </p:nvSpPr>
+          <p:spPr>
+            <a:xfrm>
+              <a:off x="1695830" y="3081163"/>
+              <a:ext cx="137750" cy="51819"/>
+            </a:xfrm>
+            <a:prstGeom prst="rect">
+              <a:avLst/>
+            </a:prstGeom>
+            <a:ln w="19050">
+              <a:solidFill>
+                <a:schemeClr val="tx1"/>
+              </a:solidFill>
+            </a:ln>
+          </p:spPr>
+          <p:style>
+            <a:lnRef idx="2">
+              <a:schemeClr val="dk1"/>
+            </a:lnRef>
+            <a:fillRef idx="1">
+              <a:schemeClr val="lt1"/>
+            </a:fillRef>
+            <a:effectRef idx="0">
+              <a:schemeClr val="dk1"/>
+            </a:effectRef>
+            <a:fontRef idx="minor">
+              <a:schemeClr val="dk1"/>
+            </a:fontRef>
+          </p:style>
+          <p:txBody>
+            <a:bodyPr rtlCol="0" anchor="ctr"/>
+            <a:lstStyle/>
+            <a:p>
+              <a:pPr algn="ctr"/>
+              <a:endParaRPr kumimoji="1" lang="ja-JP" altLang="en-US">
+                <a:latin typeface="Times New Roman" panose="02020603050405020304" pitchFamily="18" charset="0"/>
+                <a:cs typeface="Times New Roman" panose="02020603050405020304" pitchFamily="18" charset="0"/>
+              </a:endParaRPr>
+            </a:p>
+          </p:txBody>
+        </p:sp>
+        <p:sp>
+          <p:nvSpPr>
+            <p:cNvPr id="126" name="正方形/長方形 125">
+              <a:extLst>
+                <a:ext uri="{FF2B5EF4-FFF2-40B4-BE49-F238E27FC236}">
+                  <a16:creationId xmlns:a16="http://schemas.microsoft.com/office/drawing/2014/main" id="{775E33B3-5F19-7D1F-ECE4-23E9E451541E}"/>
+                </a:ext>
+              </a:extLst>
+            </p:cNvPr>
+            <p:cNvSpPr/>
+            <p:nvPr/>
+          </p:nvSpPr>
+          <p:spPr>
+            <a:xfrm>
+              <a:off x="1695830" y="3155419"/>
+              <a:ext cx="137750" cy="51819"/>
+            </a:xfrm>
+            <a:prstGeom prst="rect">
+              <a:avLst/>
+            </a:prstGeom>
+            <a:ln w="19050">
+              <a:solidFill>
+                <a:schemeClr val="tx1"/>
+              </a:solidFill>
+            </a:ln>
+          </p:spPr>
+          <p:style>
+            <a:lnRef idx="2">
+              <a:schemeClr val="dk1"/>
+            </a:lnRef>
+            <a:fillRef idx="1">
+              <a:schemeClr val="lt1"/>
+            </a:fillRef>
+            <a:effectRef idx="0">
+              <a:schemeClr val="dk1"/>
+            </a:effectRef>
+            <a:fontRef idx="minor">
+              <a:schemeClr val="dk1"/>
+            </a:fontRef>
+          </p:style>
+          <p:txBody>
+            <a:bodyPr rtlCol="0" anchor="ctr"/>
+            <a:lstStyle/>
+            <a:p>
+              <a:pPr algn="ctr"/>
+              <a:endParaRPr kumimoji="1" lang="ja-JP" altLang="en-US">
+                <a:latin typeface="Times New Roman" panose="02020603050405020304" pitchFamily="18" charset="0"/>
+                <a:cs typeface="Times New Roman" panose="02020603050405020304" pitchFamily="18" charset="0"/>
+              </a:endParaRPr>
+            </a:p>
+          </p:txBody>
+        </p:sp>
+        <p:sp>
+          <p:nvSpPr>
+            <p:cNvPr id="127" name="正方形/長方形 126">
+              <a:extLst>
+                <a:ext uri="{FF2B5EF4-FFF2-40B4-BE49-F238E27FC236}">
+                  <a16:creationId xmlns:a16="http://schemas.microsoft.com/office/drawing/2014/main" id="{34A34B58-1706-FE44-BD66-4F98A907282D}"/>
+                </a:ext>
+              </a:extLst>
+            </p:cNvPr>
+            <p:cNvSpPr/>
+            <p:nvPr/>
+          </p:nvSpPr>
+          <p:spPr>
+            <a:xfrm>
+              <a:off x="1695830" y="3229918"/>
+              <a:ext cx="137750" cy="51819"/>
+            </a:xfrm>
+            <a:prstGeom prst="rect">
+              <a:avLst/>
+            </a:prstGeom>
+            <a:ln w="19050">
+              <a:solidFill>
+                <a:schemeClr val="tx1"/>
+              </a:solidFill>
+            </a:ln>
+          </p:spPr>
+          <p:style>
+            <a:lnRef idx="2">
+              <a:schemeClr val="dk1"/>
+            </a:lnRef>
+            <a:fillRef idx="1">
+              <a:schemeClr val="lt1"/>
+            </a:fillRef>
+            <a:effectRef idx="0">
+              <a:schemeClr val="dk1"/>
+            </a:effectRef>
+            <a:fontRef idx="minor">
+              <a:schemeClr val="dk1"/>
+            </a:fontRef>
+          </p:style>
+          <p:txBody>
+            <a:bodyPr rtlCol="0" anchor="ctr"/>
+            <a:lstStyle/>
+            <a:p>
+              <a:pPr algn="ctr"/>
+              <a:endParaRPr kumimoji="1" lang="ja-JP" altLang="en-US">
+                <a:latin typeface="Times New Roman" panose="02020603050405020304" pitchFamily="18" charset="0"/>
+                <a:cs typeface="Times New Roman" panose="02020603050405020304" pitchFamily="18" charset="0"/>
+              </a:endParaRPr>
+            </a:p>
+          </p:txBody>
+        </p:sp>
+        <p:sp>
+          <p:nvSpPr>
+            <p:cNvPr id="9" name="正方形/長方形 8">
+              <a:extLst>
+                <a:ext uri="{FF2B5EF4-FFF2-40B4-BE49-F238E27FC236}">
+                  <a16:creationId xmlns:a16="http://schemas.microsoft.com/office/drawing/2014/main" id="{71D70599-AFDD-2B92-6715-543C631EF47E}"/>
+                </a:ext>
+              </a:extLst>
+            </p:cNvPr>
+            <p:cNvSpPr/>
+            <p:nvPr/>
+          </p:nvSpPr>
+          <p:spPr>
+            <a:xfrm rot="16200000">
+              <a:off x="144646" y="3520708"/>
+              <a:ext cx="1536011" cy="379390"/>
+            </a:xfrm>
+            <a:prstGeom prst="rect">
+              <a:avLst/>
+            </a:prstGeom>
+            <a:solidFill>
+              <a:schemeClr val="bg1">
+                <a:lumMod val="85000"/>
+              </a:schemeClr>
+            </a:solidFill>
+            <a:ln w="19050">
+              <a:solidFill>
+                <a:schemeClr val="tx1"/>
+              </a:solidFill>
+            </a:ln>
+          </p:spPr>
+          <p:style>
+            <a:lnRef idx="2">
+              <a:schemeClr val="dk1"/>
+            </a:lnRef>
+            <a:fillRef idx="1">
+              <a:schemeClr val="lt1"/>
+            </a:fillRef>
+            <a:effectRef idx="0">
+              <a:schemeClr val="dk1"/>
+            </a:effectRef>
+            <a:fontRef idx="minor">
+              <a:schemeClr val="dk1"/>
+            </a:fontRef>
+          </p:style>
+          <p:txBody>
+            <a:bodyPr rtlCol="0" anchor="ctr"/>
+            <a:lstStyle/>
+            <a:p>
+              <a:pPr algn="ctr"/>
+              <a:endParaRPr kumimoji="1" lang="ja-JP" altLang="en-US" sz="1200" dirty="0">
+                <a:latin typeface="Times New Roman" panose="02020603050405020304" pitchFamily="18" charset="0"/>
+                <a:ea typeface="MS UI Gothic" panose="020B0600070205080204" pitchFamily="50" charset="-128"/>
+                <a:cs typeface="Times New Roman" panose="02020603050405020304" pitchFamily="18" charset="0"/>
+              </a:endParaRPr>
+            </a:p>
+          </p:txBody>
+        </p:sp>
+        <p:cxnSp>
+          <p:nvCxnSpPr>
+            <p:cNvPr id="17" name="直線コネクタ 16">
+              <a:extLst>
+                <a:ext uri="{FF2B5EF4-FFF2-40B4-BE49-F238E27FC236}">
+                  <a16:creationId xmlns:a16="http://schemas.microsoft.com/office/drawing/2014/main" id="{35CBA64D-8615-CC58-9A87-8E7F86A5370A}"/>
+                </a:ext>
+              </a:extLst>
+            </p:cNvPr>
+            <p:cNvCxnSpPr>
+              <a:cxnSpLocks/>
+            </p:cNvCxnSpPr>
+            <p:nvPr/>
+          </p:nvCxnSpPr>
+          <p:spPr>
+            <a:xfrm>
+              <a:off x="1119418" y="4179043"/>
+              <a:ext cx="1399620" cy="0"/>
+            </a:xfrm>
+            <a:prstGeom prst="line">
+              <a:avLst/>
+            </a:prstGeom>
+            <a:ln w="19050">
+              <a:solidFill>
+                <a:srgbClr val="0070C0"/>
+              </a:solidFill>
+              <a:headEnd type="arrow"/>
+              <a:tailEnd type="none"/>
+            </a:ln>
+          </p:spPr>
+          <p:style>
+            <a:lnRef idx="1">
+              <a:schemeClr val="accent1"/>
+            </a:lnRef>
+            <a:fillRef idx="0">
+              <a:schemeClr val="accent1"/>
+            </a:fillRef>
+            <a:effectRef idx="0">
+              <a:schemeClr val="accent1"/>
+            </a:effectRef>
+            <a:fontRef idx="minor">
+              <a:schemeClr val="tx1"/>
+            </a:fontRef>
+          </p:style>
+        </p:cxnSp>
+        <p:cxnSp>
+          <p:nvCxnSpPr>
+            <p:cNvPr id="36" name="直線コネクタ 35">
+              <a:extLst>
+                <a:ext uri="{FF2B5EF4-FFF2-40B4-BE49-F238E27FC236}">
+                  <a16:creationId xmlns:a16="http://schemas.microsoft.com/office/drawing/2014/main" id="{09AB8A5C-5D41-85CD-9446-28FEB770C6D8}"/>
+                </a:ext>
+              </a:extLst>
+            </p:cNvPr>
+            <p:cNvCxnSpPr>
+              <a:cxnSpLocks/>
+            </p:cNvCxnSpPr>
+            <p:nvPr/>
+          </p:nvCxnSpPr>
+          <p:spPr>
+            <a:xfrm flipV="1">
+              <a:off x="2037204" y="4116786"/>
+              <a:ext cx="143001" cy="115865"/>
+            </a:xfrm>
+            <a:prstGeom prst="line">
+              <a:avLst/>
+            </a:prstGeom>
+            <a:ln w="19050">
+              <a:solidFill>
+                <a:srgbClr val="0070C0"/>
+              </a:solidFill>
+            </a:ln>
+          </p:spPr>
+          <p:style>
+            <a:lnRef idx="1">
+              <a:schemeClr val="accent1"/>
+            </a:lnRef>
+            <a:fillRef idx="0">
+              <a:schemeClr val="accent1"/>
+            </a:fillRef>
+            <a:effectRef idx="0">
+              <a:schemeClr val="accent1"/>
+            </a:effectRef>
+            <a:fontRef idx="minor">
+              <a:schemeClr val="tx1"/>
+            </a:fontRef>
+          </p:style>
+        </p:cxnSp>
+        <p:sp>
+          <p:nvSpPr>
+            <p:cNvPr id="37" name="テキスト ボックス 36">
+              <a:extLst>
+                <a:ext uri="{FF2B5EF4-FFF2-40B4-BE49-F238E27FC236}">
+                  <a16:creationId xmlns:a16="http://schemas.microsoft.com/office/drawing/2014/main" id="{A7BC9FD2-5617-0F06-3C68-47269F7E50F8}"/>
+                </a:ext>
+              </a:extLst>
+            </p:cNvPr>
+            <p:cNvSpPr txBox="1"/>
+            <p:nvPr/>
+          </p:nvSpPr>
+          <p:spPr>
+            <a:xfrm>
+              <a:off x="1754701" y="3935243"/>
+              <a:ext cx="487221" cy="261610"/>
+            </a:xfrm>
+            <a:prstGeom prst="rect">
+              <a:avLst/>
+            </a:prstGeom>
+            <a:noFill/>
+            <a:ln w="19050">
+              <a:noFill/>
+            </a:ln>
+          </p:spPr>
+          <p:txBody>
+            <a:bodyPr wrap="square" rtlCol="0">
+              <a:spAutoFit/>
+            </a:bodyPr>
+            <a:lstStyle/>
+            <a:p>
+              <a:pPr algn="ctr"/>
+              <a:r>
+                <a:rPr kumimoji="1" lang="en-US" altLang="ja-JP" sz="1100" dirty="0">
+                  <a:latin typeface="Times New Roman" panose="02020603050405020304" pitchFamily="18" charset="0"/>
+                  <a:ea typeface="MS UI Gothic" panose="020B0600070205080204" pitchFamily="50" charset="-128"/>
+                  <a:cs typeface="Times New Roman" panose="02020603050405020304" pitchFamily="18" charset="0"/>
+                </a:rPr>
+                <a:t>32</a:t>
+              </a:r>
+              <a:endParaRPr kumimoji="1" lang="ja-JP" altLang="en-US" sz="1100" dirty="0">
+                <a:latin typeface="Times New Roman" panose="02020603050405020304" pitchFamily="18" charset="0"/>
+                <a:ea typeface="MS UI Gothic" panose="020B0600070205080204" pitchFamily="50" charset="-128"/>
+                <a:cs typeface="Times New Roman" panose="02020603050405020304" pitchFamily="18" charset="0"/>
+              </a:endParaRPr>
+            </a:p>
+          </p:txBody>
+        </p:sp>
+        <p:sp>
+          <p:nvSpPr>
+            <p:cNvPr id="72" name="テキスト ボックス 71">
+              <a:extLst>
+                <a:ext uri="{FF2B5EF4-FFF2-40B4-BE49-F238E27FC236}">
+                  <a16:creationId xmlns:a16="http://schemas.microsoft.com/office/drawing/2014/main" id="{A67E24E6-CDE6-0129-660D-C373A500840B}"/>
+                </a:ext>
+              </a:extLst>
+            </p:cNvPr>
+            <p:cNvSpPr txBox="1"/>
+            <p:nvPr/>
+          </p:nvSpPr>
+          <p:spPr>
+            <a:xfrm>
+              <a:off x="1351843" y="4287743"/>
+              <a:ext cx="968920" cy="461665"/>
+            </a:xfrm>
+            <a:prstGeom prst="rect">
+              <a:avLst/>
+            </a:prstGeom>
+            <a:noFill/>
+            <a:ln w="19050">
+              <a:noFill/>
+            </a:ln>
+          </p:spPr>
+          <p:txBody>
+            <a:bodyPr wrap="square" rtlCol="0">
+              <a:spAutoFit/>
+            </a:bodyPr>
+            <a:lstStyle/>
+            <a:p>
+              <a:pPr algn="ctr"/>
+              <a:r>
+                <a:rPr kumimoji="1" lang="en-US" altLang="ja-JP" sz="1200" dirty="0">
+                  <a:solidFill>
+                    <a:srgbClr val="0070C0"/>
+                  </a:solidFill>
+                  <a:latin typeface="Times New Roman" panose="02020603050405020304" pitchFamily="18" charset="0"/>
+                  <a:ea typeface="MS UI Gothic" panose="020B0600070205080204" pitchFamily="50" charset="-128"/>
+                  <a:cs typeface="Times New Roman" panose="02020603050405020304" pitchFamily="18" charset="0"/>
+                </a:rPr>
+                <a:t>Comparator</a:t>
+              </a:r>
+            </a:p>
+            <a:p>
+              <a:pPr algn="ctr"/>
+              <a:r>
+                <a:rPr lang="en-US" altLang="ja-JP" sz="1200" dirty="0">
+                  <a:solidFill>
+                    <a:srgbClr val="0070C0"/>
+                  </a:solidFill>
+                  <a:latin typeface="Times New Roman" panose="02020603050405020304" pitchFamily="18" charset="0"/>
+                  <a:ea typeface="MS UI Gothic" panose="020B0600070205080204" pitchFamily="50" charset="-128"/>
+                  <a:cs typeface="Times New Roman" panose="02020603050405020304" pitchFamily="18" charset="0"/>
+                </a:rPr>
+                <a:t>output</a:t>
+              </a:r>
+              <a:endParaRPr kumimoji="1" lang="ja-JP" altLang="en-US" sz="1200" dirty="0">
+                <a:solidFill>
+                  <a:srgbClr val="0070C0"/>
+                </a:solidFill>
+                <a:latin typeface="Times New Roman" panose="02020603050405020304" pitchFamily="18" charset="0"/>
+                <a:ea typeface="MS UI Gothic" panose="020B0600070205080204" pitchFamily="50" charset="-128"/>
+                <a:cs typeface="Times New Roman" panose="02020603050405020304" pitchFamily="18" charset="0"/>
+              </a:endParaRPr>
+            </a:p>
+          </p:txBody>
+        </p:sp>
+        <p:sp>
+          <p:nvSpPr>
+            <p:cNvPr id="77" name="正方形/長方形 76">
+              <a:extLst>
+                <a:ext uri="{FF2B5EF4-FFF2-40B4-BE49-F238E27FC236}">
+                  <a16:creationId xmlns:a16="http://schemas.microsoft.com/office/drawing/2014/main" id="{703DAEA5-966D-EB8B-1714-BA88BB17A3B4}"/>
+                </a:ext>
+              </a:extLst>
+            </p:cNvPr>
+            <p:cNvSpPr/>
+            <p:nvPr/>
+          </p:nvSpPr>
+          <p:spPr>
+            <a:xfrm rot="16200000">
+              <a:off x="1071828" y="-143004"/>
+              <a:ext cx="726571" cy="286007"/>
+            </a:xfrm>
+            <a:prstGeom prst="rect">
+              <a:avLst/>
+            </a:prstGeom>
+            <a:solidFill>
+              <a:schemeClr val="bg1">
+                <a:lumMod val="85000"/>
+              </a:schemeClr>
+            </a:solidFill>
+            <a:ln w="19050">
+              <a:solidFill>
+                <a:schemeClr val="tx1"/>
+              </a:solidFill>
+            </a:ln>
+          </p:spPr>
+          <p:style>
+            <a:lnRef idx="2">
+              <a:schemeClr val="dk1"/>
+            </a:lnRef>
+            <a:fillRef idx="1">
+              <a:schemeClr val="lt1"/>
+            </a:fillRef>
+            <a:effectRef idx="0">
+              <a:schemeClr val="dk1"/>
+            </a:effectRef>
+            <a:fontRef idx="minor">
+              <a:schemeClr val="dk1"/>
+            </a:fontRef>
+          </p:style>
+          <p:txBody>
+            <a:bodyPr rtlCol="0" anchor="ctr"/>
+            <a:lstStyle/>
+            <a:p>
+              <a:pPr algn="ctr"/>
+              <a:r>
+                <a:rPr lang="en-US" altLang="ja-JP" sz="1200" dirty="0">
+                  <a:solidFill>
+                    <a:schemeClr val="tx1"/>
+                  </a:solidFill>
+                  <a:latin typeface="Times New Roman" panose="02020603050405020304" pitchFamily="18" charset="0"/>
+                  <a:cs typeface="Times New Roman" panose="02020603050405020304" pitchFamily="18" charset="0"/>
+                </a:rPr>
+                <a:t>Coaxial</a:t>
+              </a:r>
+              <a:endParaRPr kumimoji="1" lang="ja-JP" altLang="en-US" sz="1200" dirty="0">
+                <a:solidFill>
+                  <a:schemeClr val="tx1"/>
+                </a:solidFill>
+                <a:latin typeface="Times New Roman" panose="02020603050405020304" pitchFamily="18" charset="0"/>
+                <a:cs typeface="Times New Roman" panose="02020603050405020304" pitchFamily="18" charset="0"/>
+              </a:endParaRPr>
+            </a:p>
+          </p:txBody>
+        </p:sp>
+        <p:sp>
+          <p:nvSpPr>
+            <p:cNvPr id="78" name="正方形/長方形 77">
+              <a:extLst>
+                <a:ext uri="{FF2B5EF4-FFF2-40B4-BE49-F238E27FC236}">
+                  <a16:creationId xmlns:a16="http://schemas.microsoft.com/office/drawing/2014/main" id="{2649A47E-38B9-507F-84A5-5904FE0D601C}"/>
+                </a:ext>
+              </a:extLst>
+            </p:cNvPr>
+            <p:cNvSpPr/>
+            <p:nvPr/>
+          </p:nvSpPr>
+          <p:spPr>
+            <a:xfrm rot="16200000">
+              <a:off x="1455942" y="-143004"/>
+              <a:ext cx="726571" cy="286007"/>
+            </a:xfrm>
+            <a:prstGeom prst="rect">
+              <a:avLst/>
+            </a:prstGeom>
+            <a:solidFill>
+              <a:schemeClr val="bg1">
+                <a:lumMod val="85000"/>
+              </a:schemeClr>
+            </a:solidFill>
+            <a:ln w="19050">
+              <a:solidFill>
+                <a:schemeClr val="tx1"/>
+              </a:solidFill>
+            </a:ln>
+          </p:spPr>
+          <p:style>
+            <a:lnRef idx="2">
+              <a:schemeClr val="dk1"/>
+            </a:lnRef>
+            <a:fillRef idx="1">
+              <a:schemeClr val="lt1"/>
+            </a:fillRef>
+            <a:effectRef idx="0">
+              <a:schemeClr val="dk1"/>
+            </a:effectRef>
+            <a:fontRef idx="minor">
+              <a:schemeClr val="dk1"/>
+            </a:fontRef>
+          </p:style>
+          <p:txBody>
+            <a:bodyPr rtlCol="0" anchor="ctr"/>
+            <a:lstStyle/>
+            <a:p>
+              <a:pPr algn="ctr"/>
+              <a:r>
+                <a:rPr lang="en-US" altLang="ja-JP" sz="1200" dirty="0">
+                  <a:solidFill>
+                    <a:schemeClr val="tx1"/>
+                  </a:solidFill>
+                  <a:latin typeface="Times New Roman" panose="02020603050405020304" pitchFamily="18" charset="0"/>
+                  <a:cs typeface="Times New Roman" panose="02020603050405020304" pitchFamily="18" charset="0"/>
+                </a:rPr>
+                <a:t>Coaxial</a:t>
+              </a:r>
+              <a:endParaRPr kumimoji="1" lang="ja-JP" altLang="en-US" sz="1200" dirty="0">
+                <a:solidFill>
+                  <a:schemeClr val="tx1"/>
+                </a:solidFill>
+                <a:latin typeface="Times New Roman" panose="02020603050405020304" pitchFamily="18" charset="0"/>
+                <a:cs typeface="Times New Roman" panose="02020603050405020304" pitchFamily="18" charset="0"/>
+              </a:endParaRPr>
+            </a:p>
+          </p:txBody>
+        </p:sp>
+        <p:cxnSp>
+          <p:nvCxnSpPr>
+            <p:cNvPr id="79" name="直線コネクタ 78">
+              <a:extLst>
+                <a:ext uri="{FF2B5EF4-FFF2-40B4-BE49-F238E27FC236}">
+                  <a16:creationId xmlns:a16="http://schemas.microsoft.com/office/drawing/2014/main" id="{1A820999-005B-223E-A11D-4B8A7DD6F817}"/>
+                </a:ext>
+              </a:extLst>
+            </p:cNvPr>
+            <p:cNvCxnSpPr>
+              <a:cxnSpLocks/>
+            </p:cNvCxnSpPr>
+            <p:nvPr/>
+          </p:nvCxnSpPr>
+          <p:spPr>
+            <a:xfrm flipV="1">
+              <a:off x="2047219" y="715096"/>
+              <a:ext cx="0" cy="336076"/>
+            </a:xfrm>
+            <a:prstGeom prst="line">
+              <a:avLst/>
+            </a:prstGeom>
+            <a:ln w="19050">
+              <a:solidFill>
+                <a:schemeClr val="tx1"/>
+              </a:solidFill>
+              <a:headEnd type="arrow"/>
+              <a:tailEnd type="none"/>
+            </a:ln>
+          </p:spPr>
+          <p:style>
+            <a:lnRef idx="1">
+              <a:schemeClr val="accent1"/>
+            </a:lnRef>
+            <a:fillRef idx="0">
+              <a:schemeClr val="accent1"/>
+            </a:fillRef>
+            <a:effectRef idx="0">
+              <a:schemeClr val="accent1"/>
+            </a:effectRef>
+            <a:fontRef idx="minor">
+              <a:schemeClr val="tx1"/>
+            </a:fontRef>
+          </p:style>
+        </p:cxnSp>
+        <p:cxnSp>
+          <p:nvCxnSpPr>
+            <p:cNvPr id="81" name="直線コネクタ 80">
+              <a:extLst>
+                <a:ext uri="{FF2B5EF4-FFF2-40B4-BE49-F238E27FC236}">
+                  <a16:creationId xmlns:a16="http://schemas.microsoft.com/office/drawing/2014/main" id="{0D934EE2-C7E7-7C17-92FD-77C340D7C9E5}"/>
+                </a:ext>
+              </a:extLst>
+            </p:cNvPr>
+            <p:cNvCxnSpPr>
+              <a:cxnSpLocks/>
+            </p:cNvCxnSpPr>
+            <p:nvPr/>
+          </p:nvCxnSpPr>
+          <p:spPr>
+            <a:xfrm flipV="1">
+              <a:off x="3216442" y="715096"/>
+              <a:ext cx="0" cy="336076"/>
+            </a:xfrm>
+            <a:prstGeom prst="line">
+              <a:avLst/>
+            </a:prstGeom>
+            <a:ln w="19050">
+              <a:solidFill>
+                <a:schemeClr val="tx1"/>
+              </a:solidFill>
+              <a:headEnd type="arrow"/>
+              <a:tailEnd type="none"/>
+            </a:ln>
+          </p:spPr>
+          <p:style>
+            <a:lnRef idx="1">
+              <a:schemeClr val="accent1"/>
+            </a:lnRef>
+            <a:fillRef idx="0">
+              <a:schemeClr val="accent1"/>
+            </a:fillRef>
+            <a:effectRef idx="0">
+              <a:schemeClr val="accent1"/>
+            </a:effectRef>
+            <a:fontRef idx="minor">
+              <a:schemeClr val="tx1"/>
+            </a:fontRef>
+          </p:style>
+        </p:cxnSp>
+        <p:cxnSp>
+          <p:nvCxnSpPr>
+            <p:cNvPr id="86" name="直線コネクタ 85">
+              <a:extLst>
+                <a:ext uri="{FF2B5EF4-FFF2-40B4-BE49-F238E27FC236}">
+                  <a16:creationId xmlns:a16="http://schemas.microsoft.com/office/drawing/2014/main" id="{61029CA2-23C0-D629-7764-1D3C919BDA5B}"/>
+                </a:ext>
+              </a:extLst>
+            </p:cNvPr>
+            <p:cNvCxnSpPr>
+              <a:cxnSpLocks/>
+            </p:cNvCxnSpPr>
+            <p:nvPr/>
+          </p:nvCxnSpPr>
+          <p:spPr>
+            <a:xfrm flipV="1">
+              <a:off x="4498383" y="712405"/>
+              <a:ext cx="0" cy="336076"/>
+            </a:xfrm>
+            <a:prstGeom prst="line">
+              <a:avLst/>
+            </a:prstGeom>
+            <a:ln w="19050">
+              <a:solidFill>
+                <a:schemeClr val="tx1"/>
+              </a:solidFill>
+              <a:headEnd type="arrow"/>
+              <a:tailEnd type="none"/>
+            </a:ln>
+          </p:spPr>
+          <p:style>
+            <a:lnRef idx="1">
+              <a:schemeClr val="accent1"/>
+            </a:lnRef>
+            <a:fillRef idx="0">
+              <a:schemeClr val="accent1"/>
+            </a:fillRef>
+            <a:effectRef idx="0">
+              <a:schemeClr val="accent1"/>
+            </a:effectRef>
+            <a:fontRef idx="minor">
+              <a:schemeClr val="tx1"/>
+            </a:fontRef>
+          </p:style>
+        </p:cxnSp>
+        <p:cxnSp>
+          <p:nvCxnSpPr>
+            <p:cNvPr id="87" name="直線コネクタ 86">
+              <a:extLst>
+                <a:ext uri="{FF2B5EF4-FFF2-40B4-BE49-F238E27FC236}">
+                  <a16:creationId xmlns:a16="http://schemas.microsoft.com/office/drawing/2014/main" id="{02EBDAA1-5296-1A78-F967-FB390805888D}"/>
+                </a:ext>
+              </a:extLst>
+            </p:cNvPr>
+            <p:cNvCxnSpPr>
+              <a:cxnSpLocks/>
+            </p:cNvCxnSpPr>
+            <p:nvPr/>
+          </p:nvCxnSpPr>
+          <p:spPr>
+            <a:xfrm flipV="1">
+              <a:off x="5667606" y="712405"/>
+              <a:ext cx="0" cy="336076"/>
+            </a:xfrm>
+            <a:prstGeom prst="line">
+              <a:avLst/>
+            </a:prstGeom>
+            <a:ln w="19050">
+              <a:solidFill>
+                <a:schemeClr val="tx1"/>
+              </a:solidFill>
+              <a:headEnd type="arrow"/>
+              <a:tailEnd type="none"/>
+            </a:ln>
+          </p:spPr>
+          <p:style>
+            <a:lnRef idx="1">
+              <a:schemeClr val="accent1"/>
+            </a:lnRef>
+            <a:fillRef idx="0">
+              <a:schemeClr val="accent1"/>
+            </a:fillRef>
+            <a:effectRef idx="0">
+              <a:schemeClr val="accent1"/>
+            </a:effectRef>
+            <a:fontRef idx="minor">
+              <a:schemeClr val="tx1"/>
+            </a:fontRef>
+          </p:style>
+        </p:cxnSp>
+        <p:cxnSp>
+          <p:nvCxnSpPr>
+            <p:cNvPr id="88" name="直線コネクタ 87">
+              <a:extLst>
+                <a:ext uri="{FF2B5EF4-FFF2-40B4-BE49-F238E27FC236}">
+                  <a16:creationId xmlns:a16="http://schemas.microsoft.com/office/drawing/2014/main" id="{DF920A34-4911-437D-8B6D-E448FCF1E586}"/>
+                </a:ext>
+              </a:extLst>
+            </p:cNvPr>
+            <p:cNvCxnSpPr>
+              <a:cxnSpLocks/>
+            </p:cNvCxnSpPr>
+            <p:nvPr/>
+          </p:nvCxnSpPr>
+          <p:spPr>
+            <a:xfrm flipH="1">
+              <a:off x="1833580" y="712405"/>
+              <a:ext cx="3834026" cy="0"/>
+            </a:xfrm>
+            <a:prstGeom prst="line">
+              <a:avLst/>
+            </a:prstGeom>
+            <a:ln w="19050">
+              <a:solidFill>
+                <a:schemeClr val="tx1"/>
+              </a:solidFill>
+            </a:ln>
+          </p:spPr>
+          <p:style>
+            <a:lnRef idx="1">
+              <a:schemeClr val="accent1"/>
+            </a:lnRef>
+            <a:fillRef idx="0">
+              <a:schemeClr val="accent1"/>
+            </a:fillRef>
+            <a:effectRef idx="0">
+              <a:schemeClr val="accent1"/>
+            </a:effectRef>
+            <a:fontRef idx="minor">
+              <a:schemeClr val="tx1"/>
+            </a:fontRef>
+          </p:style>
+        </p:cxnSp>
+        <p:cxnSp>
+          <p:nvCxnSpPr>
+            <p:cNvPr id="93" name="直線コネクタ 92">
+              <a:extLst>
+                <a:ext uri="{FF2B5EF4-FFF2-40B4-BE49-F238E27FC236}">
+                  <a16:creationId xmlns:a16="http://schemas.microsoft.com/office/drawing/2014/main" id="{BA5E3728-1D92-57A2-A501-587017CDA249}"/>
+                </a:ext>
+              </a:extLst>
+            </p:cNvPr>
+            <p:cNvCxnSpPr>
+              <a:cxnSpLocks/>
+            </p:cNvCxnSpPr>
+            <p:nvPr/>
+          </p:nvCxnSpPr>
+          <p:spPr>
+            <a:xfrm>
+              <a:off x="1833580" y="363285"/>
+              <a:ext cx="0" cy="349120"/>
+            </a:xfrm>
+            <a:prstGeom prst="line">
+              <a:avLst/>
+            </a:prstGeom>
+            <a:ln w="19050">
+              <a:solidFill>
+                <a:schemeClr val="tx1"/>
+              </a:solidFill>
+            </a:ln>
+          </p:spPr>
+          <p:style>
+            <a:lnRef idx="1">
+              <a:schemeClr val="accent1"/>
+            </a:lnRef>
+            <a:fillRef idx="0">
+              <a:schemeClr val="accent1"/>
+            </a:fillRef>
+            <a:effectRef idx="0">
+              <a:schemeClr val="accent1"/>
+            </a:effectRef>
+            <a:fontRef idx="minor">
+              <a:schemeClr val="tx1"/>
+            </a:fontRef>
+          </p:style>
+        </p:cxnSp>
+        <p:sp>
+          <p:nvSpPr>
+            <p:cNvPr id="117" name="テキスト ボックス 116">
+              <a:extLst>
+                <a:ext uri="{FF2B5EF4-FFF2-40B4-BE49-F238E27FC236}">
+                  <a16:creationId xmlns:a16="http://schemas.microsoft.com/office/drawing/2014/main" id="{D6765796-4FF6-4C38-7726-53DC5CE7073D}"/>
+                </a:ext>
+              </a:extLst>
+            </p:cNvPr>
+            <p:cNvSpPr txBox="1"/>
+            <p:nvPr/>
+          </p:nvSpPr>
+          <p:spPr>
+            <a:xfrm>
+              <a:off x="1757462" y="410400"/>
+              <a:ext cx="968920" cy="276999"/>
+            </a:xfrm>
+            <a:prstGeom prst="rect">
+              <a:avLst/>
+            </a:prstGeom>
+            <a:noFill/>
+            <a:ln w="19050">
+              <a:noFill/>
+            </a:ln>
+          </p:spPr>
+          <p:txBody>
+            <a:bodyPr wrap="square" rtlCol="0">
+              <a:spAutoFit/>
+            </a:bodyPr>
+            <a:lstStyle/>
+            <a:p>
+              <a:pPr algn="ctr"/>
+              <a:r>
+                <a:rPr kumimoji="1" lang="en-US" altLang="ja-JP" sz="1200" dirty="0">
+                  <a:latin typeface="Times New Roman" panose="02020603050405020304" pitchFamily="18" charset="0"/>
+                  <a:ea typeface="MS UI Gothic" panose="020B0600070205080204" pitchFamily="50" charset="-128"/>
+                  <a:cs typeface="Times New Roman" panose="02020603050405020304" pitchFamily="18" charset="0"/>
+                </a:rPr>
+                <a:t>Test input</a:t>
+              </a:r>
+              <a:endParaRPr kumimoji="1" lang="ja-JP" altLang="en-US" sz="1200" dirty="0">
+                <a:latin typeface="Times New Roman" panose="02020603050405020304" pitchFamily="18" charset="0"/>
+                <a:ea typeface="MS UI Gothic" panose="020B0600070205080204" pitchFamily="50" charset="-128"/>
+                <a:cs typeface="Times New Roman" panose="02020603050405020304" pitchFamily="18" charset="0"/>
+              </a:endParaRPr>
+            </a:p>
+          </p:txBody>
+        </p:sp>
+        <p:sp>
+          <p:nvSpPr>
+            <p:cNvPr id="118" name="正方形/長方形 117">
+              <a:extLst>
+                <a:ext uri="{FF2B5EF4-FFF2-40B4-BE49-F238E27FC236}">
+                  <a16:creationId xmlns:a16="http://schemas.microsoft.com/office/drawing/2014/main" id="{DFD213CB-4613-926F-3F71-D1B0A83A0FA7}"/>
+                </a:ext>
+              </a:extLst>
+            </p:cNvPr>
+            <p:cNvSpPr/>
+            <p:nvPr/>
+          </p:nvSpPr>
+          <p:spPr>
+            <a:xfrm>
+              <a:off x="2999857" y="-333058"/>
+              <a:ext cx="1606384" cy="345491"/>
+            </a:xfrm>
+            <a:prstGeom prst="rect">
+              <a:avLst/>
+            </a:prstGeom>
+            <a:solidFill>
+              <a:schemeClr val="bg1">
+                <a:lumMod val="85000"/>
+              </a:schemeClr>
+            </a:solidFill>
+            <a:ln w="19050">
+              <a:solidFill>
+                <a:schemeClr val="tx1"/>
+              </a:solidFill>
+            </a:ln>
+          </p:spPr>
+          <p:style>
+            <a:lnRef idx="2">
+              <a:schemeClr val="dk1"/>
+            </a:lnRef>
+            <a:fillRef idx="1">
+              <a:schemeClr val="lt1"/>
+            </a:fillRef>
+            <a:effectRef idx="0">
+              <a:schemeClr val="dk1"/>
+            </a:effectRef>
+            <a:fontRef idx="minor">
+              <a:schemeClr val="dk1"/>
+            </a:fontRef>
+          </p:style>
+          <p:txBody>
+            <a:bodyPr rtlCol="0" anchor="ctr"/>
+            <a:lstStyle/>
+            <a:p>
+              <a:pPr algn="ctr"/>
+              <a:r>
+                <a:rPr lang="en-US" altLang="ja-JP" sz="1200" dirty="0">
+                  <a:latin typeface="Times New Roman" panose="02020603050405020304" pitchFamily="18" charset="0"/>
+                  <a:ea typeface="MS UI Gothic" panose="020B0600070205080204" pitchFamily="50" charset="-128"/>
+                  <a:cs typeface="Times New Roman" panose="02020603050405020304" pitchFamily="18" charset="0"/>
+                </a:rPr>
+                <a:t>MPPC input</a:t>
+              </a:r>
+            </a:p>
+          </p:txBody>
+        </p:sp>
+        <p:cxnSp>
+          <p:nvCxnSpPr>
+            <p:cNvPr id="128" name="直線コネクタ 127">
+              <a:extLst>
+                <a:ext uri="{FF2B5EF4-FFF2-40B4-BE49-F238E27FC236}">
+                  <a16:creationId xmlns:a16="http://schemas.microsoft.com/office/drawing/2014/main" id="{6524622E-BF5B-B0C6-2F5E-52FDE03C7291}"/>
+                </a:ext>
+              </a:extLst>
+            </p:cNvPr>
+            <p:cNvCxnSpPr>
+              <a:cxnSpLocks/>
+            </p:cNvCxnSpPr>
+            <p:nvPr/>
+          </p:nvCxnSpPr>
+          <p:spPr>
+            <a:xfrm flipV="1">
+              <a:off x="2690622" y="363285"/>
+              <a:ext cx="0" cy="685196"/>
+            </a:xfrm>
+            <a:prstGeom prst="line">
+              <a:avLst/>
+            </a:prstGeom>
+            <a:ln w="19050">
+              <a:solidFill>
+                <a:srgbClr val="C00000"/>
+              </a:solidFill>
+              <a:headEnd type="arrow"/>
+              <a:tailEnd type="none"/>
+            </a:ln>
+          </p:spPr>
+          <p:style>
+            <a:lnRef idx="1">
+              <a:schemeClr val="accent1"/>
+            </a:lnRef>
+            <a:fillRef idx="0">
+              <a:schemeClr val="accent1"/>
+            </a:fillRef>
+            <a:effectRef idx="0">
+              <a:schemeClr val="accent1"/>
+            </a:effectRef>
+            <a:fontRef idx="minor">
+              <a:schemeClr val="tx1"/>
+            </a:fontRef>
+          </p:style>
+        </p:cxnSp>
+        <p:cxnSp>
+          <p:nvCxnSpPr>
+            <p:cNvPr id="130" name="直線コネクタ 129">
+              <a:extLst>
+                <a:ext uri="{FF2B5EF4-FFF2-40B4-BE49-F238E27FC236}">
+                  <a16:creationId xmlns:a16="http://schemas.microsoft.com/office/drawing/2014/main" id="{33B678AF-B0A5-220D-1F18-A184FE705A3F}"/>
+                </a:ext>
+              </a:extLst>
+            </p:cNvPr>
+            <p:cNvCxnSpPr>
+              <a:cxnSpLocks/>
+            </p:cNvCxnSpPr>
+            <p:nvPr/>
+          </p:nvCxnSpPr>
+          <p:spPr>
+            <a:xfrm flipV="1">
+              <a:off x="3880846" y="363285"/>
+              <a:ext cx="0" cy="685196"/>
+            </a:xfrm>
+            <a:prstGeom prst="line">
+              <a:avLst/>
+            </a:prstGeom>
+            <a:ln w="19050">
+              <a:solidFill>
+                <a:srgbClr val="C00000"/>
+              </a:solidFill>
+              <a:headEnd type="arrow"/>
+              <a:tailEnd type="none"/>
+            </a:ln>
+          </p:spPr>
+          <p:style>
+            <a:lnRef idx="1">
+              <a:schemeClr val="accent1"/>
+            </a:lnRef>
+            <a:fillRef idx="0">
+              <a:schemeClr val="accent1"/>
+            </a:fillRef>
+            <a:effectRef idx="0">
+              <a:schemeClr val="accent1"/>
+            </a:effectRef>
+            <a:fontRef idx="minor">
+              <a:schemeClr val="tx1"/>
+            </a:fontRef>
+          </p:style>
+        </p:cxnSp>
+        <p:cxnSp>
+          <p:nvCxnSpPr>
+            <p:cNvPr id="131" name="直線コネクタ 130">
+              <a:extLst>
+                <a:ext uri="{FF2B5EF4-FFF2-40B4-BE49-F238E27FC236}">
+                  <a16:creationId xmlns:a16="http://schemas.microsoft.com/office/drawing/2014/main" id="{5D2C2920-4CF7-A89A-8E30-7AAFD0993713}"/>
+                </a:ext>
+              </a:extLst>
+            </p:cNvPr>
+            <p:cNvCxnSpPr>
+              <a:cxnSpLocks/>
+            </p:cNvCxnSpPr>
+            <p:nvPr/>
+          </p:nvCxnSpPr>
+          <p:spPr>
+            <a:xfrm flipV="1">
+              <a:off x="5103716" y="358205"/>
+              <a:ext cx="0" cy="685196"/>
+            </a:xfrm>
+            <a:prstGeom prst="line">
+              <a:avLst/>
+            </a:prstGeom>
+            <a:ln w="19050">
+              <a:solidFill>
+                <a:srgbClr val="C00000"/>
+              </a:solidFill>
+              <a:headEnd type="arrow"/>
+              <a:tailEnd type="none"/>
+            </a:ln>
+          </p:spPr>
+          <p:style>
+            <a:lnRef idx="1">
+              <a:schemeClr val="accent1"/>
+            </a:lnRef>
+            <a:fillRef idx="0">
+              <a:schemeClr val="accent1"/>
+            </a:fillRef>
+            <a:effectRef idx="0">
+              <a:schemeClr val="accent1"/>
+            </a:effectRef>
+            <a:fontRef idx="minor">
+              <a:schemeClr val="tx1"/>
+            </a:fontRef>
+          </p:style>
+        </p:cxnSp>
+        <p:cxnSp>
+          <p:nvCxnSpPr>
+            <p:cNvPr id="132" name="直線コネクタ 131">
+              <a:extLst>
+                <a:ext uri="{FF2B5EF4-FFF2-40B4-BE49-F238E27FC236}">
+                  <a16:creationId xmlns:a16="http://schemas.microsoft.com/office/drawing/2014/main" id="{2D4E7463-4FF3-7336-6A00-47E264E7AC1A}"/>
+                </a:ext>
+              </a:extLst>
+            </p:cNvPr>
+            <p:cNvCxnSpPr>
+              <a:cxnSpLocks/>
+            </p:cNvCxnSpPr>
+            <p:nvPr/>
+          </p:nvCxnSpPr>
+          <p:spPr>
+            <a:xfrm flipV="1">
+              <a:off x="6298667" y="363285"/>
+              <a:ext cx="0" cy="667040"/>
+            </a:xfrm>
+            <a:prstGeom prst="line">
+              <a:avLst/>
+            </a:prstGeom>
+            <a:ln w="19050">
+              <a:solidFill>
+                <a:srgbClr val="C00000"/>
+              </a:solidFill>
+              <a:headEnd type="arrow"/>
+              <a:tailEnd type="none"/>
+            </a:ln>
+          </p:spPr>
+          <p:style>
+            <a:lnRef idx="1">
+              <a:schemeClr val="accent1"/>
+            </a:lnRef>
+            <a:fillRef idx="0">
+              <a:schemeClr val="accent1"/>
+            </a:fillRef>
+            <a:effectRef idx="0">
+              <a:schemeClr val="accent1"/>
+            </a:effectRef>
+            <a:fontRef idx="minor">
+              <a:schemeClr val="tx1"/>
+            </a:fontRef>
+          </p:style>
+        </p:cxnSp>
+        <p:cxnSp>
+          <p:nvCxnSpPr>
+            <p:cNvPr id="133" name="直線コネクタ 132">
+              <a:extLst>
+                <a:ext uri="{FF2B5EF4-FFF2-40B4-BE49-F238E27FC236}">
+                  <a16:creationId xmlns:a16="http://schemas.microsoft.com/office/drawing/2014/main" id="{A6777F78-F3A4-5C32-C77D-B5AE6B86E62B}"/>
+                </a:ext>
+              </a:extLst>
+            </p:cNvPr>
+            <p:cNvCxnSpPr>
+              <a:cxnSpLocks/>
+            </p:cNvCxnSpPr>
+            <p:nvPr/>
+          </p:nvCxnSpPr>
+          <p:spPr>
+            <a:xfrm flipH="1">
+              <a:off x="2689228" y="363285"/>
+              <a:ext cx="3614933" cy="0"/>
+            </a:xfrm>
+            <a:prstGeom prst="line">
+              <a:avLst/>
+            </a:prstGeom>
+            <a:ln w="19050">
+              <a:solidFill>
+                <a:srgbClr val="C00000"/>
+              </a:solidFill>
+            </a:ln>
+          </p:spPr>
+          <p:style>
+            <a:lnRef idx="1">
+              <a:schemeClr val="accent1"/>
+            </a:lnRef>
+            <a:fillRef idx="0">
+              <a:schemeClr val="accent1"/>
+            </a:fillRef>
+            <a:effectRef idx="0">
+              <a:schemeClr val="accent1"/>
+            </a:effectRef>
+            <a:fontRef idx="minor">
+              <a:schemeClr val="tx1"/>
+            </a:fontRef>
+          </p:style>
+        </p:cxnSp>
+        <p:cxnSp>
+          <p:nvCxnSpPr>
+            <p:cNvPr id="136" name="直線コネクタ 135">
+              <a:extLst>
+                <a:ext uri="{FF2B5EF4-FFF2-40B4-BE49-F238E27FC236}">
+                  <a16:creationId xmlns:a16="http://schemas.microsoft.com/office/drawing/2014/main" id="{01A11C6B-648D-261E-4D33-134209C752B4}"/>
+                </a:ext>
+              </a:extLst>
+            </p:cNvPr>
+            <p:cNvCxnSpPr>
+              <a:cxnSpLocks/>
+            </p:cNvCxnSpPr>
+            <p:nvPr/>
+          </p:nvCxnSpPr>
+          <p:spPr>
+            <a:xfrm>
+              <a:off x="3803049" y="12433"/>
+              <a:ext cx="0" cy="350852"/>
+            </a:xfrm>
+            <a:prstGeom prst="line">
+              <a:avLst/>
+            </a:prstGeom>
+            <a:ln w="19050">
+              <a:solidFill>
+                <a:srgbClr val="C00000"/>
+              </a:solidFill>
+              <a:headEnd type="none"/>
+              <a:tailEnd type="none"/>
+            </a:ln>
+          </p:spPr>
+          <p:style>
+            <a:lnRef idx="1">
+              <a:schemeClr val="accent1"/>
+            </a:lnRef>
+            <a:fillRef idx="0">
+              <a:schemeClr val="accent1"/>
+            </a:fillRef>
+            <a:effectRef idx="0">
+              <a:schemeClr val="accent1"/>
+            </a:effectRef>
+            <a:fontRef idx="minor">
+              <a:schemeClr val="tx1"/>
+            </a:fontRef>
+          </p:style>
+        </p:cxnSp>
+      </p:grpSp>
+    </p:spTree>
+    <p:extLst>
+      <p:ext uri="{BB962C8B-B14F-4D97-AF65-F5344CB8AC3E}">
+        <p14:creationId xmlns:p14="http://schemas.microsoft.com/office/powerpoint/2010/main" val="359713236"/>
+      </p:ext>
+    </p:extLst>
+  </p:cSld>
+  <p:clrMapOvr>
+    <a:masterClrMapping/>
+  </p:clrMapOvr>
+</p:sld>
+</file>
+
 <file path=ppt/theme/theme1.xml><?xml version="1.0" encoding="utf-8"?>
 <a:theme xmlns:a="http://schemas.openxmlformats.org/drawingml/2006/main" name="Office テーマ">
   <a:themeElements>

--- a/figures/figg.pptx
+++ b/figures/figg.pptx
@@ -104,6 +104,11 @@
       </a:defRPr>
     </a:lvl9pPr>
   </p:defaultTextStyle>
+  <p:extLst>
+    <p:ext uri="{EFAFB233-063F-42B5-8137-9DF3F51BA10A}">
+      <p15:sldGuideLst xmlns:p15="http://schemas.microsoft.com/office/powerpoint/2012/main"/>
+    </p:ext>
+  </p:extLst>
 </p:presentation>
 </file>
 
@@ -254,7 +259,7 @@
           <a:p>
             <a:fld id="{D065F3AB-FCC1-4F54-8BFF-5516A9060232}" type="datetimeFigureOut">
               <a:rPr kumimoji="1" lang="ja-JP" altLang="en-US" smtClean="0"/>
-              <a:t>2024/11/14</a:t>
+              <a:t>2024/11/26</a:t>
             </a:fld>
             <a:endParaRPr kumimoji="1" lang="ja-JP" altLang="en-US"/>
           </a:p>
@@ -484,7 +489,7 @@
           <a:p>
             <a:fld id="{D065F3AB-FCC1-4F54-8BFF-5516A9060232}" type="datetimeFigureOut">
               <a:rPr kumimoji="1" lang="ja-JP" altLang="en-US" smtClean="0"/>
-              <a:t>2024/11/14</a:t>
+              <a:t>2024/11/26</a:t>
             </a:fld>
             <a:endParaRPr kumimoji="1" lang="ja-JP" altLang="en-US"/>
           </a:p>
@@ -724,7 +729,7 @@
           <a:p>
             <a:fld id="{D065F3AB-FCC1-4F54-8BFF-5516A9060232}" type="datetimeFigureOut">
               <a:rPr kumimoji="1" lang="ja-JP" altLang="en-US" smtClean="0"/>
-              <a:t>2024/11/14</a:t>
+              <a:t>2024/11/26</a:t>
             </a:fld>
             <a:endParaRPr kumimoji="1" lang="ja-JP" altLang="en-US"/>
           </a:p>
@@ -954,7 +959,7 @@
           <a:p>
             <a:fld id="{D065F3AB-FCC1-4F54-8BFF-5516A9060232}" type="datetimeFigureOut">
               <a:rPr kumimoji="1" lang="ja-JP" altLang="en-US" smtClean="0"/>
-              <a:t>2024/11/14</a:t>
+              <a:t>2024/11/26</a:t>
             </a:fld>
             <a:endParaRPr kumimoji="1" lang="ja-JP" altLang="en-US"/>
           </a:p>
@@ -1229,7 +1234,7 @@
           <a:p>
             <a:fld id="{D065F3AB-FCC1-4F54-8BFF-5516A9060232}" type="datetimeFigureOut">
               <a:rPr kumimoji="1" lang="ja-JP" altLang="en-US" smtClean="0"/>
-              <a:t>2024/11/14</a:t>
+              <a:t>2024/11/26</a:t>
             </a:fld>
             <a:endParaRPr kumimoji="1" lang="ja-JP" altLang="en-US"/>
           </a:p>
@@ -1558,7 +1563,7 @@
           <a:p>
             <a:fld id="{D065F3AB-FCC1-4F54-8BFF-5516A9060232}" type="datetimeFigureOut">
               <a:rPr kumimoji="1" lang="ja-JP" altLang="en-US" smtClean="0"/>
-              <a:t>2024/11/14</a:t>
+              <a:t>2024/11/26</a:t>
             </a:fld>
             <a:endParaRPr kumimoji="1" lang="ja-JP" altLang="en-US"/>
           </a:p>
@@ -2034,7 +2039,7 @@
           <a:p>
             <a:fld id="{D065F3AB-FCC1-4F54-8BFF-5516A9060232}" type="datetimeFigureOut">
               <a:rPr kumimoji="1" lang="ja-JP" altLang="en-US" smtClean="0"/>
-              <a:t>2024/11/14</a:t>
+              <a:t>2024/11/26</a:t>
             </a:fld>
             <a:endParaRPr kumimoji="1" lang="ja-JP" altLang="en-US"/>
           </a:p>
@@ -2175,7 +2180,7 @@
           <a:p>
             <a:fld id="{D065F3AB-FCC1-4F54-8BFF-5516A9060232}" type="datetimeFigureOut">
               <a:rPr kumimoji="1" lang="ja-JP" altLang="en-US" smtClean="0"/>
-              <a:t>2024/11/14</a:t>
+              <a:t>2024/11/26</a:t>
             </a:fld>
             <a:endParaRPr kumimoji="1" lang="ja-JP" altLang="en-US"/>
           </a:p>
@@ -2288,7 +2293,7 @@
           <a:p>
             <a:fld id="{D065F3AB-FCC1-4F54-8BFF-5516A9060232}" type="datetimeFigureOut">
               <a:rPr kumimoji="1" lang="ja-JP" altLang="en-US" smtClean="0"/>
-              <a:t>2024/11/14</a:t>
+              <a:t>2024/11/26</a:t>
             </a:fld>
             <a:endParaRPr kumimoji="1" lang="ja-JP" altLang="en-US"/>
           </a:p>
@@ -2631,7 +2636,7 @@
           <a:p>
             <a:fld id="{D065F3AB-FCC1-4F54-8BFF-5516A9060232}" type="datetimeFigureOut">
               <a:rPr kumimoji="1" lang="ja-JP" altLang="en-US" smtClean="0"/>
-              <a:t>2024/11/14</a:t>
+              <a:t>2024/11/26</a:t>
             </a:fld>
             <a:endParaRPr kumimoji="1" lang="ja-JP" altLang="en-US"/>
           </a:p>
@@ -2919,7 +2924,7 @@
           <a:p>
             <a:fld id="{D065F3AB-FCC1-4F54-8BFF-5516A9060232}" type="datetimeFigureOut">
               <a:rPr kumimoji="1" lang="ja-JP" altLang="en-US" smtClean="0"/>
-              <a:t>2024/11/14</a:t>
+              <a:t>2024/11/26</a:t>
             </a:fld>
             <a:endParaRPr kumimoji="1" lang="ja-JP" altLang="en-US"/>
           </a:p>
@@ -3192,7 +3197,7 @@
           <a:p>
             <a:fld id="{D065F3AB-FCC1-4F54-8BFF-5516A9060232}" type="datetimeFigureOut">
               <a:rPr kumimoji="1" lang="ja-JP" altLang="en-US" smtClean="0"/>
-              <a:t>2024/11/14</a:t>
+              <a:t>2024/11/26</a:t>
             </a:fld>
             <a:endParaRPr kumimoji="1" lang="ja-JP" altLang="en-US"/>
           </a:p>
@@ -3609,526 +3614,639 @@
           <a:chExt cx="0" cy="0"/>
         </a:xfrm>
       </p:grpSpPr>
-      <p:pic>
-        <p:nvPicPr>
-          <p:cNvPr id="5" name="図 4">
-            <a:extLst>
-              <a:ext uri="{FF2B5EF4-FFF2-40B4-BE49-F238E27FC236}">
-                <a16:creationId xmlns:a16="http://schemas.microsoft.com/office/drawing/2014/main" id="{EA438D96-C502-6B43-FCAC-1DAC1104602B}"/>
-              </a:ext>
-            </a:extLst>
-          </p:cNvPr>
-          <p:cNvPicPr>
-            <a:picLocks noChangeAspect="1"/>
-          </p:cNvPicPr>
+      <p:grpSp>
+        <p:nvGrpSpPr>
+          <p:cNvPr id="4" name="グループ化 3">
+            <a:extLst>
+              <a:ext uri="{FF2B5EF4-FFF2-40B4-BE49-F238E27FC236}">
+                <a16:creationId xmlns:a16="http://schemas.microsoft.com/office/drawing/2014/main" id="{2F1485D4-D4C7-7B68-6EB1-E72DE7EF04C2}"/>
+              </a:ext>
+            </a:extLst>
+          </p:cNvPr>
+          <p:cNvGrpSpPr/>
           <p:nvPr/>
-        </p:nvPicPr>
-        <p:blipFill>
-          <a:blip r:embed="rId2">
-            <a:extLst>
-              <a:ext uri="{28A0092B-C50C-407E-A947-70E740481C1C}">
-                <a14:useLocalDpi xmlns:a14="http://schemas.microsoft.com/office/drawing/2010/main" val="0"/>
-              </a:ext>
-            </a:extLst>
-          </a:blip>
-          <a:srcRect l="1410" t="8861" r="3077" b="8063"/>
-          <a:stretch/>
-        </p:blipFill>
-        <p:spPr>
-          <a:xfrm rot="5400000">
-            <a:off x="763176" y="1412918"/>
-            <a:ext cx="6180993" cy="4032164"/>
+        </p:nvGrpSpPr>
+        <p:grpSpPr>
+          <a:xfrm>
+            <a:off x="1537878" y="315405"/>
+            <a:ext cx="5228682" cy="6204091"/>
+            <a:chOff x="1537878" y="315405"/>
+            <a:chExt cx="5228682" cy="6204091"/>
           </a:xfrm>
-          <a:prstGeom prst="rect">
-            <a:avLst/>
-          </a:prstGeom>
-        </p:spPr>
-      </p:pic>
-      <p:sp>
-        <p:nvSpPr>
-          <p:cNvPr id="6" name="テキスト ボックス 5">
-            <a:extLst>
-              <a:ext uri="{FF2B5EF4-FFF2-40B4-BE49-F238E27FC236}">
-                <a16:creationId xmlns:a16="http://schemas.microsoft.com/office/drawing/2014/main" id="{BA5D1F72-AF34-FD95-1C9E-120E77766BA8}"/>
-              </a:ext>
-            </a:extLst>
-          </p:cNvPr>
-          <p:cNvSpPr txBox="1"/>
-          <p:nvPr/>
-        </p:nvSpPr>
-        <p:spPr>
-          <a:xfrm>
-            <a:off x="3119120" y="1335454"/>
-            <a:ext cx="1838960" cy="338554"/>
-          </a:xfrm>
-          <a:prstGeom prst="rect">
-            <a:avLst/>
-          </a:prstGeom>
-          <a:solidFill>
-            <a:schemeClr val="tx1">
-              <a:alpha val="35000"/>
-            </a:schemeClr>
-          </a:solidFill>
-        </p:spPr>
-        <p:txBody>
-          <a:bodyPr wrap="square" rtlCol="0">
-            <a:spAutoFit/>
-          </a:bodyPr>
-          <a:lstStyle/>
-          <a:p>
-            <a:pPr algn="ctr"/>
-            <a:r>
-              <a:rPr kumimoji="1" lang="en-US" altLang="ja-JP" sz="1600" b="1" dirty="0">
+        </p:grpSpPr>
+        <p:pic>
+          <p:nvPicPr>
+            <p:cNvPr id="5" name="図 4">
+              <a:extLst>
+                <a:ext uri="{FF2B5EF4-FFF2-40B4-BE49-F238E27FC236}">
+                  <a16:creationId xmlns:a16="http://schemas.microsoft.com/office/drawing/2014/main" id="{EA438D96-C502-6B43-FCAC-1DAC1104602B}"/>
+                </a:ext>
+              </a:extLst>
+            </p:cNvPr>
+            <p:cNvPicPr>
+              <a:picLocks noChangeAspect="1"/>
+            </p:cNvPicPr>
+            <p:nvPr/>
+          </p:nvPicPr>
+          <p:blipFill>
+            <a:blip r:embed="rId2">
+              <a:extLst>
+                <a:ext uri="{28A0092B-C50C-407E-A947-70E740481C1C}">
+                  <a14:useLocalDpi xmlns:a14="http://schemas.microsoft.com/office/drawing/2010/main" val="0"/>
+                </a:ext>
+              </a:extLst>
+            </a:blip>
+            <a:srcRect l="1410" t="8861" r="3077" b="8063"/>
+            <a:stretch/>
+          </p:blipFill>
+          <p:spPr>
+            <a:xfrm rot="5400000">
+              <a:off x="763176" y="1412918"/>
+              <a:ext cx="6180993" cy="4032164"/>
+            </a:xfrm>
+            <a:prstGeom prst="rect">
+              <a:avLst/>
+            </a:prstGeom>
+          </p:spPr>
+        </p:pic>
+        <p:sp>
+          <p:nvSpPr>
+            <p:cNvPr id="6" name="テキスト ボックス 5">
+              <a:extLst>
+                <a:ext uri="{FF2B5EF4-FFF2-40B4-BE49-F238E27FC236}">
+                  <a16:creationId xmlns:a16="http://schemas.microsoft.com/office/drawing/2014/main" id="{BA5D1F72-AF34-FD95-1C9E-120E77766BA8}"/>
+                </a:ext>
+              </a:extLst>
+            </p:cNvPr>
+            <p:cNvSpPr txBox="1"/>
+            <p:nvPr/>
+          </p:nvSpPr>
+          <p:spPr>
+            <a:xfrm>
+              <a:off x="3119120" y="1335454"/>
+              <a:ext cx="1838960" cy="338554"/>
+            </a:xfrm>
+            <a:prstGeom prst="rect">
+              <a:avLst/>
+            </a:prstGeom>
+            <a:solidFill>
+              <a:schemeClr val="tx1">
+                <a:alpha val="35000"/>
+              </a:schemeClr>
+            </a:solidFill>
+          </p:spPr>
+          <p:txBody>
+            <a:bodyPr wrap="square" rtlCol="0">
+              <a:spAutoFit/>
+            </a:bodyPr>
+            <a:lstStyle/>
+            <a:p>
+              <a:pPr algn="ctr"/>
+              <a:r>
+                <a:rPr kumimoji="1" lang="en-US" altLang="ja-JP" sz="1600" b="1" dirty="0">
+                  <a:solidFill>
+                    <a:schemeClr val="bg1"/>
+                  </a:solidFill>
+                  <a:latin typeface="Times New Roman" panose="02020603050405020304" pitchFamily="18" charset="0"/>
+                  <a:cs typeface="Times New Roman" panose="02020603050405020304" pitchFamily="18" charset="0"/>
+                </a:rPr>
+                <a:t>YAENAMI ASICs</a:t>
+              </a:r>
+              <a:endParaRPr kumimoji="1" lang="ja-JP" altLang="en-US" sz="1600" b="1" dirty="0">
                 <a:solidFill>
                   <a:schemeClr val="bg1"/>
                 </a:solidFill>
                 <a:latin typeface="Times New Roman" panose="02020603050405020304" pitchFamily="18" charset="0"/>
                 <a:cs typeface="Times New Roman" panose="02020603050405020304" pitchFamily="18" charset="0"/>
-              </a:rPr>
-              <a:t>YAENAMI ASICs</a:t>
-            </a:r>
-            <a:endParaRPr kumimoji="1" lang="ja-JP" altLang="en-US" sz="1600" b="1" dirty="0">
-              <a:solidFill>
-                <a:schemeClr val="bg1"/>
-              </a:solidFill>
-              <a:latin typeface="Times New Roman" panose="02020603050405020304" pitchFamily="18" charset="0"/>
-              <a:cs typeface="Times New Roman" panose="02020603050405020304" pitchFamily="18" charset="0"/>
-            </a:endParaRPr>
-          </a:p>
-        </p:txBody>
-      </p:sp>
-      <p:sp>
-        <p:nvSpPr>
-          <p:cNvPr id="7" name="テキスト ボックス 6">
-            <a:extLst>
-              <a:ext uri="{FF2B5EF4-FFF2-40B4-BE49-F238E27FC236}">
-                <a16:creationId xmlns:a16="http://schemas.microsoft.com/office/drawing/2014/main" id="{078E5333-DA8E-8E5E-1D63-49BF84B0C182}"/>
-              </a:ext>
-            </a:extLst>
-          </p:cNvPr>
-          <p:cNvSpPr txBox="1"/>
-          <p:nvPr/>
-        </p:nvSpPr>
-        <p:spPr>
-          <a:xfrm>
-            <a:off x="3119120" y="607793"/>
-            <a:ext cx="1838960" cy="307777"/>
-          </a:xfrm>
-          <a:prstGeom prst="rect">
-            <a:avLst/>
-          </a:prstGeom>
-          <a:solidFill>
-            <a:schemeClr val="tx1">
-              <a:alpha val="35000"/>
-            </a:schemeClr>
-          </a:solidFill>
-        </p:spPr>
-        <p:txBody>
-          <a:bodyPr wrap="square" rtlCol="0">
-            <a:spAutoFit/>
-          </a:bodyPr>
-          <a:lstStyle/>
-          <a:p>
-            <a:pPr algn="ctr"/>
-            <a:r>
-              <a:rPr lang="en-US" altLang="ja-JP" sz="1400" b="1" dirty="0" err="1">
+              </a:endParaRPr>
+            </a:p>
+          </p:txBody>
+        </p:sp>
+        <p:sp>
+          <p:nvSpPr>
+            <p:cNvPr id="7" name="テキスト ボックス 6">
+              <a:extLst>
+                <a:ext uri="{FF2B5EF4-FFF2-40B4-BE49-F238E27FC236}">
+                  <a16:creationId xmlns:a16="http://schemas.microsoft.com/office/drawing/2014/main" id="{078E5333-DA8E-8E5E-1D63-49BF84B0C182}"/>
+                </a:ext>
+              </a:extLst>
+            </p:cNvPr>
+            <p:cNvSpPr txBox="1"/>
+            <p:nvPr/>
+          </p:nvSpPr>
+          <p:spPr>
+            <a:xfrm>
+              <a:off x="3119120" y="607793"/>
+              <a:ext cx="1838960" cy="307777"/>
+            </a:xfrm>
+            <a:prstGeom prst="rect">
+              <a:avLst/>
+            </a:prstGeom>
+            <a:solidFill>
+              <a:schemeClr val="tx1">
+                <a:alpha val="35000"/>
+              </a:schemeClr>
+            </a:solidFill>
+          </p:spPr>
+          <p:txBody>
+            <a:bodyPr wrap="square" rtlCol="0">
+              <a:spAutoFit/>
+            </a:bodyPr>
+            <a:lstStyle/>
+            <a:p>
+              <a:pPr algn="ctr"/>
+              <a:r>
+                <a:rPr lang="en-US" altLang="ja-JP" sz="1400" b="1" dirty="0" err="1">
+                  <a:solidFill>
+                    <a:schemeClr val="bg1"/>
+                  </a:solidFill>
+                  <a:latin typeface="Times New Roman" panose="02020603050405020304" pitchFamily="18" charset="0"/>
+                  <a:cs typeface="Times New Roman" panose="02020603050405020304" pitchFamily="18" charset="0"/>
+                </a:rPr>
+                <a:t>SiPM</a:t>
+              </a:r>
+              <a:r>
+                <a:rPr lang="en-US" altLang="ja-JP" sz="1400" b="1" dirty="0">
+                  <a:solidFill>
+                    <a:schemeClr val="bg1"/>
+                  </a:solidFill>
+                  <a:latin typeface="Times New Roman" panose="02020603050405020304" pitchFamily="18" charset="0"/>
+                  <a:cs typeface="Times New Roman" panose="02020603050405020304" pitchFamily="18" charset="0"/>
+                </a:rPr>
+                <a:t> input</a:t>
+              </a:r>
+              <a:endParaRPr kumimoji="1" lang="ja-JP" altLang="en-US" sz="1400" b="1" dirty="0">
                 <a:solidFill>
                   <a:schemeClr val="bg1"/>
                 </a:solidFill>
                 <a:latin typeface="Times New Roman" panose="02020603050405020304" pitchFamily="18" charset="0"/>
                 <a:cs typeface="Times New Roman" panose="02020603050405020304" pitchFamily="18" charset="0"/>
-              </a:rPr>
-              <a:t>SiPM</a:t>
-            </a:r>
-            <a:r>
-              <a:rPr lang="en-US" altLang="ja-JP" sz="1400" b="1" dirty="0">
+              </a:endParaRPr>
+            </a:p>
+          </p:txBody>
+        </p:sp>
+        <p:sp>
+          <p:nvSpPr>
+            <p:cNvPr id="8" name="テキスト ボックス 7">
+              <a:extLst>
+                <a:ext uri="{FF2B5EF4-FFF2-40B4-BE49-F238E27FC236}">
+                  <a16:creationId xmlns:a16="http://schemas.microsoft.com/office/drawing/2014/main" id="{2F5957A4-AC8D-A564-6323-364CB40D6797}"/>
+                </a:ext>
+              </a:extLst>
+            </p:cNvPr>
+            <p:cNvSpPr txBox="1"/>
+            <p:nvPr/>
+          </p:nvSpPr>
+          <p:spPr>
+            <a:xfrm>
+              <a:off x="5212080" y="5773675"/>
+              <a:ext cx="1554480" cy="492443"/>
+            </a:xfrm>
+            <a:prstGeom prst="rect">
+              <a:avLst/>
+            </a:prstGeom>
+            <a:solidFill>
+              <a:schemeClr val="tx1">
+                <a:alpha val="35000"/>
+              </a:schemeClr>
+            </a:solidFill>
+          </p:spPr>
+          <p:txBody>
+            <a:bodyPr wrap="square" rtlCol="0">
+              <a:spAutoFit/>
+            </a:bodyPr>
+            <a:lstStyle/>
+            <a:p>
+              <a:pPr algn="ctr"/>
+              <a:r>
+                <a:rPr lang="en-US" altLang="ja-JP" sz="1300" b="1" dirty="0">
+                  <a:solidFill>
+                    <a:schemeClr val="bg1"/>
+                  </a:solidFill>
+                  <a:latin typeface="Times New Roman" panose="02020603050405020304" pitchFamily="18" charset="0"/>
+                  <a:cs typeface="Times New Roman" panose="02020603050405020304" pitchFamily="18" charset="0"/>
+                </a:rPr>
+                <a:t>Power</a:t>
+              </a:r>
+            </a:p>
+            <a:p>
+              <a:pPr algn="ctr"/>
+              <a:r>
+                <a:rPr kumimoji="1" lang="en-US" altLang="ja-JP" sz="1300" b="1" dirty="0">
+                  <a:solidFill>
+                    <a:schemeClr val="bg1"/>
+                  </a:solidFill>
+                  <a:latin typeface="Times New Roman" panose="02020603050405020304" pitchFamily="18" charset="0"/>
+                  <a:cs typeface="Times New Roman" panose="02020603050405020304" pitchFamily="18" charset="0"/>
+                </a:rPr>
+                <a:t>(DC 20-35V)</a:t>
+              </a:r>
+              <a:endParaRPr kumimoji="1" lang="ja-JP" altLang="en-US" sz="1300" b="1" dirty="0">
                 <a:solidFill>
                   <a:schemeClr val="bg1"/>
                 </a:solidFill>
                 <a:latin typeface="Times New Roman" panose="02020603050405020304" pitchFamily="18" charset="0"/>
                 <a:cs typeface="Times New Roman" panose="02020603050405020304" pitchFamily="18" charset="0"/>
-              </a:rPr>
-              <a:t> input</a:t>
-            </a:r>
-            <a:endParaRPr kumimoji="1" lang="ja-JP" altLang="en-US" sz="1400" b="1" dirty="0">
-              <a:solidFill>
-                <a:schemeClr val="bg1"/>
-              </a:solidFill>
-              <a:latin typeface="Times New Roman" panose="02020603050405020304" pitchFamily="18" charset="0"/>
-              <a:cs typeface="Times New Roman" panose="02020603050405020304" pitchFamily="18" charset="0"/>
-            </a:endParaRPr>
-          </a:p>
-        </p:txBody>
-      </p:sp>
-      <p:sp>
-        <p:nvSpPr>
-          <p:cNvPr id="8" name="テキスト ボックス 7">
-            <a:extLst>
-              <a:ext uri="{FF2B5EF4-FFF2-40B4-BE49-F238E27FC236}">
-                <a16:creationId xmlns:a16="http://schemas.microsoft.com/office/drawing/2014/main" id="{2F5957A4-AC8D-A564-6323-364CB40D6797}"/>
-              </a:ext>
-            </a:extLst>
-          </p:cNvPr>
-          <p:cNvSpPr txBox="1"/>
-          <p:nvPr/>
-        </p:nvSpPr>
-        <p:spPr>
-          <a:xfrm>
-            <a:off x="5212080" y="5773675"/>
-            <a:ext cx="1554480" cy="492443"/>
-          </a:xfrm>
-          <a:prstGeom prst="rect">
-            <a:avLst/>
-          </a:prstGeom>
-          <a:solidFill>
-            <a:schemeClr val="tx1">
-              <a:alpha val="35000"/>
-            </a:schemeClr>
-          </a:solidFill>
-        </p:spPr>
-        <p:txBody>
-          <a:bodyPr wrap="square" rtlCol="0">
-            <a:spAutoFit/>
-          </a:bodyPr>
-          <a:lstStyle/>
-          <a:p>
-            <a:pPr algn="ctr"/>
-            <a:r>
-              <a:rPr lang="en-US" altLang="ja-JP" sz="1300" b="1" dirty="0">
+              </a:endParaRPr>
+            </a:p>
+          </p:txBody>
+        </p:sp>
+        <p:sp>
+          <p:nvSpPr>
+            <p:cNvPr id="9" name="テキスト ボックス 8">
+              <a:extLst>
+                <a:ext uri="{FF2B5EF4-FFF2-40B4-BE49-F238E27FC236}">
+                  <a16:creationId xmlns:a16="http://schemas.microsoft.com/office/drawing/2014/main" id="{B2432300-8F2F-C120-BCC5-51B3156BF892}"/>
+                </a:ext>
+              </a:extLst>
+            </p:cNvPr>
+            <p:cNvSpPr txBox="1"/>
+            <p:nvPr/>
+          </p:nvSpPr>
+          <p:spPr>
+            <a:xfrm>
+              <a:off x="3545840" y="4702273"/>
+              <a:ext cx="1239520" cy="492443"/>
+            </a:xfrm>
+            <a:prstGeom prst="rect">
+              <a:avLst/>
+            </a:prstGeom>
+            <a:solidFill>
+              <a:schemeClr val="tx1">
+                <a:alpha val="35000"/>
+              </a:schemeClr>
+            </a:solidFill>
+          </p:spPr>
+          <p:txBody>
+            <a:bodyPr wrap="square" rtlCol="0">
+              <a:spAutoFit/>
+            </a:bodyPr>
+            <a:lstStyle/>
+            <a:p>
+              <a:pPr algn="ctr"/>
+              <a:r>
+                <a:rPr lang="en-US" altLang="ja-JP" sz="1300" b="1" dirty="0">
+                  <a:solidFill>
+                    <a:schemeClr val="bg1"/>
+                  </a:solidFill>
+                  <a:latin typeface="Times New Roman" panose="02020603050405020304" pitchFamily="18" charset="0"/>
+                  <a:cs typeface="Times New Roman" panose="02020603050405020304" pitchFamily="18" charset="0"/>
+                </a:rPr>
+                <a:t>SFP</a:t>
+              </a:r>
+            </a:p>
+            <a:p>
+              <a:pPr algn="ctr"/>
+              <a:r>
+                <a:rPr kumimoji="1" lang="en-US" altLang="ja-JP" sz="1300" b="1" dirty="0">
+                  <a:solidFill>
+                    <a:schemeClr val="bg1"/>
+                  </a:solidFill>
+                  <a:latin typeface="Times New Roman" panose="02020603050405020304" pitchFamily="18" charset="0"/>
+                  <a:cs typeface="Times New Roman" panose="02020603050405020304" pitchFamily="18" charset="0"/>
+                </a:rPr>
+                <a:t>(Data link)</a:t>
+              </a:r>
+              <a:endParaRPr kumimoji="1" lang="ja-JP" altLang="en-US" sz="1300" b="1" dirty="0">
                 <a:solidFill>
                   <a:schemeClr val="bg1"/>
                 </a:solidFill>
                 <a:latin typeface="Times New Roman" panose="02020603050405020304" pitchFamily="18" charset="0"/>
                 <a:cs typeface="Times New Roman" panose="02020603050405020304" pitchFamily="18" charset="0"/>
-              </a:rPr>
-              <a:t>Power</a:t>
-            </a:r>
-          </a:p>
-          <a:p>
-            <a:pPr algn="ctr"/>
-            <a:r>
-              <a:rPr kumimoji="1" lang="en-US" altLang="ja-JP" sz="1300" b="1" dirty="0">
+              </a:endParaRPr>
+            </a:p>
+          </p:txBody>
+        </p:sp>
+        <p:sp>
+          <p:nvSpPr>
+            <p:cNvPr id="10" name="テキスト ボックス 9">
+              <a:extLst>
+                <a:ext uri="{FF2B5EF4-FFF2-40B4-BE49-F238E27FC236}">
+                  <a16:creationId xmlns:a16="http://schemas.microsoft.com/office/drawing/2014/main" id="{88741534-9F06-8C81-1152-F5FF753E0504}"/>
+                </a:ext>
+              </a:extLst>
+            </p:cNvPr>
+            <p:cNvSpPr txBox="1"/>
+            <p:nvPr/>
+          </p:nvSpPr>
+          <p:spPr>
+            <a:xfrm>
+              <a:off x="4209958" y="5188900"/>
+              <a:ext cx="1239520" cy="492443"/>
+            </a:xfrm>
+            <a:prstGeom prst="rect">
+              <a:avLst/>
+            </a:prstGeom>
+            <a:solidFill>
+              <a:schemeClr val="tx1">
+                <a:alpha val="35000"/>
+              </a:schemeClr>
+            </a:solidFill>
+          </p:spPr>
+          <p:txBody>
+            <a:bodyPr wrap="square" rtlCol="0">
+              <a:spAutoFit/>
+            </a:bodyPr>
+            <a:lstStyle/>
+            <a:p>
+              <a:pPr algn="ctr"/>
+              <a:r>
+                <a:rPr lang="en-US" altLang="ja-JP" sz="1300" b="1" dirty="0">
+                  <a:solidFill>
+                    <a:schemeClr val="bg1"/>
+                  </a:solidFill>
+                  <a:latin typeface="Times New Roman" panose="02020603050405020304" pitchFamily="18" charset="0"/>
+                  <a:cs typeface="Times New Roman" panose="02020603050405020304" pitchFamily="18" charset="0"/>
+                </a:rPr>
+                <a:t>SFP</a:t>
+              </a:r>
+            </a:p>
+            <a:p>
+              <a:pPr algn="ctr"/>
+              <a:r>
+                <a:rPr kumimoji="1" lang="en-US" altLang="ja-JP" sz="1300" b="1" dirty="0">
+                  <a:solidFill>
+                    <a:schemeClr val="bg1"/>
+                  </a:solidFill>
+                  <a:latin typeface="Times New Roman" panose="02020603050405020304" pitchFamily="18" charset="0"/>
+                  <a:cs typeface="Times New Roman" panose="02020603050405020304" pitchFamily="18" charset="0"/>
+                </a:rPr>
+                <a:t>(MIKUMARI)</a:t>
+              </a:r>
+              <a:endParaRPr kumimoji="1" lang="ja-JP" altLang="en-US" sz="1300" b="1" dirty="0">
                 <a:solidFill>
                   <a:schemeClr val="bg1"/>
                 </a:solidFill>
                 <a:latin typeface="Times New Roman" panose="02020603050405020304" pitchFamily="18" charset="0"/>
                 <a:cs typeface="Times New Roman" panose="02020603050405020304" pitchFamily="18" charset="0"/>
-              </a:rPr>
-              <a:t>(DC 20-35V)</a:t>
-            </a:r>
-            <a:endParaRPr kumimoji="1" lang="ja-JP" altLang="en-US" sz="1300" b="1" dirty="0">
-              <a:solidFill>
-                <a:schemeClr val="bg1"/>
-              </a:solidFill>
-              <a:latin typeface="Times New Roman" panose="02020603050405020304" pitchFamily="18" charset="0"/>
-              <a:cs typeface="Times New Roman" panose="02020603050405020304" pitchFamily="18" charset="0"/>
-            </a:endParaRPr>
-          </a:p>
-        </p:txBody>
-      </p:sp>
-      <p:sp>
-        <p:nvSpPr>
-          <p:cNvPr id="9" name="テキスト ボックス 8">
-            <a:extLst>
-              <a:ext uri="{FF2B5EF4-FFF2-40B4-BE49-F238E27FC236}">
-                <a16:creationId xmlns:a16="http://schemas.microsoft.com/office/drawing/2014/main" id="{B2432300-8F2F-C120-BCC5-51B3156BF892}"/>
-              </a:ext>
-            </a:extLst>
-          </p:cNvPr>
-          <p:cNvSpPr txBox="1"/>
-          <p:nvPr/>
-        </p:nvSpPr>
-        <p:spPr>
-          <a:xfrm>
-            <a:off x="3545840" y="4702273"/>
-            <a:ext cx="1239520" cy="492443"/>
-          </a:xfrm>
-          <a:prstGeom prst="rect">
-            <a:avLst/>
-          </a:prstGeom>
-          <a:solidFill>
-            <a:schemeClr val="tx1">
-              <a:alpha val="35000"/>
-            </a:schemeClr>
-          </a:solidFill>
-        </p:spPr>
-        <p:txBody>
-          <a:bodyPr wrap="square" rtlCol="0">
-            <a:spAutoFit/>
-          </a:bodyPr>
-          <a:lstStyle/>
-          <a:p>
-            <a:pPr algn="ctr"/>
-            <a:r>
-              <a:rPr lang="en-US" altLang="ja-JP" sz="1300" b="1" dirty="0">
+              </a:endParaRPr>
+            </a:p>
+          </p:txBody>
+        </p:sp>
+        <p:sp>
+          <p:nvSpPr>
+            <p:cNvPr id="11" name="テキスト ボックス 10">
+              <a:extLst>
+                <a:ext uri="{FF2B5EF4-FFF2-40B4-BE49-F238E27FC236}">
+                  <a16:creationId xmlns:a16="http://schemas.microsoft.com/office/drawing/2014/main" id="{92D89A5A-1947-F067-ADCC-2072E7917EE0}"/>
+                </a:ext>
+              </a:extLst>
+            </p:cNvPr>
+            <p:cNvSpPr txBox="1"/>
+            <p:nvPr/>
+          </p:nvSpPr>
+          <p:spPr>
+            <a:xfrm>
+              <a:off x="1537878" y="2862260"/>
+              <a:ext cx="1239520" cy="492443"/>
+            </a:xfrm>
+            <a:prstGeom prst="rect">
+              <a:avLst/>
+            </a:prstGeom>
+            <a:solidFill>
+              <a:schemeClr val="tx1">
+                <a:alpha val="35000"/>
+              </a:schemeClr>
+            </a:solidFill>
+          </p:spPr>
+          <p:txBody>
+            <a:bodyPr wrap="square" rtlCol="0">
+              <a:spAutoFit/>
+            </a:bodyPr>
+            <a:lstStyle/>
+            <a:p>
+              <a:pPr algn="ctr"/>
+              <a:r>
+                <a:rPr lang="en-US" altLang="ja-JP" sz="1300" b="1" dirty="0">
+                  <a:solidFill>
+                    <a:schemeClr val="bg1"/>
+                  </a:solidFill>
+                  <a:latin typeface="Times New Roman" panose="02020603050405020304" pitchFamily="18" charset="0"/>
+                  <a:cs typeface="Times New Roman" panose="02020603050405020304" pitchFamily="18" charset="0"/>
+                </a:rPr>
+                <a:t>Comparator</a:t>
+              </a:r>
+            </a:p>
+            <a:p>
+              <a:pPr algn="ctr"/>
+              <a:r>
+                <a:rPr lang="en-US" altLang="ja-JP" sz="1300" b="1" dirty="0">
+                  <a:solidFill>
+                    <a:schemeClr val="bg1"/>
+                  </a:solidFill>
+                  <a:latin typeface="Times New Roman" panose="02020603050405020304" pitchFamily="18" charset="0"/>
+                  <a:cs typeface="Times New Roman" panose="02020603050405020304" pitchFamily="18" charset="0"/>
+                </a:rPr>
+                <a:t>outputs</a:t>
+              </a:r>
+            </a:p>
+          </p:txBody>
+        </p:sp>
+        <p:sp>
+          <p:nvSpPr>
+            <p:cNvPr id="12" name="テキスト ボックス 11">
+              <a:extLst>
+                <a:ext uri="{FF2B5EF4-FFF2-40B4-BE49-F238E27FC236}">
+                  <a16:creationId xmlns:a16="http://schemas.microsoft.com/office/drawing/2014/main" id="{A2C222D2-C35B-446F-1CCF-B6FD71197331}"/>
+                </a:ext>
+              </a:extLst>
+            </p:cNvPr>
+            <p:cNvSpPr txBox="1"/>
+            <p:nvPr/>
+          </p:nvSpPr>
+          <p:spPr>
+            <a:xfrm>
+              <a:off x="3119120" y="3200621"/>
+              <a:ext cx="1880970" cy="461665"/>
+            </a:xfrm>
+            <a:prstGeom prst="rect">
+              <a:avLst/>
+            </a:prstGeom>
+            <a:solidFill>
+              <a:schemeClr val="tx1">
+                <a:alpha val="35000"/>
+              </a:schemeClr>
+            </a:solidFill>
+          </p:spPr>
+          <p:txBody>
+            <a:bodyPr wrap="square" rtlCol="0">
+              <a:spAutoFit/>
+            </a:bodyPr>
+            <a:lstStyle/>
+            <a:p>
+              <a:pPr algn="ctr"/>
+              <a:r>
+                <a:rPr lang="en-US" altLang="ja-JP" sz="1200" b="1" dirty="0">
+                  <a:solidFill>
+                    <a:schemeClr val="bg1"/>
+                  </a:solidFill>
+                  <a:latin typeface="Times New Roman" panose="02020603050405020304" pitchFamily="18" charset="0"/>
+                  <a:cs typeface="Times New Roman" panose="02020603050405020304" pitchFamily="18" charset="0"/>
+                </a:rPr>
+                <a:t>FPGA</a:t>
+              </a:r>
+            </a:p>
+            <a:p>
+              <a:pPr algn="ctr"/>
+              <a:r>
+                <a:rPr kumimoji="1" lang="en-US" altLang="ja-JP" sz="1200" b="1" dirty="0">
+                  <a:solidFill>
+                    <a:schemeClr val="bg1"/>
+                  </a:solidFill>
+                  <a:latin typeface="Times New Roman" panose="02020603050405020304" pitchFamily="18" charset="0"/>
+                  <a:cs typeface="Times New Roman" panose="02020603050405020304" pitchFamily="18" charset="0"/>
+                </a:rPr>
+                <a:t>(XC7K-160T-2FFG676)</a:t>
+              </a:r>
+              <a:endParaRPr kumimoji="1" lang="ja-JP" altLang="en-US" sz="1200" b="1" dirty="0">
                 <a:solidFill>
                   <a:schemeClr val="bg1"/>
                 </a:solidFill>
                 <a:latin typeface="Times New Roman" panose="02020603050405020304" pitchFamily="18" charset="0"/>
                 <a:cs typeface="Times New Roman" panose="02020603050405020304" pitchFamily="18" charset="0"/>
-              </a:rPr>
-              <a:t>SFP</a:t>
-            </a:r>
-          </a:p>
-          <a:p>
-            <a:pPr algn="ctr"/>
-            <a:r>
-              <a:rPr kumimoji="1" lang="en-US" altLang="ja-JP" sz="1300" b="1" dirty="0">
-                <a:solidFill>
-                  <a:schemeClr val="bg1"/>
-                </a:solidFill>
-                <a:latin typeface="Times New Roman" panose="02020603050405020304" pitchFamily="18" charset="0"/>
-                <a:cs typeface="Times New Roman" panose="02020603050405020304" pitchFamily="18" charset="0"/>
-              </a:rPr>
-              <a:t>(Data link)</a:t>
-            </a:r>
-            <a:endParaRPr kumimoji="1" lang="ja-JP" altLang="en-US" sz="1300" b="1" dirty="0">
-              <a:solidFill>
-                <a:schemeClr val="bg1"/>
-              </a:solidFill>
-              <a:latin typeface="Times New Roman" panose="02020603050405020304" pitchFamily="18" charset="0"/>
-              <a:cs typeface="Times New Roman" panose="02020603050405020304" pitchFamily="18" charset="0"/>
-            </a:endParaRPr>
-          </a:p>
-        </p:txBody>
-      </p:sp>
-      <p:sp>
-        <p:nvSpPr>
-          <p:cNvPr id="10" name="テキスト ボックス 9">
-            <a:extLst>
-              <a:ext uri="{FF2B5EF4-FFF2-40B4-BE49-F238E27FC236}">
-                <a16:creationId xmlns:a16="http://schemas.microsoft.com/office/drawing/2014/main" id="{88741534-9F06-8C81-1152-F5FF753E0504}"/>
-              </a:ext>
-            </a:extLst>
-          </p:cNvPr>
-          <p:cNvSpPr txBox="1"/>
-          <p:nvPr/>
-        </p:nvSpPr>
-        <p:spPr>
-          <a:xfrm>
-            <a:off x="4209958" y="5188900"/>
-            <a:ext cx="1239520" cy="492443"/>
-          </a:xfrm>
-          <a:prstGeom prst="rect">
-            <a:avLst/>
-          </a:prstGeom>
-          <a:solidFill>
-            <a:schemeClr val="tx1">
-              <a:alpha val="35000"/>
-            </a:schemeClr>
-          </a:solidFill>
-        </p:spPr>
-        <p:txBody>
-          <a:bodyPr wrap="square" rtlCol="0">
-            <a:spAutoFit/>
-          </a:bodyPr>
-          <a:lstStyle/>
-          <a:p>
-            <a:pPr algn="ctr"/>
-            <a:r>
-              <a:rPr lang="en-US" altLang="ja-JP" sz="1300" b="1" dirty="0">
-                <a:solidFill>
-                  <a:schemeClr val="bg1"/>
-                </a:solidFill>
-                <a:latin typeface="Times New Roman" panose="02020603050405020304" pitchFamily="18" charset="0"/>
-                <a:cs typeface="Times New Roman" panose="02020603050405020304" pitchFamily="18" charset="0"/>
-              </a:rPr>
-              <a:t>SFP</a:t>
-            </a:r>
-          </a:p>
-          <a:p>
-            <a:pPr algn="ctr"/>
-            <a:r>
-              <a:rPr kumimoji="1" lang="en-US" altLang="ja-JP" sz="1300" b="1" dirty="0">
-                <a:solidFill>
-                  <a:schemeClr val="bg1"/>
-                </a:solidFill>
-                <a:latin typeface="Times New Roman" panose="02020603050405020304" pitchFamily="18" charset="0"/>
-                <a:cs typeface="Times New Roman" panose="02020603050405020304" pitchFamily="18" charset="0"/>
-              </a:rPr>
-              <a:t>(MIKUMARI)</a:t>
-            </a:r>
-            <a:endParaRPr kumimoji="1" lang="ja-JP" altLang="en-US" sz="1300" b="1" dirty="0">
-              <a:solidFill>
-                <a:schemeClr val="bg1"/>
-              </a:solidFill>
-              <a:latin typeface="Times New Roman" panose="02020603050405020304" pitchFamily="18" charset="0"/>
-              <a:cs typeface="Times New Roman" panose="02020603050405020304" pitchFamily="18" charset="0"/>
-            </a:endParaRPr>
-          </a:p>
-        </p:txBody>
-      </p:sp>
-      <p:sp>
-        <p:nvSpPr>
-          <p:cNvPr id="11" name="テキスト ボックス 10">
-            <a:extLst>
-              <a:ext uri="{FF2B5EF4-FFF2-40B4-BE49-F238E27FC236}">
-                <a16:creationId xmlns:a16="http://schemas.microsoft.com/office/drawing/2014/main" id="{92D89A5A-1947-F067-ADCC-2072E7917EE0}"/>
-              </a:ext>
-            </a:extLst>
-          </p:cNvPr>
-          <p:cNvSpPr txBox="1"/>
-          <p:nvPr/>
-        </p:nvSpPr>
-        <p:spPr>
-          <a:xfrm>
-            <a:off x="1537878" y="2862260"/>
-            <a:ext cx="1239520" cy="492443"/>
-          </a:xfrm>
-          <a:prstGeom prst="rect">
-            <a:avLst/>
-          </a:prstGeom>
-          <a:solidFill>
-            <a:schemeClr val="tx1">
-              <a:alpha val="35000"/>
-            </a:schemeClr>
-          </a:solidFill>
-        </p:spPr>
-        <p:txBody>
-          <a:bodyPr wrap="square" rtlCol="0">
-            <a:spAutoFit/>
-          </a:bodyPr>
-          <a:lstStyle/>
-          <a:p>
-            <a:pPr algn="ctr"/>
-            <a:r>
-              <a:rPr lang="en-US" altLang="ja-JP" sz="1300" b="1" dirty="0">
-                <a:solidFill>
-                  <a:schemeClr val="bg1"/>
-                </a:solidFill>
-                <a:latin typeface="Times New Roman" panose="02020603050405020304" pitchFamily="18" charset="0"/>
-                <a:cs typeface="Times New Roman" panose="02020603050405020304" pitchFamily="18" charset="0"/>
-              </a:rPr>
-              <a:t>Comparator</a:t>
-            </a:r>
-          </a:p>
-          <a:p>
-            <a:pPr algn="ctr"/>
-            <a:r>
-              <a:rPr lang="en-US" altLang="ja-JP" sz="1300" b="1" dirty="0">
-                <a:solidFill>
-                  <a:schemeClr val="bg1"/>
-                </a:solidFill>
-                <a:latin typeface="Times New Roman" panose="02020603050405020304" pitchFamily="18" charset="0"/>
-                <a:cs typeface="Times New Roman" panose="02020603050405020304" pitchFamily="18" charset="0"/>
-              </a:rPr>
-              <a:t>outputs</a:t>
-            </a:r>
-          </a:p>
-        </p:txBody>
-      </p:sp>
-      <p:sp>
-        <p:nvSpPr>
-          <p:cNvPr id="12" name="テキスト ボックス 11">
-            <a:extLst>
-              <a:ext uri="{FF2B5EF4-FFF2-40B4-BE49-F238E27FC236}">
-                <a16:creationId xmlns:a16="http://schemas.microsoft.com/office/drawing/2014/main" id="{A2C222D2-C35B-446F-1CCF-B6FD71197331}"/>
-              </a:ext>
-            </a:extLst>
-          </p:cNvPr>
-          <p:cNvSpPr txBox="1"/>
-          <p:nvPr/>
-        </p:nvSpPr>
-        <p:spPr>
-          <a:xfrm>
-            <a:off x="3119120" y="3200621"/>
-            <a:ext cx="1880970" cy="461665"/>
-          </a:xfrm>
-          <a:prstGeom prst="rect">
-            <a:avLst/>
-          </a:prstGeom>
-          <a:solidFill>
-            <a:schemeClr val="tx1">
-              <a:alpha val="35000"/>
-            </a:schemeClr>
-          </a:solidFill>
-        </p:spPr>
-        <p:txBody>
-          <a:bodyPr wrap="square" rtlCol="0">
-            <a:spAutoFit/>
-          </a:bodyPr>
-          <a:lstStyle/>
-          <a:p>
-            <a:pPr algn="ctr"/>
-            <a:r>
-              <a:rPr lang="en-US" altLang="ja-JP" sz="1200" b="1" dirty="0">
-                <a:solidFill>
-                  <a:schemeClr val="bg1"/>
-                </a:solidFill>
-                <a:latin typeface="Times New Roman" panose="02020603050405020304" pitchFamily="18" charset="0"/>
-                <a:cs typeface="Times New Roman" panose="02020603050405020304" pitchFamily="18" charset="0"/>
-              </a:rPr>
-              <a:t>FPGA</a:t>
-            </a:r>
-          </a:p>
-          <a:p>
-            <a:pPr algn="ctr"/>
-            <a:r>
-              <a:rPr kumimoji="1" lang="en-US" altLang="ja-JP" sz="1200" b="1" dirty="0">
-                <a:solidFill>
-                  <a:schemeClr val="bg1"/>
-                </a:solidFill>
-                <a:latin typeface="Times New Roman" panose="02020603050405020304" pitchFamily="18" charset="0"/>
-                <a:cs typeface="Times New Roman" panose="02020603050405020304" pitchFamily="18" charset="0"/>
-              </a:rPr>
-              <a:t>(XC7K-160T-2FFG676)</a:t>
-            </a:r>
-            <a:endParaRPr kumimoji="1" lang="ja-JP" altLang="en-US" sz="1200" b="1" dirty="0">
-              <a:solidFill>
-                <a:schemeClr val="bg1"/>
-              </a:solidFill>
-              <a:latin typeface="Times New Roman" panose="02020603050405020304" pitchFamily="18" charset="0"/>
-              <a:cs typeface="Times New Roman" panose="02020603050405020304" pitchFamily="18" charset="0"/>
-            </a:endParaRPr>
-          </a:p>
-        </p:txBody>
-      </p:sp>
-      <p:sp>
-        <p:nvSpPr>
-          <p:cNvPr id="13" name="テキスト ボックス 12">
-            <a:extLst>
-              <a:ext uri="{FF2B5EF4-FFF2-40B4-BE49-F238E27FC236}">
-                <a16:creationId xmlns:a16="http://schemas.microsoft.com/office/drawing/2014/main" id="{7FBC6A7E-3D32-742D-8586-6813FCA64925}"/>
-              </a:ext>
-            </a:extLst>
-          </p:cNvPr>
-          <p:cNvSpPr txBox="1"/>
-          <p:nvPr/>
-        </p:nvSpPr>
-        <p:spPr>
-          <a:xfrm>
-            <a:off x="1837590" y="1354871"/>
-            <a:ext cx="817888" cy="492443"/>
-          </a:xfrm>
-          <a:prstGeom prst="rect">
-            <a:avLst/>
-          </a:prstGeom>
-          <a:solidFill>
-            <a:schemeClr val="tx1">
-              <a:alpha val="35000"/>
-            </a:schemeClr>
-          </a:solidFill>
-        </p:spPr>
-        <p:txBody>
-          <a:bodyPr wrap="square" rtlCol="0">
-            <a:spAutoFit/>
-          </a:bodyPr>
-          <a:lstStyle/>
-          <a:p>
-            <a:pPr algn="ctr"/>
-            <a:r>
-              <a:rPr lang="en-US" altLang="ja-JP" sz="1300" b="1" dirty="0">
-                <a:solidFill>
-                  <a:schemeClr val="bg1"/>
-                </a:solidFill>
-                <a:latin typeface="Times New Roman" panose="02020603050405020304" pitchFamily="18" charset="0"/>
-                <a:cs typeface="Times New Roman" panose="02020603050405020304" pitchFamily="18" charset="0"/>
-              </a:rPr>
-              <a:t>APD bias</a:t>
-            </a:r>
-          </a:p>
-        </p:txBody>
-      </p:sp>
+              </a:endParaRPr>
+            </a:p>
+          </p:txBody>
+        </p:sp>
+        <p:sp>
+          <p:nvSpPr>
+            <p:cNvPr id="13" name="テキスト ボックス 12">
+              <a:extLst>
+                <a:ext uri="{FF2B5EF4-FFF2-40B4-BE49-F238E27FC236}">
+                  <a16:creationId xmlns:a16="http://schemas.microsoft.com/office/drawing/2014/main" id="{7FBC6A7E-3D32-742D-8586-6813FCA64925}"/>
+                </a:ext>
+              </a:extLst>
+            </p:cNvPr>
+            <p:cNvSpPr txBox="1"/>
+            <p:nvPr/>
+          </p:nvSpPr>
+          <p:spPr>
+            <a:xfrm>
+              <a:off x="1837590" y="1354871"/>
+              <a:ext cx="817888" cy="492443"/>
+            </a:xfrm>
+            <a:prstGeom prst="rect">
+              <a:avLst/>
+            </a:prstGeom>
+            <a:solidFill>
+              <a:schemeClr val="tx1">
+                <a:alpha val="35000"/>
+              </a:schemeClr>
+            </a:solidFill>
+          </p:spPr>
+          <p:txBody>
+            <a:bodyPr wrap="square" rtlCol="0">
+              <a:spAutoFit/>
+            </a:bodyPr>
+            <a:lstStyle/>
+            <a:p>
+              <a:pPr algn="ctr"/>
+              <a:r>
+                <a:rPr lang="en-US" altLang="ja-JP" sz="1300" b="1" dirty="0">
+                  <a:solidFill>
+                    <a:schemeClr val="bg1"/>
+                  </a:solidFill>
+                  <a:latin typeface="Times New Roman" panose="02020603050405020304" pitchFamily="18" charset="0"/>
+                  <a:cs typeface="Times New Roman" panose="02020603050405020304" pitchFamily="18" charset="0"/>
+                </a:rPr>
+                <a:t>APD bias</a:t>
+              </a:r>
+            </a:p>
+          </p:txBody>
+        </p:sp>
+        <p:sp>
+          <p:nvSpPr>
+            <p:cNvPr id="2" name="テキスト ボックス 1">
+              <a:extLst>
+                <a:ext uri="{FF2B5EF4-FFF2-40B4-BE49-F238E27FC236}">
+                  <a16:creationId xmlns:a16="http://schemas.microsoft.com/office/drawing/2014/main" id="{F1FCA560-03C0-9047-E3DD-8454759A4876}"/>
+                </a:ext>
+              </a:extLst>
+            </p:cNvPr>
+            <p:cNvSpPr txBox="1"/>
+            <p:nvPr/>
+          </p:nvSpPr>
+          <p:spPr>
+            <a:xfrm>
+              <a:off x="1660467" y="315405"/>
+              <a:ext cx="817888" cy="292388"/>
+            </a:xfrm>
+            <a:prstGeom prst="rect">
+              <a:avLst/>
+            </a:prstGeom>
+            <a:solidFill>
+              <a:schemeClr val="tx1">
+                <a:alpha val="35000"/>
+              </a:schemeClr>
+            </a:solidFill>
+          </p:spPr>
+          <p:txBody>
+            <a:bodyPr wrap="square" rtlCol="0">
+              <a:spAutoFit/>
+            </a:bodyPr>
+            <a:lstStyle/>
+            <a:p>
+              <a:pPr algn="ctr"/>
+              <a:r>
+                <a:rPr lang="en-US" altLang="ja-JP" sz="1300" b="1" dirty="0">
+                  <a:solidFill>
+                    <a:schemeClr val="bg1"/>
+                  </a:solidFill>
+                  <a:latin typeface="Times New Roman" panose="02020603050405020304" pitchFamily="18" charset="0"/>
+                  <a:cs typeface="Times New Roman" panose="02020603050405020304" pitchFamily="18" charset="0"/>
+                </a:rPr>
+                <a:t>Bias out</a:t>
+              </a:r>
+            </a:p>
+          </p:txBody>
+        </p:sp>
+        <p:sp>
+          <p:nvSpPr>
+            <p:cNvPr id="3" name="テキスト ボックス 2">
+              <a:extLst>
+                <a:ext uri="{FF2B5EF4-FFF2-40B4-BE49-F238E27FC236}">
+                  <a16:creationId xmlns:a16="http://schemas.microsoft.com/office/drawing/2014/main" id="{48449317-09A0-DA5D-9A74-6B96CC2D3191}"/>
+                </a:ext>
+              </a:extLst>
+            </p:cNvPr>
+            <p:cNvSpPr txBox="1"/>
+            <p:nvPr/>
+          </p:nvSpPr>
+          <p:spPr>
+            <a:xfrm>
+              <a:off x="2740515" y="315405"/>
+              <a:ext cx="817888" cy="292388"/>
+            </a:xfrm>
+            <a:prstGeom prst="rect">
+              <a:avLst/>
+            </a:prstGeom>
+            <a:solidFill>
+              <a:schemeClr val="tx1">
+                <a:alpha val="35000"/>
+              </a:schemeClr>
+            </a:solidFill>
+          </p:spPr>
+          <p:txBody>
+            <a:bodyPr wrap="square" rtlCol="0">
+              <a:spAutoFit/>
+            </a:bodyPr>
+            <a:lstStyle/>
+            <a:p>
+              <a:pPr algn="ctr"/>
+              <a:r>
+                <a:rPr lang="en-US" altLang="ja-JP" sz="1300" b="1" dirty="0">
+                  <a:solidFill>
+                    <a:schemeClr val="bg1"/>
+                  </a:solidFill>
+                  <a:latin typeface="Times New Roman" panose="02020603050405020304" pitchFamily="18" charset="0"/>
+                  <a:cs typeface="Times New Roman" panose="02020603050405020304" pitchFamily="18" charset="0"/>
+                </a:rPr>
+                <a:t>Test in</a:t>
+              </a:r>
+            </a:p>
+          </p:txBody>
+        </p:sp>
+      </p:grpSp>
     </p:spTree>
     <p:extLst>
       <p:ext uri="{BB962C8B-B14F-4D97-AF65-F5344CB8AC3E}">
